--- a/Pictures/pictures.pptx
+++ b/Pictures/pictures.pptx
@@ -14,6 +14,16 @@
     <p:sldId id="262" r:id="rId8"/>
     <p:sldId id="263" r:id="rId9"/>
     <p:sldId id="264" r:id="rId10"/>
+    <p:sldId id="265" r:id="rId11"/>
+    <p:sldId id="266" r:id="rId12"/>
+    <p:sldId id="267" r:id="rId13"/>
+    <p:sldId id="269" r:id="rId14"/>
+    <p:sldId id="268" r:id="rId15"/>
+    <p:sldId id="270" r:id="rId16"/>
+    <p:sldId id="271" r:id="rId17"/>
+    <p:sldId id="272" r:id="rId18"/>
+    <p:sldId id="273" r:id="rId19"/>
+    <p:sldId id="274" r:id="rId20"/>
   </p:sldIdLst>
   <p:sldSz cx="12192000" cy="6858000"/>
   <p:notesSz cx="6858000" cy="9144000"/>
@@ -4162,6 +4172,2421 @@
 </p:sld>
 </file>
 
+<file path=ppt/slides/slide10.xml><?xml version="1.0" encoding="utf-8"?>
+<p:sld xmlns:a="http://schemas.openxmlformats.org/drawingml/2006/main" xmlns:r="http://schemas.openxmlformats.org/officeDocument/2006/relationships" xmlns:p="http://schemas.openxmlformats.org/presentationml/2006/main">
+  <p:cSld>
+    <p:spTree>
+      <p:nvGrpSpPr>
+        <p:cNvPr id="1" name=""/>
+        <p:cNvGrpSpPr/>
+        <p:nvPr/>
+      </p:nvGrpSpPr>
+      <p:grpSpPr>
+        <a:xfrm>
+          <a:off x="0" y="0"/>
+          <a:ext cx="0" cy="0"/>
+          <a:chOff x="0" y="0"/>
+          <a:chExt cx="0" cy="0"/>
+        </a:xfrm>
+      </p:grpSpPr>
+      <p:pic>
+        <p:nvPicPr>
+          <p:cNvPr id="3" name="รูปภาพ 2" descr="รูปภาพประกอบด้วย ข้อความ, จอภาพ, ภาพหน้าจอ, ในอาคาร&#10;&#10;คำอธิบายที่สร้างโดยอัตโนมัติ">
+            <a:extLst>
+              <a:ext uri="{FF2B5EF4-FFF2-40B4-BE49-F238E27FC236}">
+                <a16:creationId xmlns:a16="http://schemas.microsoft.com/office/drawing/2014/main" id="{9E2F5C14-A988-99B4-F54E-0531CDC5824A}"/>
+              </a:ext>
+            </a:extLst>
+          </p:cNvPr>
+          <p:cNvPicPr>
+            <a:picLocks noChangeAspect="1"/>
+          </p:cNvPicPr>
+          <p:nvPr/>
+        </p:nvPicPr>
+        <p:blipFill>
+          <a:blip r:embed="rId2">
+            <a:extLst>
+              <a:ext uri="{28A0092B-C50C-407E-A947-70E740481C1C}">
+                <a14:useLocalDpi xmlns:a14="http://schemas.microsoft.com/office/drawing/2010/main" val="0"/>
+              </a:ext>
+            </a:extLst>
+          </a:blip>
+          <a:stretch>
+            <a:fillRect/>
+          </a:stretch>
+        </p:blipFill>
+        <p:spPr>
+          <a:xfrm>
+            <a:off x="0" y="87720"/>
+            <a:ext cx="12192000" cy="6606363"/>
+          </a:xfrm>
+          <a:prstGeom prst="rect">
+            <a:avLst/>
+          </a:prstGeom>
+        </p:spPr>
+      </p:pic>
+      <p:sp>
+        <p:nvSpPr>
+          <p:cNvPr id="4" name="สี่เหลี่ยมผืนผ้า: มุมมน 3">
+            <a:extLst>
+              <a:ext uri="{FF2B5EF4-FFF2-40B4-BE49-F238E27FC236}">
+                <a16:creationId xmlns:a16="http://schemas.microsoft.com/office/drawing/2014/main" id="{0AEF982A-91E8-9E55-C998-3B66C558FAE2}"/>
+              </a:ext>
+            </a:extLst>
+          </p:cNvPr>
+          <p:cNvSpPr/>
+          <p:nvPr/>
+        </p:nvSpPr>
+        <p:spPr>
+          <a:xfrm>
+            <a:off x="238125" y="704850"/>
+            <a:ext cx="2066925" cy="2009775"/>
+          </a:xfrm>
+          <a:prstGeom prst="roundRect">
+            <a:avLst>
+              <a:gd name="adj" fmla="val 6240"/>
+            </a:avLst>
+          </a:prstGeom>
+          <a:noFill/>
+          <a:ln w="28575">
+            <a:solidFill>
+              <a:srgbClr val="FF0000"/>
+            </a:solidFill>
+          </a:ln>
+        </p:spPr>
+        <p:style>
+          <a:lnRef idx="2">
+            <a:schemeClr val="accent1">
+              <a:shade val="50000"/>
+            </a:schemeClr>
+          </a:lnRef>
+          <a:fillRef idx="1">
+            <a:schemeClr val="accent1"/>
+          </a:fillRef>
+          <a:effectRef idx="0">
+            <a:schemeClr val="accent1"/>
+          </a:effectRef>
+          <a:fontRef idx="minor">
+            <a:schemeClr val="lt1"/>
+          </a:fontRef>
+        </p:style>
+        <p:txBody>
+          <a:bodyPr rtlCol="0" anchor="ctr"/>
+          <a:lstStyle/>
+          <a:p>
+            <a:pPr algn="ctr"/>
+            <a:endParaRPr lang="th-TH"/>
+          </a:p>
+        </p:txBody>
+      </p:sp>
+      <p:sp>
+        <p:nvSpPr>
+          <p:cNvPr id="5" name="สี่เหลี่ยมผืนผ้า: มุมมน 4">
+            <a:extLst>
+              <a:ext uri="{FF2B5EF4-FFF2-40B4-BE49-F238E27FC236}">
+                <a16:creationId xmlns:a16="http://schemas.microsoft.com/office/drawing/2014/main" id="{FC779763-F8E0-E896-B971-59675EB9A821}"/>
+              </a:ext>
+            </a:extLst>
+          </p:cNvPr>
+          <p:cNvSpPr/>
+          <p:nvPr/>
+        </p:nvSpPr>
+        <p:spPr>
+          <a:xfrm>
+            <a:off x="2390775" y="581025"/>
+            <a:ext cx="6143625" cy="3990975"/>
+          </a:xfrm>
+          <a:prstGeom prst="roundRect">
+            <a:avLst>
+              <a:gd name="adj" fmla="val 6240"/>
+            </a:avLst>
+          </a:prstGeom>
+          <a:noFill/>
+          <a:ln w="28575">
+            <a:solidFill>
+              <a:srgbClr val="FF0000"/>
+            </a:solidFill>
+          </a:ln>
+        </p:spPr>
+        <p:style>
+          <a:lnRef idx="2">
+            <a:schemeClr val="accent1">
+              <a:shade val="50000"/>
+            </a:schemeClr>
+          </a:lnRef>
+          <a:fillRef idx="1">
+            <a:schemeClr val="accent1"/>
+          </a:fillRef>
+          <a:effectRef idx="0">
+            <a:schemeClr val="accent1"/>
+          </a:effectRef>
+          <a:fontRef idx="minor">
+            <a:schemeClr val="lt1"/>
+          </a:fontRef>
+        </p:style>
+        <p:txBody>
+          <a:bodyPr rtlCol="0" anchor="ctr"/>
+          <a:lstStyle/>
+          <a:p>
+            <a:pPr algn="ctr"/>
+            <a:endParaRPr lang="th-TH"/>
+          </a:p>
+        </p:txBody>
+      </p:sp>
+      <p:sp>
+        <p:nvSpPr>
+          <p:cNvPr id="6" name="สี่เหลี่ยมผืนผ้า: มุมมน 5">
+            <a:extLst>
+              <a:ext uri="{FF2B5EF4-FFF2-40B4-BE49-F238E27FC236}">
+                <a16:creationId xmlns:a16="http://schemas.microsoft.com/office/drawing/2014/main" id="{B6EECFD3-F128-0E46-4755-71D5398A28B1}"/>
+              </a:ext>
+            </a:extLst>
+          </p:cNvPr>
+          <p:cNvSpPr/>
+          <p:nvPr/>
+        </p:nvSpPr>
+        <p:spPr>
+          <a:xfrm>
+            <a:off x="8734425" y="6419849"/>
+            <a:ext cx="3457575" cy="350431"/>
+          </a:xfrm>
+          <a:prstGeom prst="roundRect">
+            <a:avLst>
+              <a:gd name="adj" fmla="val 6240"/>
+            </a:avLst>
+          </a:prstGeom>
+          <a:noFill/>
+          <a:ln w="28575">
+            <a:solidFill>
+              <a:srgbClr val="FF0000"/>
+            </a:solidFill>
+          </a:ln>
+        </p:spPr>
+        <p:style>
+          <a:lnRef idx="2">
+            <a:schemeClr val="accent1">
+              <a:shade val="50000"/>
+            </a:schemeClr>
+          </a:lnRef>
+          <a:fillRef idx="1">
+            <a:schemeClr val="accent1"/>
+          </a:fillRef>
+          <a:effectRef idx="0">
+            <a:schemeClr val="accent1"/>
+          </a:effectRef>
+          <a:fontRef idx="minor">
+            <a:schemeClr val="lt1"/>
+          </a:fontRef>
+        </p:style>
+        <p:txBody>
+          <a:bodyPr rtlCol="0" anchor="ctr"/>
+          <a:lstStyle/>
+          <a:p>
+            <a:pPr algn="ctr"/>
+            <a:endParaRPr lang="th-TH"/>
+          </a:p>
+        </p:txBody>
+      </p:sp>
+      <p:sp>
+        <p:nvSpPr>
+          <p:cNvPr id="7" name="สี่เหลี่ยมผืนผ้า 6">
+            <a:extLst>
+              <a:ext uri="{FF2B5EF4-FFF2-40B4-BE49-F238E27FC236}">
+                <a16:creationId xmlns:a16="http://schemas.microsoft.com/office/drawing/2014/main" id="{A8E52EAA-2AE8-2577-122F-B683F75A91CC}"/>
+              </a:ext>
+            </a:extLst>
+          </p:cNvPr>
+          <p:cNvSpPr/>
+          <p:nvPr/>
+        </p:nvSpPr>
+        <p:spPr>
+          <a:xfrm>
+            <a:off x="338137" y="2128836"/>
+            <a:ext cx="1866900" cy="447676"/>
+          </a:xfrm>
+          <a:prstGeom prst="rect">
+            <a:avLst/>
+          </a:prstGeom>
+          <a:solidFill>
+            <a:schemeClr val="accent4">
+              <a:lumMod val="20000"/>
+              <a:lumOff val="80000"/>
+            </a:schemeClr>
+          </a:solidFill>
+        </p:spPr>
+        <p:style>
+          <a:lnRef idx="2">
+            <a:schemeClr val="accent1">
+              <a:shade val="50000"/>
+            </a:schemeClr>
+          </a:lnRef>
+          <a:fillRef idx="1">
+            <a:schemeClr val="accent1"/>
+          </a:fillRef>
+          <a:effectRef idx="0">
+            <a:schemeClr val="accent1"/>
+          </a:effectRef>
+          <a:fontRef idx="minor">
+            <a:schemeClr val="lt1"/>
+          </a:fontRef>
+        </p:style>
+        <p:txBody>
+          <a:bodyPr rtlCol="0" anchor="ctr"/>
+          <a:lstStyle/>
+          <a:p>
+            <a:pPr algn="ctr"/>
+            <a:r>
+              <a:rPr lang="en-US" sz="1800" dirty="0">
+                <a:solidFill>
+                  <a:srgbClr val="0070C0"/>
+                </a:solidFill>
+              </a:rPr>
+              <a:t>Solution Explorer</a:t>
+            </a:r>
+            <a:endParaRPr lang="th-TH" sz="1800" dirty="0">
+              <a:solidFill>
+                <a:srgbClr val="0070C0"/>
+              </a:solidFill>
+            </a:endParaRPr>
+          </a:p>
+        </p:txBody>
+      </p:sp>
+      <p:sp>
+        <p:nvSpPr>
+          <p:cNvPr id="8" name="สี่เหลี่ยมผืนผ้า 7">
+            <a:extLst>
+              <a:ext uri="{FF2B5EF4-FFF2-40B4-BE49-F238E27FC236}">
+                <a16:creationId xmlns:a16="http://schemas.microsoft.com/office/drawing/2014/main" id="{4E9E7684-A816-8BDD-2161-A8F49D5EAD46}"/>
+              </a:ext>
+            </a:extLst>
+          </p:cNvPr>
+          <p:cNvSpPr/>
+          <p:nvPr/>
+        </p:nvSpPr>
+        <p:spPr>
+          <a:xfrm>
+            <a:off x="4319587" y="2266949"/>
+            <a:ext cx="1866900" cy="447676"/>
+          </a:xfrm>
+          <a:prstGeom prst="rect">
+            <a:avLst/>
+          </a:prstGeom>
+          <a:solidFill>
+            <a:schemeClr val="accent4">
+              <a:lumMod val="20000"/>
+              <a:lumOff val="80000"/>
+            </a:schemeClr>
+          </a:solidFill>
+        </p:spPr>
+        <p:style>
+          <a:lnRef idx="2">
+            <a:schemeClr val="accent1">
+              <a:shade val="50000"/>
+            </a:schemeClr>
+          </a:lnRef>
+          <a:fillRef idx="1">
+            <a:schemeClr val="accent1"/>
+          </a:fillRef>
+          <a:effectRef idx="0">
+            <a:schemeClr val="accent1"/>
+          </a:effectRef>
+          <a:fontRef idx="minor">
+            <a:schemeClr val="lt1"/>
+          </a:fontRef>
+        </p:style>
+        <p:txBody>
+          <a:bodyPr rtlCol="0" anchor="ctr"/>
+          <a:lstStyle/>
+          <a:p>
+            <a:pPr algn="ctr"/>
+            <a:r>
+              <a:rPr lang="en-US" sz="1800" dirty="0">
+                <a:solidFill>
+                  <a:srgbClr val="0070C0"/>
+                </a:solidFill>
+              </a:rPr>
+              <a:t>Form design</a:t>
+            </a:r>
+            <a:endParaRPr lang="th-TH" sz="1800" dirty="0">
+              <a:solidFill>
+                <a:srgbClr val="0070C0"/>
+              </a:solidFill>
+            </a:endParaRPr>
+          </a:p>
+        </p:txBody>
+      </p:sp>
+      <p:sp>
+        <p:nvSpPr>
+          <p:cNvPr id="9" name="สี่เหลี่ยมผืนผ้า 8">
+            <a:extLst>
+              <a:ext uri="{FF2B5EF4-FFF2-40B4-BE49-F238E27FC236}">
+                <a16:creationId xmlns:a16="http://schemas.microsoft.com/office/drawing/2014/main" id="{48532B04-45C1-E7EB-92D1-E5C95E88BB5F}"/>
+              </a:ext>
+            </a:extLst>
+          </p:cNvPr>
+          <p:cNvSpPr/>
+          <p:nvPr/>
+        </p:nvSpPr>
+        <p:spPr>
+          <a:xfrm>
+            <a:off x="9882187" y="5924548"/>
+            <a:ext cx="1866900" cy="447676"/>
+          </a:xfrm>
+          <a:prstGeom prst="rect">
+            <a:avLst/>
+          </a:prstGeom>
+          <a:solidFill>
+            <a:schemeClr val="accent4">
+              <a:lumMod val="20000"/>
+              <a:lumOff val="80000"/>
+            </a:schemeClr>
+          </a:solidFill>
+        </p:spPr>
+        <p:style>
+          <a:lnRef idx="2">
+            <a:schemeClr val="accent1">
+              <a:shade val="50000"/>
+            </a:schemeClr>
+          </a:lnRef>
+          <a:fillRef idx="1">
+            <a:schemeClr val="accent1"/>
+          </a:fillRef>
+          <a:effectRef idx="0">
+            <a:schemeClr val="accent1"/>
+          </a:effectRef>
+          <a:fontRef idx="minor">
+            <a:schemeClr val="lt1"/>
+          </a:fontRef>
+        </p:style>
+        <p:txBody>
+          <a:bodyPr rtlCol="0" anchor="ctr"/>
+          <a:lstStyle/>
+          <a:p>
+            <a:pPr algn="ctr"/>
+            <a:r>
+              <a:rPr lang="en-US" sz="1800" dirty="0">
+                <a:solidFill>
+                  <a:srgbClr val="0070C0"/>
+                </a:solidFill>
+              </a:rPr>
+              <a:t>Git status</a:t>
+            </a:r>
+            <a:endParaRPr lang="th-TH" sz="1800" dirty="0">
+              <a:solidFill>
+                <a:srgbClr val="0070C0"/>
+              </a:solidFill>
+            </a:endParaRPr>
+          </a:p>
+        </p:txBody>
+      </p:sp>
+      <p:sp>
+        <p:nvSpPr>
+          <p:cNvPr id="10" name="สี่เหลี่ยมผืนผ้า 9">
+            <a:extLst>
+              <a:ext uri="{FF2B5EF4-FFF2-40B4-BE49-F238E27FC236}">
+                <a16:creationId xmlns:a16="http://schemas.microsoft.com/office/drawing/2014/main" id="{3C8B400C-F5A3-3B65-C97E-F4DBA1DDDB97}"/>
+              </a:ext>
+            </a:extLst>
+          </p:cNvPr>
+          <p:cNvSpPr/>
+          <p:nvPr/>
+        </p:nvSpPr>
+        <p:spPr>
+          <a:xfrm>
+            <a:off x="10177462" y="3986209"/>
+            <a:ext cx="1276350" cy="447676"/>
+          </a:xfrm>
+          <a:prstGeom prst="rect">
+            <a:avLst/>
+          </a:prstGeom>
+          <a:solidFill>
+            <a:schemeClr val="accent4">
+              <a:lumMod val="20000"/>
+              <a:lumOff val="80000"/>
+            </a:schemeClr>
+          </a:solidFill>
+        </p:spPr>
+        <p:style>
+          <a:lnRef idx="2">
+            <a:schemeClr val="accent1">
+              <a:shade val="50000"/>
+            </a:schemeClr>
+          </a:lnRef>
+          <a:fillRef idx="1">
+            <a:schemeClr val="accent1"/>
+          </a:fillRef>
+          <a:effectRef idx="0">
+            <a:schemeClr val="accent1"/>
+          </a:effectRef>
+          <a:fontRef idx="minor">
+            <a:schemeClr val="lt1"/>
+          </a:fontRef>
+        </p:style>
+        <p:txBody>
+          <a:bodyPr rtlCol="0" anchor="ctr"/>
+          <a:lstStyle/>
+          <a:p>
+            <a:pPr algn="ctr"/>
+            <a:r>
+              <a:rPr lang="en-US" sz="1800" dirty="0">
+                <a:solidFill>
+                  <a:srgbClr val="0070C0"/>
+                </a:solidFill>
+              </a:rPr>
+              <a:t>Git changes</a:t>
+            </a:r>
+            <a:endParaRPr lang="th-TH" sz="1800" dirty="0">
+              <a:solidFill>
+                <a:srgbClr val="0070C0"/>
+              </a:solidFill>
+            </a:endParaRPr>
+          </a:p>
+        </p:txBody>
+      </p:sp>
+      <p:sp>
+        <p:nvSpPr>
+          <p:cNvPr id="11" name="สี่เหลี่ยมผืนผ้า: มุมมน 10">
+            <a:extLst>
+              <a:ext uri="{FF2B5EF4-FFF2-40B4-BE49-F238E27FC236}">
+                <a16:creationId xmlns:a16="http://schemas.microsoft.com/office/drawing/2014/main" id="{9A3581B6-28B7-E47B-F339-BEBBF4B75ED9}"/>
+              </a:ext>
+            </a:extLst>
+          </p:cNvPr>
+          <p:cNvSpPr/>
+          <p:nvPr/>
+        </p:nvSpPr>
+        <p:spPr>
+          <a:xfrm>
+            <a:off x="8620125" y="581025"/>
+            <a:ext cx="3457575" cy="3943350"/>
+          </a:xfrm>
+          <a:prstGeom prst="roundRect">
+            <a:avLst>
+              <a:gd name="adj" fmla="val 6240"/>
+            </a:avLst>
+          </a:prstGeom>
+          <a:noFill/>
+          <a:ln w="28575">
+            <a:solidFill>
+              <a:srgbClr val="FF0000"/>
+            </a:solidFill>
+          </a:ln>
+        </p:spPr>
+        <p:style>
+          <a:lnRef idx="2">
+            <a:schemeClr val="accent1">
+              <a:shade val="50000"/>
+            </a:schemeClr>
+          </a:lnRef>
+          <a:fillRef idx="1">
+            <a:schemeClr val="accent1"/>
+          </a:fillRef>
+          <a:effectRef idx="0">
+            <a:schemeClr val="accent1"/>
+          </a:effectRef>
+          <a:fontRef idx="minor">
+            <a:schemeClr val="lt1"/>
+          </a:fontRef>
+        </p:style>
+        <p:txBody>
+          <a:bodyPr rtlCol="0" anchor="ctr"/>
+          <a:lstStyle/>
+          <a:p>
+            <a:pPr algn="ctr"/>
+            <a:endParaRPr lang="th-TH"/>
+          </a:p>
+        </p:txBody>
+      </p:sp>
+    </p:spTree>
+    <p:extLst>
+      <p:ext uri="{BB962C8B-B14F-4D97-AF65-F5344CB8AC3E}">
+        <p14:creationId xmlns:p14="http://schemas.microsoft.com/office/powerpoint/2010/main" val="3680966879"/>
+      </p:ext>
+    </p:extLst>
+  </p:cSld>
+  <p:clrMapOvr>
+    <a:masterClrMapping/>
+  </p:clrMapOvr>
+</p:sld>
+</file>
+
+<file path=ppt/slides/slide11.xml><?xml version="1.0" encoding="utf-8"?>
+<p:sld xmlns:a="http://schemas.openxmlformats.org/drawingml/2006/main" xmlns:r="http://schemas.openxmlformats.org/officeDocument/2006/relationships" xmlns:p="http://schemas.openxmlformats.org/presentationml/2006/main">
+  <p:cSld>
+    <p:spTree>
+      <p:nvGrpSpPr>
+        <p:cNvPr id="1" name=""/>
+        <p:cNvGrpSpPr/>
+        <p:nvPr/>
+      </p:nvGrpSpPr>
+      <p:grpSpPr>
+        <a:xfrm>
+          <a:off x="0" y="0"/>
+          <a:ext cx="0" cy="0"/>
+          <a:chOff x="0" y="0"/>
+          <a:chExt cx="0" cy="0"/>
+        </a:xfrm>
+      </p:grpSpPr>
+      <p:pic>
+        <p:nvPicPr>
+          <p:cNvPr id="3" name="รูปภาพ 2" descr="รูปภาพประกอบด้วย ข้อความ&#10;&#10;คำอธิบายที่สร้างโดยอัตโนมัติ">
+            <a:extLst>
+              <a:ext uri="{FF2B5EF4-FFF2-40B4-BE49-F238E27FC236}">
+                <a16:creationId xmlns:a16="http://schemas.microsoft.com/office/drawing/2014/main" id="{3CE013BA-311A-4AF1-B3B2-CCD087D87D1A}"/>
+              </a:ext>
+            </a:extLst>
+          </p:cNvPr>
+          <p:cNvPicPr>
+            <a:picLocks noChangeAspect="1"/>
+          </p:cNvPicPr>
+          <p:nvPr/>
+        </p:nvPicPr>
+        <p:blipFill>
+          <a:blip r:embed="rId2">
+            <a:extLst>
+              <a:ext uri="{28A0092B-C50C-407E-A947-70E740481C1C}">
+                <a14:useLocalDpi xmlns:a14="http://schemas.microsoft.com/office/drawing/2010/main" val="0"/>
+              </a:ext>
+            </a:extLst>
+          </a:blip>
+          <a:stretch>
+            <a:fillRect/>
+          </a:stretch>
+        </p:blipFill>
+        <p:spPr>
+          <a:xfrm>
+            <a:off x="2070244" y="0"/>
+            <a:ext cx="3936711" cy="6858000"/>
+          </a:xfrm>
+          <a:prstGeom prst="rect">
+            <a:avLst/>
+          </a:prstGeom>
+        </p:spPr>
+      </p:pic>
+      <p:sp>
+        <p:nvSpPr>
+          <p:cNvPr id="6" name="สี่เหลี่ยมผืนผ้า 5">
+            <a:extLst>
+              <a:ext uri="{FF2B5EF4-FFF2-40B4-BE49-F238E27FC236}">
+                <a16:creationId xmlns:a16="http://schemas.microsoft.com/office/drawing/2014/main" id="{97FBC9BE-47D5-B694-419C-8EFF3C9E46BF}"/>
+              </a:ext>
+            </a:extLst>
+          </p:cNvPr>
+          <p:cNvSpPr/>
+          <p:nvPr/>
+        </p:nvSpPr>
+        <p:spPr>
+          <a:xfrm>
+            <a:off x="2070244" y="6162675"/>
+            <a:ext cx="3797156" cy="695325"/>
+          </a:xfrm>
+          <a:prstGeom prst="rect">
+            <a:avLst/>
+          </a:prstGeom>
+          <a:noFill/>
+          <a:ln w="19050">
+            <a:solidFill>
+              <a:srgbClr val="FF0000"/>
+            </a:solidFill>
+          </a:ln>
+        </p:spPr>
+        <p:style>
+          <a:lnRef idx="2">
+            <a:schemeClr val="accent1">
+              <a:shade val="50000"/>
+            </a:schemeClr>
+          </a:lnRef>
+          <a:fillRef idx="1">
+            <a:schemeClr val="accent1"/>
+          </a:fillRef>
+          <a:effectRef idx="0">
+            <a:schemeClr val="accent1"/>
+          </a:effectRef>
+          <a:fontRef idx="minor">
+            <a:schemeClr val="lt1"/>
+          </a:fontRef>
+        </p:style>
+        <p:txBody>
+          <a:bodyPr rtlCol="0" anchor="ctr"/>
+          <a:lstStyle/>
+          <a:p>
+            <a:pPr algn="ctr"/>
+            <a:endParaRPr lang="th-TH"/>
+          </a:p>
+        </p:txBody>
+      </p:sp>
+      <p:cxnSp>
+        <p:nvCxnSpPr>
+          <p:cNvPr id="8" name="ตัวเชื่อมต่อตรง 7">
+            <a:extLst>
+              <a:ext uri="{FF2B5EF4-FFF2-40B4-BE49-F238E27FC236}">
+                <a16:creationId xmlns:a16="http://schemas.microsoft.com/office/drawing/2014/main" id="{30B7EBA9-52B7-5587-066C-3C1C1E4FB18A}"/>
+              </a:ext>
+            </a:extLst>
+          </p:cNvPr>
+          <p:cNvCxnSpPr>
+            <a:cxnSpLocks/>
+          </p:cNvCxnSpPr>
+          <p:nvPr/>
+        </p:nvCxnSpPr>
+        <p:spPr>
+          <a:xfrm flipV="1">
+            <a:off x="2070244" y="4471918"/>
+            <a:ext cx="2420794" cy="1700282"/>
+          </a:xfrm>
+          <a:prstGeom prst="line">
+            <a:avLst/>
+          </a:prstGeom>
+          <a:ln w="28575">
+            <a:solidFill>
+              <a:srgbClr val="FF0000"/>
+            </a:solidFill>
+            <a:prstDash val="sysDash"/>
+          </a:ln>
+        </p:spPr>
+        <p:style>
+          <a:lnRef idx="1">
+            <a:schemeClr val="accent2"/>
+          </a:lnRef>
+          <a:fillRef idx="0">
+            <a:schemeClr val="accent2"/>
+          </a:fillRef>
+          <a:effectRef idx="0">
+            <a:schemeClr val="accent2"/>
+          </a:effectRef>
+          <a:fontRef idx="minor">
+            <a:schemeClr val="tx1"/>
+          </a:fontRef>
+        </p:style>
+      </p:cxnSp>
+      <p:cxnSp>
+        <p:nvCxnSpPr>
+          <p:cNvPr id="14" name="ตัวเชื่อมต่อตรง 13">
+            <a:extLst>
+              <a:ext uri="{FF2B5EF4-FFF2-40B4-BE49-F238E27FC236}">
+                <a16:creationId xmlns:a16="http://schemas.microsoft.com/office/drawing/2014/main" id="{C6EA93D9-8AB5-8E6F-272F-4A2A0AB3132E}"/>
+              </a:ext>
+            </a:extLst>
+          </p:cNvPr>
+          <p:cNvCxnSpPr>
+            <a:cxnSpLocks/>
+          </p:cNvCxnSpPr>
+          <p:nvPr/>
+        </p:nvCxnSpPr>
+        <p:spPr>
+          <a:xfrm flipV="1">
+            <a:off x="2091953" y="5657849"/>
+            <a:ext cx="2442502" cy="1193041"/>
+          </a:xfrm>
+          <a:prstGeom prst="line">
+            <a:avLst/>
+          </a:prstGeom>
+          <a:ln w="28575">
+            <a:solidFill>
+              <a:srgbClr val="FF0000"/>
+            </a:solidFill>
+            <a:prstDash val="sysDash"/>
+          </a:ln>
+        </p:spPr>
+        <p:style>
+          <a:lnRef idx="1">
+            <a:schemeClr val="accent2"/>
+          </a:lnRef>
+          <a:fillRef idx="0">
+            <a:schemeClr val="accent2"/>
+          </a:fillRef>
+          <a:effectRef idx="0">
+            <a:schemeClr val="accent2"/>
+          </a:effectRef>
+          <a:fontRef idx="minor">
+            <a:schemeClr val="tx1"/>
+          </a:fontRef>
+        </p:style>
+      </p:cxnSp>
+      <p:cxnSp>
+        <p:nvCxnSpPr>
+          <p:cNvPr id="16" name="ตัวเชื่อมต่อตรง 15">
+            <a:extLst>
+              <a:ext uri="{FF2B5EF4-FFF2-40B4-BE49-F238E27FC236}">
+                <a16:creationId xmlns:a16="http://schemas.microsoft.com/office/drawing/2014/main" id="{63655A4A-9ECB-8302-0E4B-B499F5B21672}"/>
+              </a:ext>
+            </a:extLst>
+          </p:cNvPr>
+          <p:cNvCxnSpPr>
+            <a:cxnSpLocks/>
+          </p:cNvCxnSpPr>
+          <p:nvPr/>
+        </p:nvCxnSpPr>
+        <p:spPr>
+          <a:xfrm flipV="1">
+            <a:off x="5867400" y="4467156"/>
+            <a:ext cx="4168057" cy="1705044"/>
+          </a:xfrm>
+          <a:prstGeom prst="line">
+            <a:avLst/>
+          </a:prstGeom>
+          <a:ln w="28575">
+            <a:solidFill>
+              <a:srgbClr val="FF0000"/>
+            </a:solidFill>
+            <a:prstDash val="sysDash"/>
+          </a:ln>
+        </p:spPr>
+        <p:style>
+          <a:lnRef idx="1">
+            <a:schemeClr val="accent2"/>
+          </a:lnRef>
+          <a:fillRef idx="0">
+            <a:schemeClr val="accent2"/>
+          </a:fillRef>
+          <a:effectRef idx="0">
+            <a:schemeClr val="accent2"/>
+          </a:effectRef>
+          <a:fontRef idx="minor">
+            <a:schemeClr val="tx1"/>
+          </a:fontRef>
+        </p:style>
+      </p:cxnSp>
+      <p:cxnSp>
+        <p:nvCxnSpPr>
+          <p:cNvPr id="18" name="ตัวเชื่อมต่อตรง 17">
+            <a:extLst>
+              <a:ext uri="{FF2B5EF4-FFF2-40B4-BE49-F238E27FC236}">
+                <a16:creationId xmlns:a16="http://schemas.microsoft.com/office/drawing/2014/main" id="{02145FBB-4CD0-16BA-2B95-27E57E003888}"/>
+              </a:ext>
+            </a:extLst>
+          </p:cNvPr>
+          <p:cNvCxnSpPr>
+            <a:cxnSpLocks/>
+          </p:cNvCxnSpPr>
+          <p:nvPr/>
+        </p:nvCxnSpPr>
+        <p:spPr>
+          <a:xfrm flipV="1">
+            <a:off x="5845692" y="5664959"/>
+            <a:ext cx="4189765" cy="1193041"/>
+          </a:xfrm>
+          <a:prstGeom prst="line">
+            <a:avLst/>
+          </a:prstGeom>
+          <a:ln w="28575">
+            <a:solidFill>
+              <a:srgbClr val="FF0000"/>
+            </a:solidFill>
+            <a:prstDash val="sysDash"/>
+          </a:ln>
+        </p:spPr>
+        <p:style>
+          <a:lnRef idx="1">
+            <a:schemeClr val="accent2"/>
+          </a:lnRef>
+          <a:fillRef idx="0">
+            <a:schemeClr val="accent2"/>
+          </a:fillRef>
+          <a:effectRef idx="0">
+            <a:schemeClr val="accent2"/>
+          </a:effectRef>
+          <a:fontRef idx="minor">
+            <a:schemeClr val="tx1"/>
+          </a:fontRef>
+        </p:style>
+      </p:cxnSp>
+      <p:pic>
+        <p:nvPicPr>
+          <p:cNvPr id="5" name="รูปภาพ 4">
+            <a:extLst>
+              <a:ext uri="{FF2B5EF4-FFF2-40B4-BE49-F238E27FC236}">
+                <a16:creationId xmlns:a16="http://schemas.microsoft.com/office/drawing/2014/main" id="{F68E2ACE-7DCB-E991-EAFA-01D843E68F8F}"/>
+              </a:ext>
+            </a:extLst>
+          </p:cNvPr>
+          <p:cNvPicPr>
+            <a:picLocks noChangeAspect="1"/>
+          </p:cNvPicPr>
+          <p:nvPr/>
+        </p:nvPicPr>
+        <p:blipFill>
+          <a:blip r:embed="rId3">
+            <a:extLst>
+              <a:ext uri="{28A0092B-C50C-407E-A947-70E740481C1C}">
+                <a14:useLocalDpi xmlns:a14="http://schemas.microsoft.com/office/drawing/2010/main" val="0"/>
+              </a:ext>
+            </a:extLst>
+          </a:blip>
+          <a:stretch>
+            <a:fillRect/>
+          </a:stretch>
+        </p:blipFill>
+        <p:spPr>
+          <a:xfrm>
+            <a:off x="4534455" y="4471918"/>
+            <a:ext cx="5457585" cy="1185931"/>
+          </a:xfrm>
+          <a:prstGeom prst="rect">
+            <a:avLst/>
+          </a:prstGeom>
+          <a:ln w="28575">
+            <a:solidFill>
+              <a:srgbClr val="FF0000"/>
+            </a:solidFill>
+          </a:ln>
+        </p:spPr>
+      </p:pic>
+      <p:sp>
+        <p:nvSpPr>
+          <p:cNvPr id="20" name="สี่เหลี่ยมผืนผ้า: มุมมน 19">
+            <a:extLst>
+              <a:ext uri="{FF2B5EF4-FFF2-40B4-BE49-F238E27FC236}">
+                <a16:creationId xmlns:a16="http://schemas.microsoft.com/office/drawing/2014/main" id="{E92A7AEA-1898-89D7-0F59-2F342342F393}"/>
+              </a:ext>
+            </a:extLst>
+          </p:cNvPr>
+          <p:cNvSpPr/>
+          <p:nvPr/>
+        </p:nvSpPr>
+        <p:spPr>
+          <a:xfrm>
+            <a:off x="4070905" y="166513"/>
+            <a:ext cx="463550" cy="266700"/>
+          </a:xfrm>
+          <a:prstGeom prst="roundRect">
+            <a:avLst/>
+          </a:prstGeom>
+          <a:solidFill>
+            <a:srgbClr val="FFFF00"/>
+          </a:solidFill>
+          <a:ln w="28575">
+            <a:solidFill>
+              <a:srgbClr val="FF0000"/>
+            </a:solidFill>
+          </a:ln>
+        </p:spPr>
+        <p:style>
+          <a:lnRef idx="2">
+            <a:schemeClr val="accent1">
+              <a:shade val="50000"/>
+            </a:schemeClr>
+          </a:lnRef>
+          <a:fillRef idx="1">
+            <a:schemeClr val="accent1"/>
+          </a:fillRef>
+          <a:effectRef idx="0">
+            <a:schemeClr val="accent1"/>
+          </a:effectRef>
+          <a:fontRef idx="minor">
+            <a:schemeClr val="lt1"/>
+          </a:fontRef>
+        </p:style>
+        <p:txBody>
+          <a:bodyPr rtlCol="0" anchor="ctr"/>
+          <a:lstStyle/>
+          <a:p>
+            <a:pPr algn="ctr"/>
+            <a:r>
+              <a:rPr lang="en-US" sz="1800" dirty="0">
+                <a:solidFill>
+                  <a:srgbClr val="FF0000"/>
+                </a:solidFill>
+              </a:rPr>
+              <a:t>1</a:t>
+            </a:r>
+            <a:endParaRPr lang="th-TH" sz="1800" dirty="0">
+              <a:solidFill>
+                <a:srgbClr val="FF0000"/>
+              </a:solidFill>
+            </a:endParaRPr>
+          </a:p>
+        </p:txBody>
+      </p:sp>
+      <p:cxnSp>
+        <p:nvCxnSpPr>
+          <p:cNvPr id="21" name="ลูกศรเชื่อมต่อแบบตรง 20">
+            <a:extLst>
+              <a:ext uri="{FF2B5EF4-FFF2-40B4-BE49-F238E27FC236}">
+                <a16:creationId xmlns:a16="http://schemas.microsoft.com/office/drawing/2014/main" id="{ACEE4DE0-97D1-19DF-74AB-18FC837BEEEB}"/>
+              </a:ext>
+            </a:extLst>
+          </p:cNvPr>
+          <p:cNvCxnSpPr>
+            <a:cxnSpLocks/>
+            <a:stCxn id="20" idx="1"/>
+          </p:cNvCxnSpPr>
+          <p:nvPr/>
+        </p:nvCxnSpPr>
+        <p:spPr>
+          <a:xfrm flipH="1">
+            <a:off x="3626982" y="299863"/>
+            <a:ext cx="443923" cy="73593"/>
+          </a:xfrm>
+          <a:prstGeom prst="straightConnector1">
+            <a:avLst/>
+          </a:prstGeom>
+          <a:ln w="28575" cap="flat" cmpd="sng" algn="ctr">
+            <a:solidFill>
+              <a:srgbClr val="FF0000"/>
+            </a:solidFill>
+            <a:prstDash val="solid"/>
+            <a:round/>
+            <a:headEnd type="none" w="med" len="med"/>
+            <a:tailEnd type="arrow" w="med" len="med"/>
+          </a:ln>
+        </p:spPr>
+        <p:style>
+          <a:lnRef idx="0">
+            <a:scrgbClr r="0" g="0" b="0"/>
+          </a:lnRef>
+          <a:fillRef idx="0">
+            <a:scrgbClr r="0" g="0" b="0"/>
+          </a:fillRef>
+          <a:effectRef idx="0">
+            <a:scrgbClr r="0" g="0" b="0"/>
+          </a:effectRef>
+          <a:fontRef idx="minor">
+            <a:schemeClr val="tx1"/>
+          </a:fontRef>
+        </p:style>
+      </p:cxnSp>
+      <p:sp>
+        <p:nvSpPr>
+          <p:cNvPr id="22" name="สี่เหลี่ยมผืนผ้า: มุมมน 21">
+            <a:extLst>
+              <a:ext uri="{FF2B5EF4-FFF2-40B4-BE49-F238E27FC236}">
+                <a16:creationId xmlns:a16="http://schemas.microsoft.com/office/drawing/2014/main" id="{66594602-C957-8257-89EB-5089AAB9D08E}"/>
+              </a:ext>
+            </a:extLst>
+          </p:cNvPr>
+          <p:cNvSpPr/>
+          <p:nvPr/>
+        </p:nvSpPr>
+        <p:spPr>
+          <a:xfrm>
+            <a:off x="4286967" y="1092639"/>
+            <a:ext cx="463550" cy="266700"/>
+          </a:xfrm>
+          <a:prstGeom prst="roundRect">
+            <a:avLst/>
+          </a:prstGeom>
+          <a:solidFill>
+            <a:srgbClr val="FFFF00"/>
+          </a:solidFill>
+          <a:ln w="28575">
+            <a:solidFill>
+              <a:srgbClr val="FF0000"/>
+            </a:solidFill>
+          </a:ln>
+        </p:spPr>
+        <p:style>
+          <a:lnRef idx="2">
+            <a:schemeClr val="accent1">
+              <a:shade val="50000"/>
+            </a:schemeClr>
+          </a:lnRef>
+          <a:fillRef idx="1">
+            <a:schemeClr val="accent1"/>
+          </a:fillRef>
+          <a:effectRef idx="0">
+            <a:schemeClr val="accent1"/>
+          </a:effectRef>
+          <a:fontRef idx="minor">
+            <a:schemeClr val="lt1"/>
+          </a:fontRef>
+        </p:style>
+        <p:txBody>
+          <a:bodyPr rtlCol="0" anchor="ctr"/>
+          <a:lstStyle/>
+          <a:p>
+            <a:pPr algn="ctr"/>
+            <a:r>
+              <a:rPr lang="en-US" sz="1800" dirty="0">
+                <a:solidFill>
+                  <a:srgbClr val="FF0000"/>
+                </a:solidFill>
+              </a:rPr>
+              <a:t>2</a:t>
+            </a:r>
+            <a:endParaRPr lang="th-TH" sz="1800" dirty="0">
+              <a:solidFill>
+                <a:srgbClr val="FF0000"/>
+              </a:solidFill>
+            </a:endParaRPr>
+          </a:p>
+        </p:txBody>
+      </p:sp>
+      <p:cxnSp>
+        <p:nvCxnSpPr>
+          <p:cNvPr id="23" name="ลูกศรเชื่อมต่อแบบตรง 22">
+            <a:extLst>
+              <a:ext uri="{FF2B5EF4-FFF2-40B4-BE49-F238E27FC236}">
+                <a16:creationId xmlns:a16="http://schemas.microsoft.com/office/drawing/2014/main" id="{9AF17661-DE73-7122-2632-64FAA3D5E327}"/>
+              </a:ext>
+            </a:extLst>
+          </p:cNvPr>
+          <p:cNvCxnSpPr>
+            <a:cxnSpLocks/>
+            <a:stCxn id="22" idx="1"/>
+          </p:cNvCxnSpPr>
+          <p:nvPr/>
+        </p:nvCxnSpPr>
+        <p:spPr>
+          <a:xfrm flipH="1" flipV="1">
+            <a:off x="3743325" y="930929"/>
+            <a:ext cx="543642" cy="295060"/>
+          </a:xfrm>
+          <a:prstGeom prst="straightConnector1">
+            <a:avLst/>
+          </a:prstGeom>
+          <a:ln w="28575" cap="flat" cmpd="sng" algn="ctr">
+            <a:solidFill>
+              <a:srgbClr val="FF0000"/>
+            </a:solidFill>
+            <a:prstDash val="solid"/>
+            <a:round/>
+            <a:headEnd type="none" w="med" len="med"/>
+            <a:tailEnd type="arrow" w="med" len="med"/>
+          </a:ln>
+        </p:spPr>
+        <p:style>
+          <a:lnRef idx="0">
+            <a:scrgbClr r="0" g="0" b="0"/>
+          </a:lnRef>
+          <a:fillRef idx="0">
+            <a:scrgbClr r="0" g="0" b="0"/>
+          </a:fillRef>
+          <a:effectRef idx="0">
+            <a:scrgbClr r="0" g="0" b="0"/>
+          </a:effectRef>
+          <a:fontRef idx="minor">
+            <a:schemeClr val="tx1"/>
+          </a:fontRef>
+        </p:style>
+      </p:cxnSp>
+      <p:sp>
+        <p:nvSpPr>
+          <p:cNvPr id="24" name="สี่เหลี่ยมผืนผ้า: มุมมน 23">
+            <a:extLst>
+              <a:ext uri="{FF2B5EF4-FFF2-40B4-BE49-F238E27FC236}">
+                <a16:creationId xmlns:a16="http://schemas.microsoft.com/office/drawing/2014/main" id="{EC398772-E4ED-B1A6-FA69-18D6C4E0514F}"/>
+              </a:ext>
+            </a:extLst>
+          </p:cNvPr>
+          <p:cNvSpPr/>
+          <p:nvPr/>
+        </p:nvSpPr>
+        <p:spPr>
+          <a:xfrm>
+            <a:off x="6156660" y="2933656"/>
+            <a:ext cx="463550" cy="266700"/>
+          </a:xfrm>
+          <a:prstGeom prst="roundRect">
+            <a:avLst/>
+          </a:prstGeom>
+          <a:solidFill>
+            <a:srgbClr val="FFFF00"/>
+          </a:solidFill>
+          <a:ln w="28575">
+            <a:solidFill>
+              <a:srgbClr val="FF0000"/>
+            </a:solidFill>
+          </a:ln>
+        </p:spPr>
+        <p:style>
+          <a:lnRef idx="2">
+            <a:schemeClr val="accent1">
+              <a:shade val="50000"/>
+            </a:schemeClr>
+          </a:lnRef>
+          <a:fillRef idx="1">
+            <a:schemeClr val="accent1"/>
+          </a:fillRef>
+          <a:effectRef idx="0">
+            <a:schemeClr val="accent1"/>
+          </a:effectRef>
+          <a:fontRef idx="minor">
+            <a:schemeClr val="lt1"/>
+          </a:fontRef>
+        </p:style>
+        <p:txBody>
+          <a:bodyPr rtlCol="0" anchor="ctr"/>
+          <a:lstStyle/>
+          <a:p>
+            <a:pPr algn="ctr"/>
+            <a:r>
+              <a:rPr lang="en-US" sz="1800" dirty="0">
+                <a:solidFill>
+                  <a:srgbClr val="FF0000"/>
+                </a:solidFill>
+              </a:rPr>
+              <a:t>3</a:t>
+            </a:r>
+            <a:endParaRPr lang="th-TH" sz="1800" dirty="0">
+              <a:solidFill>
+                <a:srgbClr val="FF0000"/>
+              </a:solidFill>
+            </a:endParaRPr>
+          </a:p>
+        </p:txBody>
+      </p:sp>
+      <p:cxnSp>
+        <p:nvCxnSpPr>
+          <p:cNvPr id="25" name="ลูกศรเชื่อมต่อแบบตรง 24">
+            <a:extLst>
+              <a:ext uri="{FF2B5EF4-FFF2-40B4-BE49-F238E27FC236}">
+                <a16:creationId xmlns:a16="http://schemas.microsoft.com/office/drawing/2014/main" id="{B3CC0856-FD77-5C63-0127-E8366347E9C3}"/>
+              </a:ext>
+            </a:extLst>
+          </p:cNvPr>
+          <p:cNvCxnSpPr>
+            <a:cxnSpLocks/>
+            <a:stCxn id="24" idx="1"/>
+          </p:cNvCxnSpPr>
+          <p:nvPr/>
+        </p:nvCxnSpPr>
+        <p:spPr>
+          <a:xfrm flipH="1">
+            <a:off x="5712737" y="3067006"/>
+            <a:ext cx="443923" cy="73593"/>
+          </a:xfrm>
+          <a:prstGeom prst="straightConnector1">
+            <a:avLst/>
+          </a:prstGeom>
+          <a:ln w="28575" cap="flat" cmpd="sng" algn="ctr">
+            <a:solidFill>
+              <a:srgbClr val="FF0000"/>
+            </a:solidFill>
+            <a:prstDash val="solid"/>
+            <a:round/>
+            <a:headEnd type="none" w="med" len="med"/>
+            <a:tailEnd type="arrow" w="med" len="med"/>
+          </a:ln>
+        </p:spPr>
+        <p:style>
+          <a:lnRef idx="0">
+            <a:scrgbClr r="0" g="0" b="0"/>
+          </a:lnRef>
+          <a:fillRef idx="0">
+            <a:scrgbClr r="0" g="0" b="0"/>
+          </a:fillRef>
+          <a:effectRef idx="0">
+            <a:scrgbClr r="0" g="0" b="0"/>
+          </a:effectRef>
+          <a:fontRef idx="minor">
+            <a:schemeClr val="tx1"/>
+          </a:fontRef>
+        </p:style>
+      </p:cxnSp>
+      <p:sp>
+        <p:nvSpPr>
+          <p:cNvPr id="28" name="สี่เหลี่ยมผืนผ้า: มุมมน 27">
+            <a:extLst>
+              <a:ext uri="{FF2B5EF4-FFF2-40B4-BE49-F238E27FC236}">
+                <a16:creationId xmlns:a16="http://schemas.microsoft.com/office/drawing/2014/main" id="{9AB142EB-0383-E7E1-123C-362A15C4A50E}"/>
+              </a:ext>
+            </a:extLst>
+          </p:cNvPr>
+          <p:cNvSpPr/>
+          <p:nvPr/>
+        </p:nvSpPr>
+        <p:spPr>
+          <a:xfrm>
+            <a:off x="2417275" y="2064190"/>
+            <a:ext cx="3295462" cy="2055137"/>
+          </a:xfrm>
+          <a:prstGeom prst="roundRect">
+            <a:avLst>
+              <a:gd name="adj" fmla="val 7856"/>
+            </a:avLst>
+          </a:prstGeom>
+          <a:noFill/>
+          <a:ln w="28575">
+            <a:solidFill>
+              <a:srgbClr val="92D050"/>
+            </a:solidFill>
+          </a:ln>
+        </p:spPr>
+        <p:style>
+          <a:lnRef idx="2">
+            <a:schemeClr val="accent1">
+              <a:shade val="50000"/>
+            </a:schemeClr>
+          </a:lnRef>
+          <a:fillRef idx="1">
+            <a:schemeClr val="accent1"/>
+          </a:fillRef>
+          <a:effectRef idx="0">
+            <a:schemeClr val="accent1"/>
+          </a:effectRef>
+          <a:fontRef idx="minor">
+            <a:schemeClr val="lt1"/>
+          </a:fontRef>
+        </p:style>
+        <p:txBody>
+          <a:bodyPr rtlCol="0" anchor="ctr"/>
+          <a:lstStyle/>
+          <a:p>
+            <a:pPr algn="ctr"/>
+            <a:endParaRPr lang="th-TH"/>
+          </a:p>
+        </p:txBody>
+      </p:sp>
+      <p:cxnSp>
+        <p:nvCxnSpPr>
+          <p:cNvPr id="32" name="ลูกศรเชื่อมต่อแบบตรง 31">
+            <a:extLst>
+              <a:ext uri="{FF2B5EF4-FFF2-40B4-BE49-F238E27FC236}">
+                <a16:creationId xmlns:a16="http://schemas.microsoft.com/office/drawing/2014/main" id="{8566A96F-8193-79F6-3D63-D1BE4DAD9DA4}"/>
+              </a:ext>
+            </a:extLst>
+          </p:cNvPr>
+          <p:cNvCxnSpPr>
+            <a:stCxn id="28" idx="2"/>
+          </p:cNvCxnSpPr>
+          <p:nvPr/>
+        </p:nvCxnSpPr>
+        <p:spPr>
+          <a:xfrm>
+            <a:off x="4065006" y="4119327"/>
+            <a:ext cx="1941949" cy="1131683"/>
+          </a:xfrm>
+          <a:prstGeom prst="straightConnector1">
+            <a:avLst/>
+          </a:prstGeom>
+          <a:ln w="28575">
+            <a:solidFill>
+              <a:srgbClr val="92D050"/>
+            </a:solidFill>
+            <a:prstDash val="sysDash"/>
+            <a:tailEnd type="triangle"/>
+          </a:ln>
+        </p:spPr>
+        <p:style>
+          <a:lnRef idx="1">
+            <a:schemeClr val="accent1"/>
+          </a:lnRef>
+          <a:fillRef idx="0">
+            <a:schemeClr val="accent1"/>
+          </a:fillRef>
+          <a:effectRef idx="0">
+            <a:schemeClr val="accent1"/>
+          </a:effectRef>
+          <a:fontRef idx="minor">
+            <a:schemeClr val="tx1"/>
+          </a:fontRef>
+        </p:style>
+      </p:cxnSp>
+      <p:sp>
+        <p:nvSpPr>
+          <p:cNvPr id="33" name="รูปแบบอิสระ: รูปร่าง 32">
+            <a:extLst>
+              <a:ext uri="{FF2B5EF4-FFF2-40B4-BE49-F238E27FC236}">
+                <a16:creationId xmlns:a16="http://schemas.microsoft.com/office/drawing/2014/main" id="{45E8E47A-BFED-86EA-F2C1-13AE1F11FD51}"/>
+              </a:ext>
+            </a:extLst>
+          </p:cNvPr>
+          <p:cNvSpPr/>
+          <p:nvPr/>
+        </p:nvSpPr>
+        <p:spPr>
+          <a:xfrm>
+            <a:off x="3069125" y="362139"/>
+            <a:ext cx="4488019" cy="4843604"/>
+          </a:xfrm>
+          <a:custGeom>
+            <a:avLst/>
+            <a:gdLst>
+              <a:gd name="connsiteX0" fmla="*/ 0 w 4488019"/>
+              <a:gd name="connsiteY0" fmla="*/ 0 h 4843604"/>
+              <a:gd name="connsiteX1" fmla="*/ 4083113 w 4488019"/>
+              <a:gd name="connsiteY1" fmla="*/ 1747318 h 4843604"/>
+              <a:gd name="connsiteX2" fmla="*/ 4119326 w 4488019"/>
+              <a:gd name="connsiteY2" fmla="*/ 4843604 h 4843604"/>
+            </a:gdLst>
+            <a:ahLst/>
+            <a:cxnLst>
+              <a:cxn ang="0">
+                <a:pos x="connsiteX0" y="connsiteY0"/>
+              </a:cxn>
+              <a:cxn ang="0">
+                <a:pos x="connsiteX1" y="connsiteY1"/>
+              </a:cxn>
+              <a:cxn ang="0">
+                <a:pos x="connsiteX2" y="connsiteY2"/>
+              </a:cxn>
+            </a:cxnLst>
+            <a:rect l="l" t="t" r="r" b="b"/>
+            <a:pathLst>
+              <a:path w="4488019" h="4843604">
+                <a:moveTo>
+                  <a:pt x="0" y="0"/>
+                </a:moveTo>
+                <a:cubicBezTo>
+                  <a:pt x="1698279" y="470025"/>
+                  <a:pt x="3396559" y="940051"/>
+                  <a:pt x="4083113" y="1747318"/>
+                </a:cubicBezTo>
+                <a:cubicBezTo>
+                  <a:pt x="4769667" y="2554585"/>
+                  <a:pt x="4444496" y="3699094"/>
+                  <a:pt x="4119326" y="4843604"/>
+                </a:cubicBezTo>
+              </a:path>
+            </a:pathLst>
+          </a:custGeom>
+          <a:noFill/>
+          <a:ln w="28575">
+            <a:solidFill>
+              <a:schemeClr val="accent2">
+                <a:lumMod val="75000"/>
+              </a:schemeClr>
+            </a:solidFill>
+            <a:prstDash val="sysDash"/>
+            <a:headEnd type="none" w="med" len="med"/>
+            <a:tailEnd type="arrow" w="med" len="med"/>
+          </a:ln>
+        </p:spPr>
+        <p:style>
+          <a:lnRef idx="2">
+            <a:schemeClr val="accent1">
+              <a:shade val="50000"/>
+            </a:schemeClr>
+          </a:lnRef>
+          <a:fillRef idx="1">
+            <a:schemeClr val="accent1"/>
+          </a:fillRef>
+          <a:effectRef idx="0">
+            <a:schemeClr val="accent1"/>
+          </a:effectRef>
+          <a:fontRef idx="minor">
+            <a:schemeClr val="lt1"/>
+          </a:fontRef>
+        </p:style>
+        <p:txBody>
+          <a:bodyPr rtlCol="0" anchor="ctr"/>
+          <a:lstStyle/>
+          <a:p>
+            <a:pPr algn="ctr"/>
+            <a:endParaRPr lang="th-TH"/>
+          </a:p>
+        </p:txBody>
+      </p:sp>
+      <p:sp>
+        <p:nvSpPr>
+          <p:cNvPr id="36" name="สี่เหลี่ยมผืนผ้า: มุมมน 35">
+            <a:extLst>
+              <a:ext uri="{FF2B5EF4-FFF2-40B4-BE49-F238E27FC236}">
+                <a16:creationId xmlns:a16="http://schemas.microsoft.com/office/drawing/2014/main" id="{E107F231-49AF-E4A3-02D2-A99B922072B4}"/>
+              </a:ext>
+            </a:extLst>
+          </p:cNvPr>
+          <p:cNvSpPr/>
+          <p:nvPr/>
+        </p:nvSpPr>
+        <p:spPr>
+          <a:xfrm>
+            <a:off x="4556164" y="6208048"/>
+            <a:ext cx="463550" cy="266700"/>
+          </a:xfrm>
+          <a:prstGeom prst="roundRect">
+            <a:avLst/>
+          </a:prstGeom>
+          <a:solidFill>
+            <a:srgbClr val="FFFF00"/>
+          </a:solidFill>
+          <a:ln w="28575">
+            <a:solidFill>
+              <a:srgbClr val="FF0000"/>
+            </a:solidFill>
+          </a:ln>
+        </p:spPr>
+        <p:style>
+          <a:lnRef idx="2">
+            <a:schemeClr val="accent1">
+              <a:shade val="50000"/>
+            </a:schemeClr>
+          </a:lnRef>
+          <a:fillRef idx="1">
+            <a:schemeClr val="accent1"/>
+          </a:fillRef>
+          <a:effectRef idx="0">
+            <a:schemeClr val="accent1"/>
+          </a:effectRef>
+          <a:fontRef idx="minor">
+            <a:schemeClr val="lt1"/>
+          </a:fontRef>
+        </p:style>
+        <p:txBody>
+          <a:bodyPr rtlCol="0" anchor="ctr"/>
+          <a:lstStyle/>
+          <a:p>
+            <a:pPr algn="ctr"/>
+            <a:r>
+              <a:rPr lang="en-US" sz="1800" dirty="0">
+                <a:solidFill>
+                  <a:srgbClr val="FF0000"/>
+                </a:solidFill>
+              </a:rPr>
+              <a:t>4</a:t>
+            </a:r>
+            <a:endParaRPr lang="th-TH" sz="1800" dirty="0">
+              <a:solidFill>
+                <a:srgbClr val="FF0000"/>
+              </a:solidFill>
+            </a:endParaRPr>
+          </a:p>
+        </p:txBody>
+      </p:sp>
+      <p:cxnSp>
+        <p:nvCxnSpPr>
+          <p:cNvPr id="37" name="ลูกศรเชื่อมต่อแบบตรง 36">
+            <a:extLst>
+              <a:ext uri="{FF2B5EF4-FFF2-40B4-BE49-F238E27FC236}">
+                <a16:creationId xmlns:a16="http://schemas.microsoft.com/office/drawing/2014/main" id="{E5D7F47E-E4BB-4032-D8D5-4DC8C97354AF}"/>
+              </a:ext>
+            </a:extLst>
+          </p:cNvPr>
+          <p:cNvCxnSpPr>
+            <a:cxnSpLocks/>
+            <a:stCxn id="36" idx="1"/>
+          </p:cNvCxnSpPr>
+          <p:nvPr/>
+        </p:nvCxnSpPr>
+        <p:spPr>
+          <a:xfrm flipH="1">
+            <a:off x="4091573" y="6341398"/>
+            <a:ext cx="464591" cy="237641"/>
+          </a:xfrm>
+          <a:prstGeom prst="straightConnector1">
+            <a:avLst/>
+          </a:prstGeom>
+          <a:ln w="28575" cap="flat" cmpd="sng" algn="ctr">
+            <a:solidFill>
+              <a:srgbClr val="FF0000"/>
+            </a:solidFill>
+            <a:prstDash val="solid"/>
+            <a:round/>
+            <a:headEnd type="none" w="med" len="med"/>
+            <a:tailEnd type="arrow" w="med" len="med"/>
+          </a:ln>
+        </p:spPr>
+        <p:style>
+          <a:lnRef idx="0">
+            <a:scrgbClr r="0" g="0" b="0"/>
+          </a:lnRef>
+          <a:fillRef idx="0">
+            <a:scrgbClr r="0" g="0" b="0"/>
+          </a:fillRef>
+          <a:effectRef idx="0">
+            <a:scrgbClr r="0" g="0" b="0"/>
+          </a:effectRef>
+          <a:fontRef idx="minor">
+            <a:schemeClr val="tx1"/>
+          </a:fontRef>
+        </p:style>
+      </p:cxnSp>
+    </p:spTree>
+    <p:extLst>
+      <p:ext uri="{BB962C8B-B14F-4D97-AF65-F5344CB8AC3E}">
+        <p14:creationId xmlns:p14="http://schemas.microsoft.com/office/powerpoint/2010/main" val="3583103839"/>
+      </p:ext>
+    </p:extLst>
+  </p:cSld>
+  <p:clrMapOvr>
+    <a:masterClrMapping/>
+  </p:clrMapOvr>
+</p:sld>
+</file>
+
+<file path=ppt/slides/slide12.xml><?xml version="1.0" encoding="utf-8"?>
+<p:sld xmlns:a="http://schemas.openxmlformats.org/drawingml/2006/main" xmlns:r="http://schemas.openxmlformats.org/officeDocument/2006/relationships" xmlns:p="http://schemas.openxmlformats.org/presentationml/2006/main">
+  <p:cSld>
+    <p:spTree>
+      <p:nvGrpSpPr>
+        <p:cNvPr id="1" name=""/>
+        <p:cNvGrpSpPr/>
+        <p:nvPr/>
+      </p:nvGrpSpPr>
+      <p:grpSpPr>
+        <a:xfrm>
+          <a:off x="0" y="0"/>
+          <a:ext cx="0" cy="0"/>
+          <a:chOff x="0" y="0"/>
+          <a:chExt cx="0" cy="0"/>
+        </a:xfrm>
+      </p:grpSpPr>
+      <p:pic>
+        <p:nvPicPr>
+          <p:cNvPr id="3" name="รูปภาพ 2" descr="รูปภาพประกอบด้วย ข้อความ&#10;&#10;คำอธิบายที่สร้างโดยอัตโนมัติ">
+            <a:extLst>
+              <a:ext uri="{FF2B5EF4-FFF2-40B4-BE49-F238E27FC236}">
+                <a16:creationId xmlns:a16="http://schemas.microsoft.com/office/drawing/2014/main" id="{F342F59A-C170-F5AA-8292-AD367C575AA7}"/>
+              </a:ext>
+            </a:extLst>
+          </p:cNvPr>
+          <p:cNvPicPr>
+            <a:picLocks noChangeAspect="1"/>
+          </p:cNvPicPr>
+          <p:nvPr/>
+        </p:nvPicPr>
+        <p:blipFill>
+          <a:blip r:embed="rId2">
+            <a:extLst>
+              <a:ext uri="{28A0092B-C50C-407E-A947-70E740481C1C}">
+                <a14:useLocalDpi xmlns:a14="http://schemas.microsoft.com/office/drawing/2010/main" val="0"/>
+              </a:ext>
+            </a:extLst>
+          </a:blip>
+          <a:stretch>
+            <a:fillRect/>
+          </a:stretch>
+        </p:blipFill>
+        <p:spPr>
+          <a:xfrm>
+            <a:off x="3642970" y="809259"/>
+            <a:ext cx="4906060" cy="5239481"/>
+          </a:xfrm>
+          <a:prstGeom prst="rect">
+            <a:avLst/>
+          </a:prstGeom>
+        </p:spPr>
+      </p:pic>
+      <p:sp>
+        <p:nvSpPr>
+          <p:cNvPr id="4" name="สี่เหลี่ยมผืนผ้า: มุมมน 3">
+            <a:extLst>
+              <a:ext uri="{FF2B5EF4-FFF2-40B4-BE49-F238E27FC236}">
+                <a16:creationId xmlns:a16="http://schemas.microsoft.com/office/drawing/2014/main" id="{9103DD26-D723-7C1A-E9A3-871BA665EED8}"/>
+              </a:ext>
+            </a:extLst>
+          </p:cNvPr>
+          <p:cNvSpPr/>
+          <p:nvPr/>
+        </p:nvSpPr>
+        <p:spPr>
+          <a:xfrm>
+            <a:off x="5280580" y="1766713"/>
+            <a:ext cx="463550" cy="266700"/>
+          </a:xfrm>
+          <a:prstGeom prst="roundRect">
+            <a:avLst/>
+          </a:prstGeom>
+          <a:solidFill>
+            <a:srgbClr val="FFFF00"/>
+          </a:solidFill>
+          <a:ln w="28575">
+            <a:solidFill>
+              <a:srgbClr val="FF0000"/>
+            </a:solidFill>
+          </a:ln>
+        </p:spPr>
+        <p:style>
+          <a:lnRef idx="2">
+            <a:schemeClr val="accent1">
+              <a:shade val="50000"/>
+            </a:schemeClr>
+          </a:lnRef>
+          <a:fillRef idx="1">
+            <a:schemeClr val="accent1"/>
+          </a:fillRef>
+          <a:effectRef idx="0">
+            <a:schemeClr val="accent1"/>
+          </a:effectRef>
+          <a:fontRef idx="minor">
+            <a:schemeClr val="lt1"/>
+          </a:fontRef>
+        </p:style>
+        <p:txBody>
+          <a:bodyPr rtlCol="0" anchor="ctr"/>
+          <a:lstStyle/>
+          <a:p>
+            <a:pPr algn="ctr"/>
+            <a:r>
+              <a:rPr lang="en-US" sz="1800" dirty="0">
+                <a:solidFill>
+                  <a:srgbClr val="FF0000"/>
+                </a:solidFill>
+              </a:rPr>
+              <a:t>1</a:t>
+            </a:r>
+            <a:endParaRPr lang="th-TH" sz="1800" dirty="0">
+              <a:solidFill>
+                <a:srgbClr val="FF0000"/>
+              </a:solidFill>
+            </a:endParaRPr>
+          </a:p>
+        </p:txBody>
+      </p:sp>
+      <p:cxnSp>
+        <p:nvCxnSpPr>
+          <p:cNvPr id="5" name="ลูกศรเชื่อมต่อแบบตรง 4">
+            <a:extLst>
+              <a:ext uri="{FF2B5EF4-FFF2-40B4-BE49-F238E27FC236}">
+                <a16:creationId xmlns:a16="http://schemas.microsoft.com/office/drawing/2014/main" id="{82FA9250-2929-B7D9-BE5E-DB1A2ACAFD90}"/>
+              </a:ext>
+            </a:extLst>
+          </p:cNvPr>
+          <p:cNvCxnSpPr>
+            <a:cxnSpLocks/>
+            <a:stCxn id="4" idx="1"/>
+          </p:cNvCxnSpPr>
+          <p:nvPr/>
+        </p:nvCxnSpPr>
+        <p:spPr>
+          <a:xfrm flipH="1" flipV="1">
+            <a:off x="4829175" y="1771650"/>
+            <a:ext cx="451405" cy="128413"/>
+          </a:xfrm>
+          <a:prstGeom prst="straightConnector1">
+            <a:avLst/>
+          </a:prstGeom>
+          <a:ln w="28575" cap="flat" cmpd="sng" algn="ctr">
+            <a:solidFill>
+              <a:srgbClr val="FF0000"/>
+            </a:solidFill>
+            <a:prstDash val="solid"/>
+            <a:round/>
+            <a:headEnd type="none" w="med" len="med"/>
+            <a:tailEnd type="arrow" w="med" len="med"/>
+          </a:ln>
+        </p:spPr>
+        <p:style>
+          <a:lnRef idx="0">
+            <a:scrgbClr r="0" g="0" b="0"/>
+          </a:lnRef>
+          <a:fillRef idx="0">
+            <a:scrgbClr r="0" g="0" b="0"/>
+          </a:fillRef>
+          <a:effectRef idx="0">
+            <a:scrgbClr r="0" g="0" b="0"/>
+          </a:effectRef>
+          <a:fontRef idx="minor">
+            <a:schemeClr val="tx1"/>
+          </a:fontRef>
+        </p:style>
+      </p:cxnSp>
+      <p:sp>
+        <p:nvSpPr>
+          <p:cNvPr id="6" name="สี่เหลี่ยมผืนผ้า: มุมมน 5">
+            <a:extLst>
+              <a:ext uri="{FF2B5EF4-FFF2-40B4-BE49-F238E27FC236}">
+                <a16:creationId xmlns:a16="http://schemas.microsoft.com/office/drawing/2014/main" id="{99E9B33B-0D75-6C75-2D6D-2B6A08F9B927}"/>
+              </a:ext>
+            </a:extLst>
+          </p:cNvPr>
+          <p:cNvSpPr/>
+          <p:nvPr/>
+        </p:nvSpPr>
+        <p:spPr>
+          <a:xfrm>
+            <a:off x="5048805" y="2454714"/>
+            <a:ext cx="463550" cy="266700"/>
+          </a:xfrm>
+          <a:prstGeom prst="roundRect">
+            <a:avLst/>
+          </a:prstGeom>
+          <a:solidFill>
+            <a:srgbClr val="FFFF00"/>
+          </a:solidFill>
+          <a:ln w="28575">
+            <a:solidFill>
+              <a:srgbClr val="FF0000"/>
+            </a:solidFill>
+          </a:ln>
+        </p:spPr>
+        <p:style>
+          <a:lnRef idx="2">
+            <a:schemeClr val="accent1">
+              <a:shade val="50000"/>
+            </a:schemeClr>
+          </a:lnRef>
+          <a:fillRef idx="1">
+            <a:schemeClr val="accent1"/>
+          </a:fillRef>
+          <a:effectRef idx="0">
+            <a:schemeClr val="accent1"/>
+          </a:effectRef>
+          <a:fontRef idx="minor">
+            <a:schemeClr val="lt1"/>
+          </a:fontRef>
+        </p:style>
+        <p:txBody>
+          <a:bodyPr rtlCol="0" anchor="ctr"/>
+          <a:lstStyle/>
+          <a:p>
+            <a:pPr algn="ctr"/>
+            <a:r>
+              <a:rPr lang="en-US" sz="1800" dirty="0">
+                <a:solidFill>
+                  <a:srgbClr val="FF0000"/>
+                </a:solidFill>
+              </a:rPr>
+              <a:t>2</a:t>
+            </a:r>
+            <a:endParaRPr lang="th-TH" sz="1800" dirty="0">
+              <a:solidFill>
+                <a:srgbClr val="FF0000"/>
+              </a:solidFill>
+            </a:endParaRPr>
+          </a:p>
+        </p:txBody>
+      </p:sp>
+      <p:cxnSp>
+        <p:nvCxnSpPr>
+          <p:cNvPr id="7" name="ลูกศรเชื่อมต่อแบบตรง 6">
+            <a:extLst>
+              <a:ext uri="{FF2B5EF4-FFF2-40B4-BE49-F238E27FC236}">
+                <a16:creationId xmlns:a16="http://schemas.microsoft.com/office/drawing/2014/main" id="{B3B56B72-4CC7-9F9B-75BF-6B1DFA6481C7}"/>
+              </a:ext>
+            </a:extLst>
+          </p:cNvPr>
+          <p:cNvCxnSpPr>
+            <a:cxnSpLocks/>
+            <a:stCxn id="6" idx="1"/>
+          </p:cNvCxnSpPr>
+          <p:nvPr/>
+        </p:nvCxnSpPr>
+        <p:spPr>
+          <a:xfrm flipH="1" flipV="1">
+            <a:off x="4505163" y="2293004"/>
+            <a:ext cx="543642" cy="295060"/>
+          </a:xfrm>
+          <a:prstGeom prst="straightConnector1">
+            <a:avLst/>
+          </a:prstGeom>
+          <a:ln w="28575" cap="flat" cmpd="sng" algn="ctr">
+            <a:solidFill>
+              <a:srgbClr val="FF0000"/>
+            </a:solidFill>
+            <a:prstDash val="solid"/>
+            <a:round/>
+            <a:headEnd type="none" w="med" len="med"/>
+            <a:tailEnd type="arrow" w="med" len="med"/>
+          </a:ln>
+        </p:spPr>
+        <p:style>
+          <a:lnRef idx="0">
+            <a:scrgbClr r="0" g="0" b="0"/>
+          </a:lnRef>
+          <a:fillRef idx="0">
+            <a:scrgbClr r="0" g="0" b="0"/>
+          </a:fillRef>
+          <a:effectRef idx="0">
+            <a:scrgbClr r="0" g="0" b="0"/>
+          </a:effectRef>
+          <a:fontRef idx="minor">
+            <a:schemeClr val="tx1"/>
+          </a:fontRef>
+        </p:style>
+      </p:cxnSp>
+    </p:spTree>
+    <p:extLst>
+      <p:ext uri="{BB962C8B-B14F-4D97-AF65-F5344CB8AC3E}">
+        <p14:creationId xmlns:p14="http://schemas.microsoft.com/office/powerpoint/2010/main" val="2407855622"/>
+      </p:ext>
+    </p:extLst>
+  </p:cSld>
+  <p:clrMapOvr>
+    <a:masterClrMapping/>
+  </p:clrMapOvr>
+</p:sld>
+</file>
+
+<file path=ppt/slides/slide13.xml><?xml version="1.0" encoding="utf-8"?>
+<p:sld xmlns:a="http://schemas.openxmlformats.org/drawingml/2006/main" xmlns:r="http://schemas.openxmlformats.org/officeDocument/2006/relationships" xmlns:p="http://schemas.openxmlformats.org/presentationml/2006/main">
+  <p:cSld>
+    <p:spTree>
+      <p:nvGrpSpPr>
+        <p:cNvPr id="1" name=""/>
+        <p:cNvGrpSpPr/>
+        <p:nvPr/>
+      </p:nvGrpSpPr>
+      <p:grpSpPr>
+        <a:xfrm>
+          <a:off x="0" y="0"/>
+          <a:ext cx="0" cy="0"/>
+          <a:chOff x="0" y="0"/>
+          <a:chExt cx="0" cy="0"/>
+        </a:xfrm>
+      </p:grpSpPr>
+      <p:pic>
+        <p:nvPicPr>
+          <p:cNvPr id="3" name="รูปภาพ 2" descr="รูปภาพประกอบด้วย ข้อความ&#10;&#10;คำอธิบายที่สร้างโดยอัตโนมัติ">
+            <a:extLst>
+              <a:ext uri="{FF2B5EF4-FFF2-40B4-BE49-F238E27FC236}">
+                <a16:creationId xmlns:a16="http://schemas.microsoft.com/office/drawing/2014/main" id="{8F3A0728-D936-C8D3-3E8B-ECD03F0DD24E}"/>
+              </a:ext>
+            </a:extLst>
+          </p:cNvPr>
+          <p:cNvPicPr>
+            <a:picLocks noChangeAspect="1"/>
+          </p:cNvPicPr>
+          <p:nvPr/>
+        </p:nvPicPr>
+        <p:blipFill>
+          <a:blip r:embed="rId2">
+            <a:extLst>
+              <a:ext uri="{28A0092B-C50C-407E-A947-70E740481C1C}">
+                <a14:useLocalDpi xmlns:a14="http://schemas.microsoft.com/office/drawing/2010/main" val="0"/>
+              </a:ext>
+            </a:extLst>
+          </a:blip>
+          <a:stretch>
+            <a:fillRect/>
+          </a:stretch>
+        </p:blipFill>
+        <p:spPr>
+          <a:xfrm>
+            <a:off x="1219199" y="1323601"/>
+            <a:ext cx="9449647" cy="5058602"/>
+          </a:xfrm>
+          <a:prstGeom prst="rect">
+            <a:avLst/>
+          </a:prstGeom>
+        </p:spPr>
+      </p:pic>
+    </p:spTree>
+    <p:extLst>
+      <p:ext uri="{BB962C8B-B14F-4D97-AF65-F5344CB8AC3E}">
+        <p14:creationId xmlns:p14="http://schemas.microsoft.com/office/powerpoint/2010/main" val="234209954"/>
+      </p:ext>
+    </p:extLst>
+  </p:cSld>
+  <p:clrMapOvr>
+    <a:masterClrMapping/>
+  </p:clrMapOvr>
+</p:sld>
+</file>
+
+<file path=ppt/slides/slide14.xml><?xml version="1.0" encoding="utf-8"?>
+<p:sld xmlns:a="http://schemas.openxmlformats.org/drawingml/2006/main" xmlns:r="http://schemas.openxmlformats.org/officeDocument/2006/relationships" xmlns:p="http://schemas.openxmlformats.org/presentationml/2006/main">
+  <p:cSld>
+    <p:spTree>
+      <p:nvGrpSpPr>
+        <p:cNvPr id="1" name=""/>
+        <p:cNvGrpSpPr/>
+        <p:nvPr/>
+      </p:nvGrpSpPr>
+      <p:grpSpPr>
+        <a:xfrm>
+          <a:off x="0" y="0"/>
+          <a:ext cx="0" cy="0"/>
+          <a:chOff x="0" y="0"/>
+          <a:chExt cx="0" cy="0"/>
+        </a:xfrm>
+      </p:grpSpPr>
+      <p:pic>
+        <p:nvPicPr>
+          <p:cNvPr id="3" name="รูปภาพ 2" descr="รูปภาพประกอบด้วย ข้อความ, จอภาพ, ภาพหน้าจอ, สีดำ&#10;&#10;คำอธิบายที่สร้างโดยอัตโนมัติ">
+            <a:extLst>
+              <a:ext uri="{FF2B5EF4-FFF2-40B4-BE49-F238E27FC236}">
+                <a16:creationId xmlns:a16="http://schemas.microsoft.com/office/drawing/2014/main" id="{EC5B5A4E-64D1-144D-1C4F-63B71B56390E}"/>
+              </a:ext>
+            </a:extLst>
+          </p:cNvPr>
+          <p:cNvPicPr>
+            <a:picLocks noChangeAspect="1"/>
+          </p:cNvPicPr>
+          <p:nvPr/>
+        </p:nvPicPr>
+        <p:blipFill>
+          <a:blip r:embed="rId2">
+            <a:extLst>
+              <a:ext uri="{28A0092B-C50C-407E-A947-70E740481C1C}">
+                <a14:useLocalDpi xmlns:a14="http://schemas.microsoft.com/office/drawing/2010/main" val="0"/>
+              </a:ext>
+            </a:extLst>
+          </a:blip>
+          <a:stretch>
+            <a:fillRect/>
+          </a:stretch>
+        </p:blipFill>
+        <p:spPr>
+          <a:xfrm>
+            <a:off x="2880963" y="2247754"/>
+            <a:ext cx="5001323" cy="2095792"/>
+          </a:xfrm>
+          <a:prstGeom prst="rect">
+            <a:avLst/>
+          </a:prstGeom>
+        </p:spPr>
+      </p:pic>
+      <p:sp>
+        <p:nvSpPr>
+          <p:cNvPr id="4" name="สี่เหลี่ยมผืนผ้า: มุมมน 3">
+            <a:extLst>
+              <a:ext uri="{FF2B5EF4-FFF2-40B4-BE49-F238E27FC236}">
+                <a16:creationId xmlns:a16="http://schemas.microsoft.com/office/drawing/2014/main" id="{5F38201B-4090-CE46-7197-876FC2EE3B8F}"/>
+              </a:ext>
+            </a:extLst>
+          </p:cNvPr>
+          <p:cNvSpPr/>
+          <p:nvPr/>
+        </p:nvSpPr>
+        <p:spPr>
+          <a:xfrm>
+            <a:off x="4273388" y="4343546"/>
+            <a:ext cx="463550" cy="266700"/>
+          </a:xfrm>
+          <a:prstGeom prst="roundRect">
+            <a:avLst/>
+          </a:prstGeom>
+          <a:solidFill>
+            <a:srgbClr val="FFFF00"/>
+          </a:solidFill>
+          <a:ln w="28575">
+            <a:solidFill>
+              <a:srgbClr val="FF0000"/>
+            </a:solidFill>
+          </a:ln>
+        </p:spPr>
+        <p:style>
+          <a:lnRef idx="2">
+            <a:schemeClr val="accent1">
+              <a:shade val="50000"/>
+            </a:schemeClr>
+          </a:lnRef>
+          <a:fillRef idx="1">
+            <a:schemeClr val="accent1"/>
+          </a:fillRef>
+          <a:effectRef idx="0">
+            <a:schemeClr val="accent1"/>
+          </a:effectRef>
+          <a:fontRef idx="minor">
+            <a:schemeClr val="lt1"/>
+          </a:fontRef>
+        </p:style>
+        <p:txBody>
+          <a:bodyPr rtlCol="0" anchor="ctr"/>
+          <a:lstStyle/>
+          <a:p>
+            <a:pPr algn="ctr"/>
+            <a:r>
+              <a:rPr lang="en-US" sz="1800" dirty="0">
+                <a:solidFill>
+                  <a:srgbClr val="FF0000"/>
+                </a:solidFill>
+              </a:rPr>
+              <a:t>1</a:t>
+            </a:r>
+            <a:endParaRPr lang="th-TH" sz="1800" dirty="0">
+              <a:solidFill>
+                <a:srgbClr val="FF0000"/>
+              </a:solidFill>
+            </a:endParaRPr>
+          </a:p>
+        </p:txBody>
+      </p:sp>
+      <p:cxnSp>
+        <p:nvCxnSpPr>
+          <p:cNvPr id="5" name="ลูกศรเชื่อมต่อแบบตรง 4">
+            <a:extLst>
+              <a:ext uri="{FF2B5EF4-FFF2-40B4-BE49-F238E27FC236}">
+                <a16:creationId xmlns:a16="http://schemas.microsoft.com/office/drawing/2014/main" id="{72857594-C297-E7E8-6B17-EAC28F974117}"/>
+              </a:ext>
+            </a:extLst>
+          </p:cNvPr>
+          <p:cNvCxnSpPr>
+            <a:cxnSpLocks/>
+            <a:stCxn id="4" idx="1"/>
+          </p:cNvCxnSpPr>
+          <p:nvPr/>
+        </p:nvCxnSpPr>
+        <p:spPr>
+          <a:xfrm flipH="1" flipV="1">
+            <a:off x="3905250" y="4105275"/>
+            <a:ext cx="368138" cy="371621"/>
+          </a:xfrm>
+          <a:prstGeom prst="straightConnector1">
+            <a:avLst/>
+          </a:prstGeom>
+          <a:ln w="28575" cap="flat" cmpd="sng" algn="ctr">
+            <a:solidFill>
+              <a:srgbClr val="FF0000"/>
+            </a:solidFill>
+            <a:prstDash val="solid"/>
+            <a:round/>
+            <a:headEnd type="none" w="med" len="med"/>
+            <a:tailEnd type="arrow" w="med" len="med"/>
+          </a:ln>
+        </p:spPr>
+        <p:style>
+          <a:lnRef idx="0">
+            <a:scrgbClr r="0" g="0" b="0"/>
+          </a:lnRef>
+          <a:fillRef idx="0">
+            <a:scrgbClr r="0" g="0" b="0"/>
+          </a:fillRef>
+          <a:effectRef idx="0">
+            <a:scrgbClr r="0" g="0" b="0"/>
+          </a:effectRef>
+          <a:fontRef idx="minor">
+            <a:schemeClr val="tx1"/>
+          </a:fontRef>
+        </p:style>
+      </p:cxnSp>
+      <p:sp>
+        <p:nvSpPr>
+          <p:cNvPr id="6" name="สี่เหลี่ยมผืนผ้า: มุมมน 5">
+            <a:extLst>
+              <a:ext uri="{FF2B5EF4-FFF2-40B4-BE49-F238E27FC236}">
+                <a16:creationId xmlns:a16="http://schemas.microsoft.com/office/drawing/2014/main" id="{E9A26938-E47A-FC98-E10C-92F41177E4CC}"/>
+              </a:ext>
+            </a:extLst>
+          </p:cNvPr>
+          <p:cNvSpPr/>
+          <p:nvPr/>
+        </p:nvSpPr>
+        <p:spPr>
+          <a:xfrm>
+            <a:off x="4839255" y="3209925"/>
+            <a:ext cx="463550" cy="266700"/>
+          </a:xfrm>
+          <a:prstGeom prst="roundRect">
+            <a:avLst/>
+          </a:prstGeom>
+          <a:solidFill>
+            <a:srgbClr val="FFFF00"/>
+          </a:solidFill>
+          <a:ln w="28575">
+            <a:solidFill>
+              <a:srgbClr val="FF0000"/>
+            </a:solidFill>
+          </a:ln>
+        </p:spPr>
+        <p:style>
+          <a:lnRef idx="2">
+            <a:schemeClr val="accent1">
+              <a:shade val="50000"/>
+            </a:schemeClr>
+          </a:lnRef>
+          <a:fillRef idx="1">
+            <a:schemeClr val="accent1"/>
+          </a:fillRef>
+          <a:effectRef idx="0">
+            <a:schemeClr val="accent1"/>
+          </a:effectRef>
+          <a:fontRef idx="minor">
+            <a:schemeClr val="lt1"/>
+          </a:fontRef>
+        </p:style>
+        <p:txBody>
+          <a:bodyPr rtlCol="0" anchor="ctr"/>
+          <a:lstStyle/>
+          <a:p>
+            <a:pPr algn="ctr"/>
+            <a:r>
+              <a:rPr lang="en-US" sz="1800" dirty="0">
+                <a:solidFill>
+                  <a:srgbClr val="FF0000"/>
+                </a:solidFill>
+              </a:rPr>
+              <a:t>2</a:t>
+            </a:r>
+            <a:endParaRPr lang="th-TH" sz="1800" dirty="0">
+              <a:solidFill>
+                <a:srgbClr val="FF0000"/>
+              </a:solidFill>
+            </a:endParaRPr>
+          </a:p>
+        </p:txBody>
+      </p:sp>
+      <p:cxnSp>
+        <p:nvCxnSpPr>
+          <p:cNvPr id="7" name="ลูกศรเชื่อมต่อแบบตรง 6">
+            <a:extLst>
+              <a:ext uri="{FF2B5EF4-FFF2-40B4-BE49-F238E27FC236}">
+                <a16:creationId xmlns:a16="http://schemas.microsoft.com/office/drawing/2014/main" id="{B1007F03-231A-3FEB-AB5B-391DCDC62BF3}"/>
+              </a:ext>
+            </a:extLst>
+          </p:cNvPr>
+          <p:cNvCxnSpPr>
+            <a:cxnSpLocks/>
+            <a:stCxn id="6" idx="1"/>
+          </p:cNvCxnSpPr>
+          <p:nvPr/>
+        </p:nvCxnSpPr>
+        <p:spPr>
+          <a:xfrm flipH="1">
+            <a:off x="4324350" y="3343275"/>
+            <a:ext cx="514905" cy="231336"/>
+          </a:xfrm>
+          <a:prstGeom prst="straightConnector1">
+            <a:avLst/>
+          </a:prstGeom>
+          <a:ln w="28575" cap="flat" cmpd="sng" algn="ctr">
+            <a:solidFill>
+              <a:srgbClr val="FF0000"/>
+            </a:solidFill>
+            <a:prstDash val="solid"/>
+            <a:round/>
+            <a:headEnd type="none" w="med" len="med"/>
+            <a:tailEnd type="arrow" w="med" len="med"/>
+          </a:ln>
+        </p:spPr>
+        <p:style>
+          <a:lnRef idx="0">
+            <a:scrgbClr r="0" g="0" b="0"/>
+          </a:lnRef>
+          <a:fillRef idx="0">
+            <a:scrgbClr r="0" g="0" b="0"/>
+          </a:fillRef>
+          <a:effectRef idx="0">
+            <a:scrgbClr r="0" g="0" b="0"/>
+          </a:effectRef>
+          <a:fontRef idx="minor">
+            <a:schemeClr val="tx1"/>
+          </a:fontRef>
+        </p:style>
+      </p:cxnSp>
+    </p:spTree>
+    <p:extLst>
+      <p:ext uri="{BB962C8B-B14F-4D97-AF65-F5344CB8AC3E}">
+        <p14:creationId xmlns:p14="http://schemas.microsoft.com/office/powerpoint/2010/main" val="2408195308"/>
+      </p:ext>
+    </p:extLst>
+  </p:cSld>
+  <p:clrMapOvr>
+    <a:masterClrMapping/>
+  </p:clrMapOvr>
+</p:sld>
+</file>
+
+<file path=ppt/slides/slide15.xml><?xml version="1.0" encoding="utf-8"?>
+<p:sld xmlns:a="http://schemas.openxmlformats.org/drawingml/2006/main" xmlns:r="http://schemas.openxmlformats.org/officeDocument/2006/relationships" xmlns:p="http://schemas.openxmlformats.org/presentationml/2006/main">
+  <p:cSld>
+    <p:spTree>
+      <p:nvGrpSpPr>
+        <p:cNvPr id="1" name=""/>
+        <p:cNvGrpSpPr/>
+        <p:nvPr/>
+      </p:nvGrpSpPr>
+      <p:grpSpPr>
+        <a:xfrm>
+          <a:off x="0" y="0"/>
+          <a:ext cx="0" cy="0"/>
+          <a:chOff x="0" y="0"/>
+          <a:chExt cx="0" cy="0"/>
+        </a:xfrm>
+      </p:grpSpPr>
+      <p:pic>
+        <p:nvPicPr>
+          <p:cNvPr id="3" name="รูปภาพ 2" descr="รูปภาพประกอบด้วย ข้อความ&#10;&#10;คำอธิบายที่สร้างโดยอัตโนมัติ">
+            <a:extLst>
+              <a:ext uri="{FF2B5EF4-FFF2-40B4-BE49-F238E27FC236}">
+                <a16:creationId xmlns:a16="http://schemas.microsoft.com/office/drawing/2014/main" id="{E86C54D4-4EC8-2596-5FAF-8C765A790EA9}"/>
+              </a:ext>
+            </a:extLst>
+          </p:cNvPr>
+          <p:cNvPicPr>
+            <a:picLocks noChangeAspect="1"/>
+          </p:cNvPicPr>
+          <p:nvPr/>
+        </p:nvPicPr>
+        <p:blipFill>
+          <a:blip r:embed="rId2">
+            <a:extLst>
+              <a:ext uri="{28A0092B-C50C-407E-A947-70E740481C1C}">
+                <a14:useLocalDpi xmlns:a14="http://schemas.microsoft.com/office/drawing/2010/main" val="0"/>
+              </a:ext>
+            </a:extLst>
+          </a:blip>
+          <a:stretch>
+            <a:fillRect/>
+          </a:stretch>
+        </p:blipFill>
+        <p:spPr>
+          <a:xfrm>
+            <a:off x="1981199" y="1195489"/>
+            <a:ext cx="10073523" cy="5529619"/>
+          </a:xfrm>
+          <a:prstGeom prst="rect">
+            <a:avLst/>
+          </a:prstGeom>
+        </p:spPr>
+      </p:pic>
+      <p:sp>
+        <p:nvSpPr>
+          <p:cNvPr id="4" name="สี่เหลี่ยมผืนผ้า: มุมมน 3">
+            <a:extLst>
+              <a:ext uri="{FF2B5EF4-FFF2-40B4-BE49-F238E27FC236}">
+                <a16:creationId xmlns:a16="http://schemas.microsoft.com/office/drawing/2014/main" id="{17CD4E24-C920-4272-8E08-390475458BC0}"/>
+              </a:ext>
+            </a:extLst>
+          </p:cNvPr>
+          <p:cNvSpPr/>
+          <p:nvPr/>
+        </p:nvSpPr>
+        <p:spPr>
+          <a:xfrm>
+            <a:off x="4067175" y="3248025"/>
+            <a:ext cx="3619500" cy="352425"/>
+          </a:xfrm>
+          <a:prstGeom prst="roundRect">
+            <a:avLst/>
+          </a:prstGeom>
+          <a:noFill/>
+          <a:ln w="28575">
+            <a:solidFill>
+              <a:srgbClr val="FF0000"/>
+            </a:solidFill>
+          </a:ln>
+        </p:spPr>
+        <p:style>
+          <a:lnRef idx="2">
+            <a:schemeClr val="accent1">
+              <a:shade val="50000"/>
+            </a:schemeClr>
+          </a:lnRef>
+          <a:fillRef idx="1">
+            <a:schemeClr val="accent1"/>
+          </a:fillRef>
+          <a:effectRef idx="0">
+            <a:schemeClr val="accent1"/>
+          </a:effectRef>
+          <a:fontRef idx="minor">
+            <a:schemeClr val="lt1"/>
+          </a:fontRef>
+        </p:style>
+        <p:txBody>
+          <a:bodyPr rtlCol="0" anchor="ctr"/>
+          <a:lstStyle/>
+          <a:p>
+            <a:pPr algn="ctr"/>
+            <a:endParaRPr lang="th-TH"/>
+          </a:p>
+        </p:txBody>
+      </p:sp>
+    </p:spTree>
+    <p:extLst>
+      <p:ext uri="{BB962C8B-B14F-4D97-AF65-F5344CB8AC3E}">
+        <p14:creationId xmlns:p14="http://schemas.microsoft.com/office/powerpoint/2010/main" val="1415947493"/>
+      </p:ext>
+    </p:extLst>
+  </p:cSld>
+  <p:clrMapOvr>
+    <a:masterClrMapping/>
+  </p:clrMapOvr>
+</p:sld>
+</file>
+
+<file path=ppt/slides/slide16.xml><?xml version="1.0" encoding="utf-8"?>
+<p:sld xmlns:a="http://schemas.openxmlformats.org/drawingml/2006/main" xmlns:r="http://schemas.openxmlformats.org/officeDocument/2006/relationships" xmlns:p="http://schemas.openxmlformats.org/presentationml/2006/main">
+  <p:cSld>
+    <p:spTree>
+      <p:nvGrpSpPr>
+        <p:cNvPr id="1" name=""/>
+        <p:cNvGrpSpPr/>
+        <p:nvPr/>
+      </p:nvGrpSpPr>
+      <p:grpSpPr>
+        <a:xfrm>
+          <a:off x="0" y="0"/>
+          <a:ext cx="0" cy="0"/>
+          <a:chOff x="0" y="0"/>
+          <a:chExt cx="0" cy="0"/>
+        </a:xfrm>
+      </p:grpSpPr>
+    </p:spTree>
+    <p:extLst>
+      <p:ext uri="{BB962C8B-B14F-4D97-AF65-F5344CB8AC3E}">
+        <p14:creationId xmlns:p14="http://schemas.microsoft.com/office/powerpoint/2010/main" val="526232281"/>
+      </p:ext>
+    </p:extLst>
+  </p:cSld>
+  <p:clrMapOvr>
+    <a:masterClrMapping/>
+  </p:clrMapOvr>
+</p:sld>
+</file>
+
+<file path=ppt/slides/slide17.xml><?xml version="1.0" encoding="utf-8"?>
+<p:sld xmlns:a="http://schemas.openxmlformats.org/drawingml/2006/main" xmlns:r="http://schemas.openxmlformats.org/officeDocument/2006/relationships" xmlns:p="http://schemas.openxmlformats.org/presentationml/2006/main">
+  <p:cSld>
+    <p:spTree>
+      <p:nvGrpSpPr>
+        <p:cNvPr id="1" name=""/>
+        <p:cNvGrpSpPr/>
+        <p:nvPr/>
+      </p:nvGrpSpPr>
+      <p:grpSpPr>
+        <a:xfrm>
+          <a:off x="0" y="0"/>
+          <a:ext cx="0" cy="0"/>
+          <a:chOff x="0" y="0"/>
+          <a:chExt cx="0" cy="0"/>
+        </a:xfrm>
+      </p:grpSpPr>
+    </p:spTree>
+    <p:extLst>
+      <p:ext uri="{BB962C8B-B14F-4D97-AF65-F5344CB8AC3E}">
+        <p14:creationId xmlns:p14="http://schemas.microsoft.com/office/powerpoint/2010/main" val="3563978818"/>
+      </p:ext>
+    </p:extLst>
+  </p:cSld>
+  <p:clrMapOvr>
+    <a:masterClrMapping/>
+  </p:clrMapOvr>
+</p:sld>
+</file>
+
+<file path=ppt/slides/slide18.xml><?xml version="1.0" encoding="utf-8"?>
+<p:sld xmlns:a="http://schemas.openxmlformats.org/drawingml/2006/main" xmlns:r="http://schemas.openxmlformats.org/officeDocument/2006/relationships" xmlns:p="http://schemas.openxmlformats.org/presentationml/2006/main">
+  <p:cSld>
+    <p:spTree>
+      <p:nvGrpSpPr>
+        <p:cNvPr id="1" name=""/>
+        <p:cNvGrpSpPr/>
+        <p:nvPr/>
+      </p:nvGrpSpPr>
+      <p:grpSpPr>
+        <a:xfrm>
+          <a:off x="0" y="0"/>
+          <a:ext cx="0" cy="0"/>
+          <a:chOff x="0" y="0"/>
+          <a:chExt cx="0" cy="0"/>
+        </a:xfrm>
+      </p:grpSpPr>
+    </p:spTree>
+    <p:extLst>
+      <p:ext uri="{BB962C8B-B14F-4D97-AF65-F5344CB8AC3E}">
+        <p14:creationId xmlns:p14="http://schemas.microsoft.com/office/powerpoint/2010/main" val="945667057"/>
+      </p:ext>
+    </p:extLst>
+  </p:cSld>
+  <p:clrMapOvr>
+    <a:masterClrMapping/>
+  </p:clrMapOvr>
+</p:sld>
+</file>
+
+<file path=ppt/slides/slide19.xml><?xml version="1.0" encoding="utf-8"?>
+<p:sld xmlns:a="http://schemas.openxmlformats.org/drawingml/2006/main" xmlns:r="http://schemas.openxmlformats.org/officeDocument/2006/relationships" xmlns:p="http://schemas.openxmlformats.org/presentationml/2006/main">
+  <p:cSld>
+    <p:spTree>
+      <p:nvGrpSpPr>
+        <p:cNvPr id="1" name=""/>
+        <p:cNvGrpSpPr/>
+        <p:nvPr/>
+      </p:nvGrpSpPr>
+      <p:grpSpPr>
+        <a:xfrm>
+          <a:off x="0" y="0"/>
+          <a:ext cx="0" cy="0"/>
+          <a:chOff x="0" y="0"/>
+          <a:chExt cx="0" cy="0"/>
+        </a:xfrm>
+      </p:grpSpPr>
+    </p:spTree>
+    <p:extLst>
+      <p:ext uri="{BB962C8B-B14F-4D97-AF65-F5344CB8AC3E}">
+        <p14:creationId xmlns:p14="http://schemas.microsoft.com/office/powerpoint/2010/main" val="3676068390"/>
+      </p:ext>
+    </p:extLst>
+  </p:cSld>
+  <p:clrMapOvr>
+    <a:masterClrMapping/>
+  </p:clrMapOvr>
+</p:sld>
+</file>
+
 <file path=ppt/slides/slide2.xml><?xml version="1.0" encoding="utf-8"?>
 <p:sld xmlns:a="http://schemas.openxmlformats.org/drawingml/2006/main" xmlns:r="http://schemas.openxmlformats.org/officeDocument/2006/relationships" xmlns:p="http://schemas.openxmlformats.org/presentationml/2006/main">
   <p:cSld>
@@ -4179,6 +6604,380 @@
           <a:chExt cx="0" cy="0"/>
         </a:xfrm>
       </p:grpSpPr>
+      <p:pic>
+        <p:nvPicPr>
+          <p:cNvPr id="5" name="รูปภาพ 4" descr="รูปภาพประกอบด้วย ข้อความ&#10;&#10;คำอธิบายที่สร้างโดยอัตโนมัติ">
+            <a:extLst>
+              <a:ext uri="{FF2B5EF4-FFF2-40B4-BE49-F238E27FC236}">
+                <a16:creationId xmlns:a16="http://schemas.microsoft.com/office/drawing/2014/main" id="{A3F42ECA-9F57-D31A-A7DA-500B2FE88DD6}"/>
+              </a:ext>
+            </a:extLst>
+          </p:cNvPr>
+          <p:cNvPicPr>
+            <a:picLocks noChangeAspect="1"/>
+          </p:cNvPicPr>
+          <p:nvPr/>
+        </p:nvPicPr>
+        <p:blipFill>
+          <a:blip r:embed="rId2">
+            <a:extLst>
+              <a:ext uri="{28A0092B-C50C-407E-A947-70E740481C1C}">
+                <a14:useLocalDpi xmlns:a14="http://schemas.microsoft.com/office/drawing/2010/main" val="0"/>
+              </a:ext>
+            </a:extLst>
+          </a:blip>
+          <a:stretch>
+            <a:fillRect/>
+          </a:stretch>
+        </p:blipFill>
+        <p:spPr>
+          <a:xfrm>
+            <a:off x="1256624" y="213864"/>
+            <a:ext cx="9678751" cy="6430272"/>
+          </a:xfrm>
+          <a:prstGeom prst="rect">
+            <a:avLst/>
+          </a:prstGeom>
+        </p:spPr>
+      </p:pic>
+      <p:sp>
+        <p:nvSpPr>
+          <p:cNvPr id="6" name="สี่เหลี่ยมผืนผ้า 5">
+            <a:extLst>
+              <a:ext uri="{FF2B5EF4-FFF2-40B4-BE49-F238E27FC236}">
+                <a16:creationId xmlns:a16="http://schemas.microsoft.com/office/drawing/2014/main" id="{EB963B6E-F291-1145-D1F8-FC9DA838717F}"/>
+              </a:ext>
+            </a:extLst>
+          </p:cNvPr>
+          <p:cNvSpPr/>
+          <p:nvPr/>
+        </p:nvSpPr>
+        <p:spPr>
+          <a:xfrm>
+            <a:off x="1609725" y="2143125"/>
+            <a:ext cx="4924425" cy="3724275"/>
+          </a:xfrm>
+          <a:prstGeom prst="rect">
+            <a:avLst/>
+          </a:prstGeom>
+          <a:solidFill>
+            <a:srgbClr val="242424"/>
+          </a:solidFill>
+        </p:spPr>
+        <p:style>
+          <a:lnRef idx="2">
+            <a:schemeClr val="accent1">
+              <a:shade val="50000"/>
+            </a:schemeClr>
+          </a:lnRef>
+          <a:fillRef idx="1">
+            <a:schemeClr val="accent1"/>
+          </a:fillRef>
+          <a:effectRef idx="0">
+            <a:schemeClr val="accent1"/>
+          </a:effectRef>
+          <a:fontRef idx="minor">
+            <a:schemeClr val="lt1"/>
+          </a:fontRef>
+        </p:style>
+        <p:txBody>
+          <a:bodyPr rtlCol="0" anchor="ctr"/>
+          <a:lstStyle/>
+          <a:p>
+            <a:pPr algn="ctr"/>
+            <a:endParaRPr lang="th-TH"/>
+          </a:p>
+        </p:txBody>
+      </p:sp>
+      <p:sp>
+        <p:nvSpPr>
+          <p:cNvPr id="7" name="สี่เหลี่ยมผืนผ้า: มุมมน 6">
+            <a:extLst>
+              <a:ext uri="{FF2B5EF4-FFF2-40B4-BE49-F238E27FC236}">
+                <a16:creationId xmlns:a16="http://schemas.microsoft.com/office/drawing/2014/main" id="{96151211-8617-2B0F-DA2A-4C47E27ABEDA}"/>
+              </a:ext>
+            </a:extLst>
+          </p:cNvPr>
+          <p:cNvSpPr/>
+          <p:nvPr/>
+        </p:nvSpPr>
+        <p:spPr>
+          <a:xfrm>
+            <a:off x="10302875" y="1698624"/>
+            <a:ext cx="463550" cy="336549"/>
+          </a:xfrm>
+          <a:prstGeom prst="roundRect">
+            <a:avLst/>
+          </a:prstGeom>
+          <a:solidFill>
+            <a:srgbClr val="FFFF00"/>
+          </a:solidFill>
+          <a:ln w="28575">
+            <a:solidFill>
+              <a:srgbClr val="FF0000"/>
+            </a:solidFill>
+          </a:ln>
+        </p:spPr>
+        <p:style>
+          <a:lnRef idx="2">
+            <a:schemeClr val="accent1">
+              <a:shade val="50000"/>
+            </a:schemeClr>
+          </a:lnRef>
+          <a:fillRef idx="1">
+            <a:schemeClr val="accent1"/>
+          </a:fillRef>
+          <a:effectRef idx="0">
+            <a:schemeClr val="accent1"/>
+          </a:effectRef>
+          <a:fontRef idx="minor">
+            <a:schemeClr val="lt1"/>
+          </a:fontRef>
+        </p:style>
+        <p:txBody>
+          <a:bodyPr rtlCol="0" anchor="ctr"/>
+          <a:lstStyle/>
+          <a:p>
+            <a:pPr algn="ctr"/>
+            <a:r>
+              <a:rPr lang="en-US" sz="1800" dirty="0">
+                <a:solidFill>
+                  <a:srgbClr val="FF0000"/>
+                </a:solidFill>
+              </a:rPr>
+              <a:t>A</a:t>
+            </a:r>
+            <a:endParaRPr lang="th-TH" sz="1800" dirty="0">
+              <a:solidFill>
+                <a:srgbClr val="FF0000"/>
+              </a:solidFill>
+            </a:endParaRPr>
+          </a:p>
+        </p:txBody>
+      </p:sp>
+      <p:cxnSp>
+        <p:nvCxnSpPr>
+          <p:cNvPr id="8" name="ลูกศรเชื่อมต่อแบบตรง 7">
+            <a:extLst>
+              <a:ext uri="{FF2B5EF4-FFF2-40B4-BE49-F238E27FC236}">
+                <a16:creationId xmlns:a16="http://schemas.microsoft.com/office/drawing/2014/main" id="{7E8511F8-1A0A-BD18-B0FF-14C68120DDEF}"/>
+              </a:ext>
+            </a:extLst>
+          </p:cNvPr>
+          <p:cNvCxnSpPr>
+            <a:cxnSpLocks/>
+            <a:stCxn id="7" idx="1"/>
+          </p:cNvCxnSpPr>
+          <p:nvPr/>
+        </p:nvCxnSpPr>
+        <p:spPr>
+          <a:xfrm flipH="1" flipV="1">
+            <a:off x="9417050" y="1863725"/>
+            <a:ext cx="885825" cy="3174"/>
+          </a:xfrm>
+          <a:prstGeom prst="straightConnector1">
+            <a:avLst/>
+          </a:prstGeom>
+          <a:ln w="28575" cap="flat" cmpd="sng" algn="ctr">
+            <a:solidFill>
+              <a:srgbClr val="FF0000"/>
+            </a:solidFill>
+            <a:prstDash val="solid"/>
+            <a:round/>
+            <a:headEnd type="none" w="med" len="med"/>
+            <a:tailEnd type="arrow" w="med" len="med"/>
+          </a:ln>
+        </p:spPr>
+        <p:style>
+          <a:lnRef idx="0">
+            <a:scrgbClr r="0" g="0" b="0"/>
+          </a:lnRef>
+          <a:fillRef idx="0">
+            <a:scrgbClr r="0" g="0" b="0"/>
+          </a:fillRef>
+          <a:effectRef idx="0">
+            <a:scrgbClr r="0" g="0" b="0"/>
+          </a:effectRef>
+          <a:fontRef idx="minor">
+            <a:schemeClr val="tx1"/>
+          </a:fontRef>
+        </p:style>
+      </p:cxnSp>
+      <p:sp>
+        <p:nvSpPr>
+          <p:cNvPr id="9" name="สี่เหลี่ยมผืนผ้า: มุมมน 8">
+            <a:extLst>
+              <a:ext uri="{FF2B5EF4-FFF2-40B4-BE49-F238E27FC236}">
+                <a16:creationId xmlns:a16="http://schemas.microsoft.com/office/drawing/2014/main" id="{F1F65D7A-BE40-B75B-FC27-020CB25A4B71}"/>
+              </a:ext>
+            </a:extLst>
+          </p:cNvPr>
+          <p:cNvSpPr/>
+          <p:nvPr/>
+        </p:nvSpPr>
+        <p:spPr>
+          <a:xfrm>
+            <a:off x="10398125" y="4625975"/>
+            <a:ext cx="463550" cy="393699"/>
+          </a:xfrm>
+          <a:prstGeom prst="roundRect">
+            <a:avLst/>
+          </a:prstGeom>
+          <a:solidFill>
+            <a:srgbClr val="FFFF00"/>
+          </a:solidFill>
+          <a:ln w="28575">
+            <a:solidFill>
+              <a:srgbClr val="FF0000"/>
+            </a:solidFill>
+          </a:ln>
+        </p:spPr>
+        <p:style>
+          <a:lnRef idx="2">
+            <a:schemeClr val="accent1">
+              <a:shade val="50000"/>
+            </a:schemeClr>
+          </a:lnRef>
+          <a:fillRef idx="1">
+            <a:schemeClr val="accent1"/>
+          </a:fillRef>
+          <a:effectRef idx="0">
+            <a:schemeClr val="accent1"/>
+          </a:effectRef>
+          <a:fontRef idx="minor">
+            <a:schemeClr val="lt1"/>
+          </a:fontRef>
+        </p:style>
+        <p:txBody>
+          <a:bodyPr rtlCol="0" anchor="ctr"/>
+          <a:lstStyle/>
+          <a:p>
+            <a:pPr algn="ctr"/>
+            <a:r>
+              <a:rPr lang="en-US" sz="1800" dirty="0">
+                <a:solidFill>
+                  <a:srgbClr val="FF0000"/>
+                </a:solidFill>
+              </a:rPr>
+              <a:t>B</a:t>
+            </a:r>
+            <a:endParaRPr lang="th-TH" sz="1800" dirty="0">
+              <a:solidFill>
+                <a:srgbClr val="FF0000"/>
+              </a:solidFill>
+            </a:endParaRPr>
+          </a:p>
+        </p:txBody>
+      </p:sp>
+      <p:cxnSp>
+        <p:nvCxnSpPr>
+          <p:cNvPr id="10" name="ลูกศรเชื่อมต่อแบบตรง 9">
+            <a:extLst>
+              <a:ext uri="{FF2B5EF4-FFF2-40B4-BE49-F238E27FC236}">
+                <a16:creationId xmlns:a16="http://schemas.microsoft.com/office/drawing/2014/main" id="{B53DE538-FACA-A339-E72E-BE06370A72FD}"/>
+              </a:ext>
+            </a:extLst>
+          </p:cNvPr>
+          <p:cNvCxnSpPr>
+            <a:cxnSpLocks/>
+            <a:stCxn id="9" idx="1"/>
+          </p:cNvCxnSpPr>
+          <p:nvPr/>
+        </p:nvCxnSpPr>
+        <p:spPr>
+          <a:xfrm flipH="1" flipV="1">
+            <a:off x="9512300" y="4791076"/>
+            <a:ext cx="885825" cy="31749"/>
+          </a:xfrm>
+          <a:prstGeom prst="straightConnector1">
+            <a:avLst/>
+          </a:prstGeom>
+          <a:ln w="28575" cap="flat" cmpd="sng" algn="ctr">
+            <a:solidFill>
+              <a:srgbClr val="FF0000"/>
+            </a:solidFill>
+            <a:prstDash val="solid"/>
+            <a:round/>
+            <a:headEnd type="none" w="med" len="med"/>
+            <a:tailEnd type="arrow" w="med" len="med"/>
+          </a:ln>
+        </p:spPr>
+        <p:style>
+          <a:lnRef idx="0">
+            <a:scrgbClr r="0" g="0" b="0"/>
+          </a:lnRef>
+          <a:fillRef idx="0">
+            <a:scrgbClr r="0" g="0" b="0"/>
+          </a:fillRef>
+          <a:effectRef idx="0">
+            <a:scrgbClr r="0" g="0" b="0"/>
+          </a:effectRef>
+          <a:fontRef idx="minor">
+            <a:schemeClr val="tx1"/>
+          </a:fontRef>
+        </p:style>
+      </p:cxnSp>
+      <p:sp>
+        <p:nvSpPr>
+          <p:cNvPr id="14" name="สี่เหลี่ยมผืนผ้า: มุมมน 13">
+            <a:extLst>
+              <a:ext uri="{FF2B5EF4-FFF2-40B4-BE49-F238E27FC236}">
+                <a16:creationId xmlns:a16="http://schemas.microsoft.com/office/drawing/2014/main" id="{D24BF0B6-5A91-4351-33D8-129A70F78807}"/>
+              </a:ext>
+            </a:extLst>
+          </p:cNvPr>
+          <p:cNvSpPr/>
+          <p:nvPr/>
+        </p:nvSpPr>
+        <p:spPr>
+          <a:xfrm>
+            <a:off x="2628899" y="3352800"/>
+            <a:ext cx="2886075" cy="1028700"/>
+          </a:xfrm>
+          <a:prstGeom prst="roundRect">
+            <a:avLst>
+              <a:gd name="adj" fmla="val 6482"/>
+            </a:avLst>
+          </a:prstGeom>
+          <a:solidFill>
+            <a:schemeClr val="accent4">
+              <a:lumMod val="20000"/>
+              <a:lumOff val="80000"/>
+            </a:schemeClr>
+          </a:solidFill>
+          <a:ln w="28575">
+            <a:solidFill>
+              <a:srgbClr val="FF0000"/>
+            </a:solidFill>
+          </a:ln>
+        </p:spPr>
+        <p:style>
+          <a:lnRef idx="1">
+            <a:schemeClr val="accent4"/>
+          </a:lnRef>
+          <a:fillRef idx="2">
+            <a:schemeClr val="accent4"/>
+          </a:fillRef>
+          <a:effectRef idx="1">
+            <a:schemeClr val="accent4"/>
+          </a:effectRef>
+          <a:fontRef idx="minor">
+            <a:schemeClr val="dk1"/>
+          </a:fontRef>
+        </p:style>
+        <p:txBody>
+          <a:bodyPr rtlCol="0" anchor="ctr"/>
+          <a:lstStyle/>
+          <a:p>
+            <a:pPr algn="ctr"/>
+            <a:r>
+              <a:rPr lang="en-US" dirty="0"/>
+              <a:t>Recent project list</a:t>
+            </a:r>
+            <a:endParaRPr lang="th-TH" dirty="0"/>
+          </a:p>
+        </p:txBody>
+      </p:sp>
     </p:spTree>
     <p:extLst>
       <p:ext uri="{BB962C8B-B14F-4D97-AF65-F5344CB8AC3E}">
@@ -4209,6 +7008,42 @@
           <a:chExt cx="0" cy="0"/>
         </a:xfrm>
       </p:grpSpPr>
+      <p:pic>
+        <p:nvPicPr>
+          <p:cNvPr id="3" name="รูปภาพ 2" descr="รูปภาพประกอบด้วย ข้อความ&#10;&#10;คำอธิบายที่สร้างโดยอัตโนมัติ">
+            <a:extLst>
+              <a:ext uri="{FF2B5EF4-FFF2-40B4-BE49-F238E27FC236}">
+                <a16:creationId xmlns:a16="http://schemas.microsoft.com/office/drawing/2014/main" id="{6DAE681C-152D-5CC5-EF66-82E480A2659E}"/>
+              </a:ext>
+            </a:extLst>
+          </p:cNvPr>
+          <p:cNvPicPr>
+            <a:picLocks noChangeAspect="1"/>
+          </p:cNvPicPr>
+          <p:nvPr/>
+        </p:nvPicPr>
+        <p:blipFill>
+          <a:blip r:embed="rId2">
+            <a:extLst>
+              <a:ext uri="{28A0092B-C50C-407E-A947-70E740481C1C}">
+                <a14:useLocalDpi xmlns:a14="http://schemas.microsoft.com/office/drawing/2010/main" val="0"/>
+              </a:ext>
+            </a:extLst>
+          </a:blip>
+          <a:stretch>
+            <a:fillRect/>
+          </a:stretch>
+        </p:blipFill>
+        <p:spPr>
+          <a:xfrm>
+            <a:off x="1270914" y="199574"/>
+            <a:ext cx="9650172" cy="6458851"/>
+          </a:xfrm>
+          <a:prstGeom prst="rect">
+            <a:avLst/>
+          </a:prstGeom>
+        </p:spPr>
+      </p:pic>
     </p:spTree>
     <p:extLst>
       <p:ext uri="{BB962C8B-B14F-4D97-AF65-F5344CB8AC3E}">
@@ -4239,6 +7074,270 @@
           <a:chExt cx="0" cy="0"/>
         </a:xfrm>
       </p:grpSpPr>
+      <p:pic>
+        <p:nvPicPr>
+          <p:cNvPr id="3" name="รูปภาพ 2" descr="รูปภาพประกอบด้วย ข้อความ&#10;&#10;คำอธิบายที่สร้างโดยอัตโนมัติ">
+            <a:extLst>
+              <a:ext uri="{FF2B5EF4-FFF2-40B4-BE49-F238E27FC236}">
+                <a16:creationId xmlns:a16="http://schemas.microsoft.com/office/drawing/2014/main" id="{33A38110-E727-A829-C60A-655209CABC39}"/>
+              </a:ext>
+            </a:extLst>
+          </p:cNvPr>
+          <p:cNvPicPr>
+            <a:picLocks noChangeAspect="1"/>
+          </p:cNvPicPr>
+          <p:nvPr/>
+        </p:nvPicPr>
+        <p:blipFill>
+          <a:blip r:embed="rId2">
+            <a:extLst>
+              <a:ext uri="{28A0092B-C50C-407E-A947-70E740481C1C}">
+                <a14:useLocalDpi xmlns:a14="http://schemas.microsoft.com/office/drawing/2010/main" val="0"/>
+              </a:ext>
+            </a:extLst>
+          </a:blip>
+          <a:stretch>
+            <a:fillRect/>
+          </a:stretch>
+        </p:blipFill>
+        <p:spPr>
+          <a:xfrm>
+            <a:off x="590550" y="1019584"/>
+            <a:ext cx="9829800" cy="5064278"/>
+          </a:xfrm>
+          <a:prstGeom prst="rect">
+            <a:avLst/>
+          </a:prstGeom>
+        </p:spPr>
+      </p:pic>
+      <p:sp>
+        <p:nvSpPr>
+          <p:cNvPr id="4" name="สี่เหลี่ยมผืนผ้า: มุมมน 3">
+            <a:extLst>
+              <a:ext uri="{FF2B5EF4-FFF2-40B4-BE49-F238E27FC236}">
+                <a16:creationId xmlns:a16="http://schemas.microsoft.com/office/drawing/2014/main" id="{3FA59834-38A5-DDAA-1B56-757D634236AF}"/>
+              </a:ext>
+            </a:extLst>
+          </p:cNvPr>
+          <p:cNvSpPr/>
+          <p:nvPr/>
+        </p:nvSpPr>
+        <p:spPr>
+          <a:xfrm>
+            <a:off x="10121900" y="2155825"/>
+            <a:ext cx="463550" cy="266700"/>
+          </a:xfrm>
+          <a:prstGeom prst="roundRect">
+            <a:avLst/>
+          </a:prstGeom>
+          <a:solidFill>
+            <a:srgbClr val="FFFF00"/>
+          </a:solidFill>
+          <a:ln>
+            <a:solidFill>
+              <a:srgbClr val="FF0000"/>
+            </a:solidFill>
+          </a:ln>
+        </p:spPr>
+        <p:style>
+          <a:lnRef idx="2">
+            <a:schemeClr val="accent1">
+              <a:shade val="50000"/>
+            </a:schemeClr>
+          </a:lnRef>
+          <a:fillRef idx="1">
+            <a:schemeClr val="accent1"/>
+          </a:fillRef>
+          <a:effectRef idx="0">
+            <a:schemeClr val="accent1"/>
+          </a:effectRef>
+          <a:fontRef idx="minor">
+            <a:schemeClr val="lt1"/>
+          </a:fontRef>
+        </p:style>
+        <p:txBody>
+          <a:bodyPr rtlCol="0" anchor="ctr"/>
+          <a:lstStyle/>
+          <a:p>
+            <a:pPr algn="ctr"/>
+            <a:r>
+              <a:rPr lang="en-US" sz="1800" dirty="0">
+                <a:solidFill>
+                  <a:srgbClr val="FF0000"/>
+                </a:solidFill>
+              </a:rPr>
+              <a:t>1</a:t>
+            </a:r>
+            <a:endParaRPr lang="th-TH" sz="1800" dirty="0">
+              <a:solidFill>
+                <a:srgbClr val="FF0000"/>
+              </a:solidFill>
+            </a:endParaRPr>
+          </a:p>
+        </p:txBody>
+      </p:sp>
+      <p:cxnSp>
+        <p:nvCxnSpPr>
+          <p:cNvPr id="5" name="ลูกศรเชื่อมต่อแบบตรง 4">
+            <a:extLst>
+              <a:ext uri="{FF2B5EF4-FFF2-40B4-BE49-F238E27FC236}">
+                <a16:creationId xmlns:a16="http://schemas.microsoft.com/office/drawing/2014/main" id="{29CAB038-3A96-D16B-AA8F-272F135CEDCA}"/>
+              </a:ext>
+            </a:extLst>
+          </p:cNvPr>
+          <p:cNvCxnSpPr>
+            <a:cxnSpLocks/>
+            <a:stCxn id="4" idx="1"/>
+          </p:cNvCxnSpPr>
+          <p:nvPr/>
+        </p:nvCxnSpPr>
+        <p:spPr>
+          <a:xfrm flipH="1">
+            <a:off x="9677400" y="2289175"/>
+            <a:ext cx="444500" cy="0"/>
+          </a:xfrm>
+          <a:prstGeom prst="straightConnector1">
+            <a:avLst/>
+          </a:prstGeom>
+          <a:ln w="9525" cap="flat" cmpd="sng" algn="ctr">
+            <a:solidFill>
+              <a:srgbClr val="FF0000"/>
+            </a:solidFill>
+            <a:prstDash val="solid"/>
+            <a:round/>
+            <a:headEnd type="none" w="med" len="med"/>
+            <a:tailEnd type="arrow" w="med" len="med"/>
+          </a:ln>
+        </p:spPr>
+        <p:style>
+          <a:lnRef idx="0">
+            <a:scrgbClr r="0" g="0" b="0"/>
+          </a:lnRef>
+          <a:fillRef idx="0">
+            <a:scrgbClr r="0" g="0" b="0"/>
+          </a:fillRef>
+          <a:effectRef idx="0">
+            <a:scrgbClr r="0" g="0" b="0"/>
+          </a:effectRef>
+          <a:fontRef idx="minor">
+            <a:schemeClr val="tx1"/>
+          </a:fontRef>
+        </p:style>
+      </p:cxnSp>
+      <p:sp>
+        <p:nvSpPr>
+          <p:cNvPr id="7" name="สี่เหลี่ยมผืนผ้า: มุมมน 6">
+            <a:extLst>
+              <a:ext uri="{FF2B5EF4-FFF2-40B4-BE49-F238E27FC236}">
+                <a16:creationId xmlns:a16="http://schemas.microsoft.com/office/drawing/2014/main" id="{6EE8D384-CD49-D00C-6069-5BEB95467018}"/>
+              </a:ext>
+            </a:extLst>
+          </p:cNvPr>
+          <p:cNvSpPr/>
+          <p:nvPr/>
+        </p:nvSpPr>
+        <p:spPr>
+          <a:xfrm>
+            <a:off x="9956800" y="3292066"/>
+            <a:ext cx="463550" cy="266700"/>
+          </a:xfrm>
+          <a:prstGeom prst="roundRect">
+            <a:avLst/>
+          </a:prstGeom>
+          <a:solidFill>
+            <a:srgbClr val="FFFF00"/>
+          </a:solidFill>
+          <a:ln>
+            <a:solidFill>
+              <a:srgbClr val="FF0000"/>
+            </a:solidFill>
+          </a:ln>
+        </p:spPr>
+        <p:style>
+          <a:lnRef idx="2">
+            <a:schemeClr val="accent1">
+              <a:shade val="50000"/>
+            </a:schemeClr>
+          </a:lnRef>
+          <a:fillRef idx="1">
+            <a:schemeClr val="accent1"/>
+          </a:fillRef>
+          <a:effectRef idx="0">
+            <a:schemeClr val="accent1"/>
+          </a:effectRef>
+          <a:fontRef idx="minor">
+            <a:schemeClr val="lt1"/>
+          </a:fontRef>
+        </p:style>
+        <p:txBody>
+          <a:bodyPr rtlCol="0" anchor="ctr"/>
+          <a:lstStyle/>
+          <a:p>
+            <a:pPr algn="ctr"/>
+            <a:r>
+              <a:rPr lang="en-US" sz="1800" dirty="0">
+                <a:solidFill>
+                  <a:srgbClr val="FF0000"/>
+                </a:solidFill>
+              </a:rPr>
+              <a:t>2</a:t>
+            </a:r>
+            <a:endParaRPr lang="th-TH" sz="1800" dirty="0">
+              <a:solidFill>
+                <a:srgbClr val="FF0000"/>
+              </a:solidFill>
+            </a:endParaRPr>
+          </a:p>
+        </p:txBody>
+      </p:sp>
+      <p:cxnSp>
+        <p:nvCxnSpPr>
+          <p:cNvPr id="8" name="ลูกศรเชื่อมต่อแบบตรง 7">
+            <a:extLst>
+              <a:ext uri="{FF2B5EF4-FFF2-40B4-BE49-F238E27FC236}">
+                <a16:creationId xmlns:a16="http://schemas.microsoft.com/office/drawing/2014/main" id="{DA7A7BC3-EE9F-6319-A480-8E81003A8111}"/>
+              </a:ext>
+            </a:extLst>
+          </p:cNvPr>
+          <p:cNvCxnSpPr>
+            <a:cxnSpLocks/>
+            <a:stCxn id="7" idx="1"/>
+          </p:cNvCxnSpPr>
+          <p:nvPr/>
+        </p:nvCxnSpPr>
+        <p:spPr>
+          <a:xfrm flipH="1">
+            <a:off x="9512300" y="3425416"/>
+            <a:ext cx="444500" cy="0"/>
+          </a:xfrm>
+          <a:prstGeom prst="straightConnector1">
+            <a:avLst/>
+          </a:prstGeom>
+          <a:ln w="9525" cap="flat" cmpd="sng" algn="ctr">
+            <a:solidFill>
+              <a:srgbClr val="FF0000"/>
+            </a:solidFill>
+            <a:prstDash val="solid"/>
+            <a:round/>
+            <a:headEnd type="none" w="med" len="med"/>
+            <a:tailEnd type="arrow" w="med" len="med"/>
+          </a:ln>
+        </p:spPr>
+        <p:style>
+          <a:lnRef idx="0">
+            <a:scrgbClr r="0" g="0" b="0"/>
+          </a:lnRef>
+          <a:fillRef idx="0">
+            <a:scrgbClr r="0" g="0" b="0"/>
+          </a:fillRef>
+          <a:effectRef idx="0">
+            <a:scrgbClr r="0" g="0" b="0"/>
+          </a:effectRef>
+          <a:fontRef idx="minor">
+            <a:schemeClr val="tx1"/>
+          </a:fontRef>
+        </p:style>
+      </p:cxnSp>
     </p:spTree>
     <p:extLst>
       <p:ext uri="{BB962C8B-B14F-4D97-AF65-F5344CB8AC3E}">
@@ -4269,6 +7368,383 @@
           <a:chExt cx="0" cy="0"/>
         </a:xfrm>
       </p:grpSpPr>
+      <p:pic>
+        <p:nvPicPr>
+          <p:cNvPr id="3" name="รูปภาพ 2" descr="รูปภาพประกอบด้วย ข้อความ&#10;&#10;คำอธิบายที่สร้างโดยอัตโนมัติ">
+            <a:extLst>
+              <a:ext uri="{FF2B5EF4-FFF2-40B4-BE49-F238E27FC236}">
+                <a16:creationId xmlns:a16="http://schemas.microsoft.com/office/drawing/2014/main" id="{DD58DBA2-3AF6-E213-8B2C-39B05B47F9AA}"/>
+              </a:ext>
+            </a:extLst>
+          </p:cNvPr>
+          <p:cNvPicPr>
+            <a:picLocks noChangeAspect="1"/>
+          </p:cNvPicPr>
+          <p:nvPr/>
+        </p:nvPicPr>
+        <p:blipFill>
+          <a:blip r:embed="rId2">
+            <a:extLst>
+              <a:ext uri="{28A0092B-C50C-407E-A947-70E740481C1C}">
+                <a14:useLocalDpi xmlns:a14="http://schemas.microsoft.com/office/drawing/2010/main" val="0"/>
+              </a:ext>
+            </a:extLst>
+          </a:blip>
+          <a:stretch>
+            <a:fillRect/>
+          </a:stretch>
+        </p:blipFill>
+        <p:spPr>
+          <a:xfrm>
+            <a:off x="1280440" y="209100"/>
+            <a:ext cx="9631119" cy="6439799"/>
+          </a:xfrm>
+          <a:prstGeom prst="rect">
+            <a:avLst/>
+          </a:prstGeom>
+        </p:spPr>
+      </p:pic>
+      <p:sp>
+        <p:nvSpPr>
+          <p:cNvPr id="4" name="สี่เหลี่ยมผืนผ้า: มุมมน 3">
+            <a:extLst>
+              <a:ext uri="{FF2B5EF4-FFF2-40B4-BE49-F238E27FC236}">
+                <a16:creationId xmlns:a16="http://schemas.microsoft.com/office/drawing/2014/main" id="{369BB0E1-5ACD-3E60-1C63-2E97CC1225F1}"/>
+              </a:ext>
+            </a:extLst>
+          </p:cNvPr>
+          <p:cNvSpPr/>
+          <p:nvPr/>
+        </p:nvSpPr>
+        <p:spPr>
+          <a:xfrm>
+            <a:off x="5159375" y="1946275"/>
+            <a:ext cx="463550" cy="266700"/>
+          </a:xfrm>
+          <a:prstGeom prst="roundRect">
+            <a:avLst/>
+          </a:prstGeom>
+          <a:solidFill>
+            <a:srgbClr val="FFFF00"/>
+          </a:solidFill>
+          <a:ln>
+            <a:solidFill>
+              <a:srgbClr val="FF0000"/>
+            </a:solidFill>
+          </a:ln>
+        </p:spPr>
+        <p:style>
+          <a:lnRef idx="2">
+            <a:schemeClr val="accent1">
+              <a:shade val="50000"/>
+            </a:schemeClr>
+          </a:lnRef>
+          <a:fillRef idx="1">
+            <a:schemeClr val="accent1"/>
+          </a:fillRef>
+          <a:effectRef idx="0">
+            <a:schemeClr val="accent1"/>
+          </a:effectRef>
+          <a:fontRef idx="minor">
+            <a:schemeClr val="lt1"/>
+          </a:fontRef>
+        </p:style>
+        <p:txBody>
+          <a:bodyPr rtlCol="0" anchor="ctr"/>
+          <a:lstStyle/>
+          <a:p>
+            <a:pPr algn="ctr"/>
+            <a:r>
+              <a:rPr lang="en-US" sz="1800" dirty="0">
+                <a:solidFill>
+                  <a:srgbClr val="FF0000"/>
+                </a:solidFill>
+              </a:rPr>
+              <a:t>1</a:t>
+            </a:r>
+            <a:endParaRPr lang="th-TH" sz="1800" dirty="0">
+              <a:solidFill>
+                <a:srgbClr val="FF0000"/>
+              </a:solidFill>
+            </a:endParaRPr>
+          </a:p>
+        </p:txBody>
+      </p:sp>
+      <p:cxnSp>
+        <p:nvCxnSpPr>
+          <p:cNvPr id="5" name="ลูกศรเชื่อมต่อแบบตรง 4">
+            <a:extLst>
+              <a:ext uri="{FF2B5EF4-FFF2-40B4-BE49-F238E27FC236}">
+                <a16:creationId xmlns:a16="http://schemas.microsoft.com/office/drawing/2014/main" id="{CF7A2DA8-425D-4514-E4CB-0791E2303986}"/>
+              </a:ext>
+            </a:extLst>
+          </p:cNvPr>
+          <p:cNvCxnSpPr>
+            <a:cxnSpLocks/>
+            <a:stCxn id="4" idx="1"/>
+          </p:cNvCxnSpPr>
+          <p:nvPr/>
+        </p:nvCxnSpPr>
+        <p:spPr>
+          <a:xfrm flipH="1">
+            <a:off x="4714875" y="2079625"/>
+            <a:ext cx="444500" cy="0"/>
+          </a:xfrm>
+          <a:prstGeom prst="straightConnector1">
+            <a:avLst/>
+          </a:prstGeom>
+          <a:ln w="9525" cap="flat" cmpd="sng" algn="ctr">
+            <a:solidFill>
+              <a:srgbClr val="FF0000"/>
+            </a:solidFill>
+            <a:prstDash val="solid"/>
+            <a:round/>
+            <a:headEnd type="none" w="med" len="med"/>
+            <a:tailEnd type="arrow" w="med" len="med"/>
+          </a:ln>
+        </p:spPr>
+        <p:style>
+          <a:lnRef idx="0">
+            <a:scrgbClr r="0" g="0" b="0"/>
+          </a:lnRef>
+          <a:fillRef idx="0">
+            <a:scrgbClr r="0" g="0" b="0"/>
+          </a:fillRef>
+          <a:effectRef idx="0">
+            <a:scrgbClr r="0" g="0" b="0"/>
+          </a:effectRef>
+          <a:fontRef idx="minor">
+            <a:schemeClr val="tx1"/>
+          </a:fontRef>
+        </p:style>
+      </p:cxnSp>
+      <p:sp>
+        <p:nvSpPr>
+          <p:cNvPr id="6" name="สี่เหลี่ยมผืนผ้า: มุมมน 5">
+            <a:extLst>
+              <a:ext uri="{FF2B5EF4-FFF2-40B4-BE49-F238E27FC236}">
+                <a16:creationId xmlns:a16="http://schemas.microsoft.com/office/drawing/2014/main" id="{EB9D670A-17E0-6897-2968-ADBB93D615C4}"/>
+              </a:ext>
+            </a:extLst>
+          </p:cNvPr>
+          <p:cNvSpPr/>
+          <p:nvPr/>
+        </p:nvSpPr>
+        <p:spPr>
+          <a:xfrm>
+            <a:off x="5864225" y="2651125"/>
+            <a:ext cx="463550" cy="266700"/>
+          </a:xfrm>
+          <a:prstGeom prst="roundRect">
+            <a:avLst/>
+          </a:prstGeom>
+          <a:solidFill>
+            <a:srgbClr val="FFFF00"/>
+          </a:solidFill>
+          <a:ln>
+            <a:solidFill>
+              <a:srgbClr val="FF0000"/>
+            </a:solidFill>
+          </a:ln>
+        </p:spPr>
+        <p:style>
+          <a:lnRef idx="2">
+            <a:schemeClr val="accent1">
+              <a:shade val="50000"/>
+            </a:schemeClr>
+          </a:lnRef>
+          <a:fillRef idx="1">
+            <a:schemeClr val="accent1"/>
+          </a:fillRef>
+          <a:effectRef idx="0">
+            <a:schemeClr val="accent1"/>
+          </a:effectRef>
+          <a:fontRef idx="minor">
+            <a:schemeClr val="lt1"/>
+          </a:fontRef>
+        </p:style>
+        <p:txBody>
+          <a:bodyPr rtlCol="0" anchor="ctr"/>
+          <a:lstStyle/>
+          <a:p>
+            <a:pPr algn="ctr"/>
+            <a:r>
+              <a:rPr lang="en-US" sz="1800" dirty="0">
+                <a:solidFill>
+                  <a:srgbClr val="FF0000"/>
+                </a:solidFill>
+              </a:rPr>
+              <a:t>2</a:t>
+            </a:r>
+            <a:endParaRPr lang="th-TH" sz="1800" dirty="0">
+              <a:solidFill>
+                <a:srgbClr val="FF0000"/>
+              </a:solidFill>
+            </a:endParaRPr>
+          </a:p>
+        </p:txBody>
+      </p:sp>
+      <p:cxnSp>
+        <p:nvCxnSpPr>
+          <p:cNvPr id="7" name="ลูกศรเชื่อมต่อแบบตรง 6">
+            <a:extLst>
+              <a:ext uri="{FF2B5EF4-FFF2-40B4-BE49-F238E27FC236}">
+                <a16:creationId xmlns:a16="http://schemas.microsoft.com/office/drawing/2014/main" id="{7D11F869-4C8C-0AE5-5909-CE23BEB932C5}"/>
+              </a:ext>
+            </a:extLst>
+          </p:cNvPr>
+          <p:cNvCxnSpPr>
+            <a:cxnSpLocks/>
+            <a:stCxn id="6" idx="1"/>
+          </p:cNvCxnSpPr>
+          <p:nvPr/>
+        </p:nvCxnSpPr>
+        <p:spPr>
+          <a:xfrm flipH="1">
+            <a:off x="5419725" y="2784475"/>
+            <a:ext cx="444500" cy="0"/>
+          </a:xfrm>
+          <a:prstGeom prst="straightConnector1">
+            <a:avLst/>
+          </a:prstGeom>
+          <a:ln w="9525" cap="flat" cmpd="sng" algn="ctr">
+            <a:solidFill>
+              <a:srgbClr val="FF0000"/>
+            </a:solidFill>
+            <a:prstDash val="solid"/>
+            <a:round/>
+            <a:headEnd type="none" w="med" len="med"/>
+            <a:tailEnd type="arrow" w="med" len="med"/>
+          </a:ln>
+        </p:spPr>
+        <p:style>
+          <a:lnRef idx="0">
+            <a:scrgbClr r="0" g="0" b="0"/>
+          </a:lnRef>
+          <a:fillRef idx="0">
+            <a:scrgbClr r="0" g="0" b="0"/>
+          </a:fillRef>
+          <a:effectRef idx="0">
+            <a:scrgbClr r="0" g="0" b="0"/>
+          </a:effectRef>
+          <a:fontRef idx="minor">
+            <a:schemeClr val="tx1"/>
+          </a:fontRef>
+        </p:style>
+      </p:cxnSp>
+      <p:sp>
+        <p:nvSpPr>
+          <p:cNvPr id="8" name="สี่เหลี่ยมผืนผ้า: มุมมน 7">
+            <a:extLst>
+              <a:ext uri="{FF2B5EF4-FFF2-40B4-BE49-F238E27FC236}">
+                <a16:creationId xmlns:a16="http://schemas.microsoft.com/office/drawing/2014/main" id="{88AE279E-F27F-8379-5BFE-027E604881CD}"/>
+              </a:ext>
+            </a:extLst>
+          </p:cNvPr>
+          <p:cNvSpPr/>
+          <p:nvPr/>
+        </p:nvSpPr>
+        <p:spPr>
+          <a:xfrm>
+            <a:off x="8683625" y="5994400"/>
+            <a:ext cx="463550" cy="266700"/>
+          </a:xfrm>
+          <a:prstGeom prst="roundRect">
+            <a:avLst/>
+          </a:prstGeom>
+          <a:solidFill>
+            <a:srgbClr val="FFFF00"/>
+          </a:solidFill>
+          <a:ln>
+            <a:solidFill>
+              <a:srgbClr val="FF0000"/>
+            </a:solidFill>
+          </a:ln>
+        </p:spPr>
+        <p:style>
+          <a:lnRef idx="2">
+            <a:schemeClr val="accent1">
+              <a:shade val="50000"/>
+            </a:schemeClr>
+          </a:lnRef>
+          <a:fillRef idx="1">
+            <a:schemeClr val="accent1"/>
+          </a:fillRef>
+          <a:effectRef idx="0">
+            <a:schemeClr val="accent1"/>
+          </a:effectRef>
+          <a:fontRef idx="minor">
+            <a:schemeClr val="lt1"/>
+          </a:fontRef>
+        </p:style>
+        <p:txBody>
+          <a:bodyPr rtlCol="0" anchor="ctr"/>
+          <a:lstStyle/>
+          <a:p>
+            <a:pPr algn="ctr"/>
+            <a:r>
+              <a:rPr lang="en-US" sz="1800" dirty="0">
+                <a:solidFill>
+                  <a:srgbClr val="FF0000"/>
+                </a:solidFill>
+              </a:rPr>
+              <a:t>3</a:t>
+            </a:r>
+            <a:endParaRPr lang="th-TH" sz="1800" dirty="0">
+              <a:solidFill>
+                <a:srgbClr val="FF0000"/>
+              </a:solidFill>
+            </a:endParaRPr>
+          </a:p>
+        </p:txBody>
+      </p:sp>
+      <p:cxnSp>
+        <p:nvCxnSpPr>
+          <p:cNvPr id="9" name="ลูกศรเชื่อมต่อแบบตรง 8">
+            <a:extLst>
+              <a:ext uri="{FF2B5EF4-FFF2-40B4-BE49-F238E27FC236}">
+                <a16:creationId xmlns:a16="http://schemas.microsoft.com/office/drawing/2014/main" id="{FF93096E-EBEF-0B92-3918-68C6D599BBEF}"/>
+              </a:ext>
+            </a:extLst>
+          </p:cNvPr>
+          <p:cNvCxnSpPr>
+            <a:cxnSpLocks/>
+          </p:cNvCxnSpPr>
+          <p:nvPr/>
+        </p:nvCxnSpPr>
+        <p:spPr>
+          <a:xfrm>
+            <a:off x="9147175" y="6127750"/>
+            <a:ext cx="539750" cy="0"/>
+          </a:xfrm>
+          <a:prstGeom prst="straightConnector1">
+            <a:avLst/>
+          </a:prstGeom>
+          <a:ln w="9525" cap="flat" cmpd="sng" algn="ctr">
+            <a:solidFill>
+              <a:srgbClr val="FF0000"/>
+            </a:solidFill>
+            <a:prstDash val="solid"/>
+            <a:round/>
+            <a:headEnd type="none" w="med" len="med"/>
+            <a:tailEnd type="arrow" w="med" len="med"/>
+          </a:ln>
+        </p:spPr>
+        <p:style>
+          <a:lnRef idx="0">
+            <a:scrgbClr r="0" g="0" b="0"/>
+          </a:lnRef>
+          <a:fillRef idx="0">
+            <a:scrgbClr r="0" g="0" b="0"/>
+          </a:fillRef>
+          <a:effectRef idx="0">
+            <a:scrgbClr r="0" g="0" b="0"/>
+          </a:effectRef>
+          <a:fontRef idx="minor">
+            <a:schemeClr val="tx1"/>
+          </a:fontRef>
+        </p:style>
+      </p:cxnSp>
     </p:spTree>
     <p:extLst>
       <p:ext uri="{BB962C8B-B14F-4D97-AF65-F5344CB8AC3E}">
@@ -4299,6 +7775,96 @@
           <a:chExt cx="0" cy="0"/>
         </a:xfrm>
       </p:grpSpPr>
+      <p:pic>
+        <p:nvPicPr>
+          <p:cNvPr id="3" name="รูปภาพ 2">
+            <a:extLst>
+              <a:ext uri="{FF2B5EF4-FFF2-40B4-BE49-F238E27FC236}">
+                <a16:creationId xmlns:a16="http://schemas.microsoft.com/office/drawing/2014/main" id="{94608748-323E-EE3B-EB81-6686D383E42C}"/>
+              </a:ext>
+            </a:extLst>
+          </p:cNvPr>
+          <p:cNvPicPr>
+            <a:picLocks noChangeAspect="1"/>
+          </p:cNvPicPr>
+          <p:nvPr/>
+        </p:nvPicPr>
+        <p:blipFill>
+          <a:blip r:embed="rId2">
+            <a:extLst>
+              <a:ext uri="{28A0092B-C50C-407E-A947-70E740481C1C}">
+                <a14:useLocalDpi xmlns:a14="http://schemas.microsoft.com/office/drawing/2010/main" val="0"/>
+              </a:ext>
+            </a:extLst>
+          </a:blip>
+          <a:stretch>
+            <a:fillRect/>
+          </a:stretch>
+        </p:blipFill>
+        <p:spPr>
+          <a:xfrm>
+            <a:off x="3176180" y="2304893"/>
+            <a:ext cx="5839640" cy="2248214"/>
+          </a:xfrm>
+          <a:prstGeom prst="rect">
+            <a:avLst/>
+          </a:prstGeom>
+        </p:spPr>
+      </p:pic>
+      <p:sp>
+        <p:nvSpPr>
+          <p:cNvPr id="4" name="สี่เหลี่ยมผืนผ้า: มุมมน 3">
+            <a:extLst>
+              <a:ext uri="{FF2B5EF4-FFF2-40B4-BE49-F238E27FC236}">
+                <a16:creationId xmlns:a16="http://schemas.microsoft.com/office/drawing/2014/main" id="{DB691B05-B012-C059-E54E-A311E08D61B2}"/>
+              </a:ext>
+            </a:extLst>
+          </p:cNvPr>
+          <p:cNvSpPr/>
+          <p:nvPr/>
+        </p:nvSpPr>
+        <p:spPr>
+          <a:xfrm>
+            <a:off x="4648200" y="4029075"/>
+            <a:ext cx="4314825" cy="571500"/>
+          </a:xfrm>
+          <a:prstGeom prst="roundRect">
+            <a:avLst>
+              <a:gd name="adj" fmla="val 11667"/>
+            </a:avLst>
+          </a:prstGeom>
+          <a:noFill/>
+          <a:ln w="28575">
+            <a:solidFill>
+              <a:srgbClr val="FF0000"/>
+            </a:solidFill>
+          </a:ln>
+        </p:spPr>
+        <p:style>
+          <a:lnRef idx="2">
+            <a:schemeClr val="accent1">
+              <a:shade val="50000"/>
+            </a:schemeClr>
+          </a:lnRef>
+          <a:fillRef idx="1">
+            <a:schemeClr val="accent1"/>
+          </a:fillRef>
+          <a:effectRef idx="0">
+            <a:schemeClr val="accent1"/>
+          </a:effectRef>
+          <a:fontRef idx="minor">
+            <a:schemeClr val="lt1"/>
+          </a:fontRef>
+        </p:style>
+        <p:txBody>
+          <a:bodyPr rtlCol="0" anchor="ctr"/>
+          <a:lstStyle/>
+          <a:p>
+            <a:pPr algn="ctr"/>
+            <a:endParaRPr lang="th-TH"/>
+          </a:p>
+        </p:txBody>
+      </p:sp>
     </p:spTree>
     <p:extLst>
       <p:ext uri="{BB962C8B-B14F-4D97-AF65-F5344CB8AC3E}">
@@ -4329,6 +7895,384 @@
           <a:chExt cx="0" cy="0"/>
         </a:xfrm>
       </p:grpSpPr>
+      <p:pic>
+        <p:nvPicPr>
+          <p:cNvPr id="9" name="รูปภาพ 8" descr="รูปภาพประกอบด้วย ข้อความ, ภาพหน้าจอ, จอภาพ, สีดำ&#10;&#10;คำอธิบายที่สร้างโดยอัตโนมัติ">
+            <a:extLst>
+              <a:ext uri="{FF2B5EF4-FFF2-40B4-BE49-F238E27FC236}">
+                <a16:creationId xmlns:a16="http://schemas.microsoft.com/office/drawing/2014/main" id="{79073552-BDFB-BEC5-A75F-0BEB0D7EE836}"/>
+              </a:ext>
+            </a:extLst>
+          </p:cNvPr>
+          <p:cNvPicPr>
+            <a:picLocks noChangeAspect="1"/>
+          </p:cNvPicPr>
+          <p:nvPr/>
+        </p:nvPicPr>
+        <p:blipFill>
+          <a:blip r:embed="rId2">
+            <a:extLst>
+              <a:ext uri="{28A0092B-C50C-407E-A947-70E740481C1C}">
+                <a14:useLocalDpi xmlns:a14="http://schemas.microsoft.com/office/drawing/2010/main" val="0"/>
+              </a:ext>
+            </a:extLst>
+          </a:blip>
+          <a:stretch>
+            <a:fillRect/>
+          </a:stretch>
+        </p:blipFill>
+        <p:spPr>
+          <a:xfrm>
+            <a:off x="3442847" y="1718929"/>
+            <a:ext cx="6315956" cy="4772691"/>
+          </a:xfrm>
+          <a:prstGeom prst="rect">
+            <a:avLst/>
+          </a:prstGeom>
+        </p:spPr>
+      </p:pic>
+      <p:sp>
+        <p:nvSpPr>
+          <p:cNvPr id="10" name="สี่เหลี่ยมผืนผ้า: มุมมน 9">
+            <a:extLst>
+              <a:ext uri="{FF2B5EF4-FFF2-40B4-BE49-F238E27FC236}">
+                <a16:creationId xmlns:a16="http://schemas.microsoft.com/office/drawing/2014/main" id="{CA5F9A8A-7D7A-482B-AE59-D736EFF236AD}"/>
+              </a:ext>
+            </a:extLst>
+          </p:cNvPr>
+          <p:cNvSpPr/>
+          <p:nvPr/>
+        </p:nvSpPr>
+        <p:spPr>
+          <a:xfrm>
+            <a:off x="4949825" y="1374775"/>
+            <a:ext cx="463550" cy="266700"/>
+          </a:xfrm>
+          <a:prstGeom prst="roundRect">
+            <a:avLst/>
+          </a:prstGeom>
+          <a:solidFill>
+            <a:srgbClr val="FFFF00"/>
+          </a:solidFill>
+          <a:ln>
+            <a:solidFill>
+              <a:srgbClr val="FF0000"/>
+            </a:solidFill>
+          </a:ln>
+        </p:spPr>
+        <p:style>
+          <a:lnRef idx="2">
+            <a:schemeClr val="accent1">
+              <a:shade val="50000"/>
+            </a:schemeClr>
+          </a:lnRef>
+          <a:fillRef idx="1">
+            <a:schemeClr val="accent1"/>
+          </a:fillRef>
+          <a:effectRef idx="0">
+            <a:schemeClr val="accent1"/>
+          </a:effectRef>
+          <a:fontRef idx="minor">
+            <a:schemeClr val="lt1"/>
+          </a:fontRef>
+        </p:style>
+        <p:txBody>
+          <a:bodyPr rtlCol="0" anchor="ctr"/>
+          <a:lstStyle/>
+          <a:p>
+            <a:pPr algn="ctr"/>
+            <a:r>
+              <a:rPr lang="en-US" sz="1800" dirty="0">
+                <a:solidFill>
+                  <a:srgbClr val="FF0000"/>
+                </a:solidFill>
+              </a:rPr>
+              <a:t>1</a:t>
+            </a:r>
+            <a:endParaRPr lang="th-TH" sz="1800" dirty="0">
+              <a:solidFill>
+                <a:srgbClr val="FF0000"/>
+              </a:solidFill>
+            </a:endParaRPr>
+          </a:p>
+        </p:txBody>
+      </p:sp>
+      <p:cxnSp>
+        <p:nvCxnSpPr>
+          <p:cNvPr id="11" name="ลูกศรเชื่อมต่อแบบตรง 10">
+            <a:extLst>
+              <a:ext uri="{FF2B5EF4-FFF2-40B4-BE49-F238E27FC236}">
+                <a16:creationId xmlns:a16="http://schemas.microsoft.com/office/drawing/2014/main" id="{7B511602-1DFA-694A-EE00-3AADF63E6D50}"/>
+              </a:ext>
+            </a:extLst>
+          </p:cNvPr>
+          <p:cNvCxnSpPr>
+            <a:cxnSpLocks/>
+            <a:stCxn id="10" idx="1"/>
+          </p:cNvCxnSpPr>
+          <p:nvPr/>
+        </p:nvCxnSpPr>
+        <p:spPr>
+          <a:xfrm flipH="1">
+            <a:off x="4476750" y="1508125"/>
+            <a:ext cx="473075" cy="415925"/>
+          </a:xfrm>
+          <a:prstGeom prst="straightConnector1">
+            <a:avLst/>
+          </a:prstGeom>
+          <a:ln w="9525" cap="flat" cmpd="sng" algn="ctr">
+            <a:solidFill>
+              <a:srgbClr val="FF0000"/>
+            </a:solidFill>
+            <a:prstDash val="solid"/>
+            <a:round/>
+            <a:headEnd type="none" w="med" len="med"/>
+            <a:tailEnd type="arrow" w="med" len="med"/>
+          </a:ln>
+        </p:spPr>
+        <p:style>
+          <a:lnRef idx="0">
+            <a:scrgbClr r="0" g="0" b="0"/>
+          </a:lnRef>
+          <a:fillRef idx="0">
+            <a:scrgbClr r="0" g="0" b="0"/>
+          </a:fillRef>
+          <a:effectRef idx="0">
+            <a:scrgbClr r="0" g="0" b="0"/>
+          </a:effectRef>
+          <a:fontRef idx="minor">
+            <a:schemeClr val="tx1"/>
+          </a:fontRef>
+        </p:style>
+      </p:cxnSp>
+      <p:sp>
+        <p:nvSpPr>
+          <p:cNvPr id="13" name="สี่เหลี่ยมผืนผ้า: มุมมน 12">
+            <a:extLst>
+              <a:ext uri="{FF2B5EF4-FFF2-40B4-BE49-F238E27FC236}">
+                <a16:creationId xmlns:a16="http://schemas.microsoft.com/office/drawing/2014/main" id="{B9436C30-7A5F-C917-1126-713D032850F6}"/>
+              </a:ext>
+            </a:extLst>
+          </p:cNvPr>
+          <p:cNvSpPr/>
+          <p:nvPr/>
+        </p:nvSpPr>
+        <p:spPr>
+          <a:xfrm>
+            <a:off x="5413375" y="2712704"/>
+            <a:ext cx="463550" cy="266700"/>
+          </a:xfrm>
+          <a:prstGeom prst="roundRect">
+            <a:avLst/>
+          </a:prstGeom>
+          <a:solidFill>
+            <a:srgbClr val="FFFF00"/>
+          </a:solidFill>
+          <a:ln>
+            <a:solidFill>
+              <a:srgbClr val="FF0000"/>
+            </a:solidFill>
+          </a:ln>
+        </p:spPr>
+        <p:style>
+          <a:lnRef idx="2">
+            <a:schemeClr val="accent1">
+              <a:shade val="50000"/>
+            </a:schemeClr>
+          </a:lnRef>
+          <a:fillRef idx="1">
+            <a:schemeClr val="accent1"/>
+          </a:fillRef>
+          <a:effectRef idx="0">
+            <a:schemeClr val="accent1"/>
+          </a:effectRef>
+          <a:fontRef idx="minor">
+            <a:schemeClr val="lt1"/>
+          </a:fontRef>
+        </p:style>
+        <p:txBody>
+          <a:bodyPr rtlCol="0" anchor="ctr"/>
+          <a:lstStyle/>
+          <a:p>
+            <a:pPr algn="ctr"/>
+            <a:r>
+              <a:rPr lang="en-US" sz="1800" dirty="0">
+                <a:solidFill>
+                  <a:srgbClr val="FF0000"/>
+                </a:solidFill>
+              </a:rPr>
+              <a:t>2</a:t>
+            </a:r>
+            <a:endParaRPr lang="th-TH" sz="1800" dirty="0">
+              <a:solidFill>
+                <a:srgbClr val="FF0000"/>
+              </a:solidFill>
+            </a:endParaRPr>
+          </a:p>
+        </p:txBody>
+      </p:sp>
+      <p:cxnSp>
+        <p:nvCxnSpPr>
+          <p:cNvPr id="14" name="ลูกศรเชื่อมต่อแบบตรง 13">
+            <a:extLst>
+              <a:ext uri="{FF2B5EF4-FFF2-40B4-BE49-F238E27FC236}">
+                <a16:creationId xmlns:a16="http://schemas.microsoft.com/office/drawing/2014/main" id="{31C63D47-F82C-BBF1-CE32-FB45525C9920}"/>
+              </a:ext>
+            </a:extLst>
+          </p:cNvPr>
+          <p:cNvCxnSpPr>
+            <a:cxnSpLocks/>
+            <a:stCxn id="13" idx="1"/>
+          </p:cNvCxnSpPr>
+          <p:nvPr/>
+        </p:nvCxnSpPr>
+        <p:spPr>
+          <a:xfrm flipH="1" flipV="1">
+            <a:off x="4371975" y="2178677"/>
+            <a:ext cx="1041400" cy="667377"/>
+          </a:xfrm>
+          <a:prstGeom prst="straightConnector1">
+            <a:avLst/>
+          </a:prstGeom>
+          <a:ln w="9525" cap="flat" cmpd="sng" algn="ctr">
+            <a:solidFill>
+              <a:srgbClr val="FF0000"/>
+            </a:solidFill>
+            <a:prstDash val="solid"/>
+            <a:round/>
+            <a:headEnd type="none" w="med" len="med"/>
+            <a:tailEnd type="arrow" w="med" len="med"/>
+          </a:ln>
+        </p:spPr>
+        <p:style>
+          <a:lnRef idx="0">
+            <a:scrgbClr r="0" g="0" b="0"/>
+          </a:lnRef>
+          <a:fillRef idx="0">
+            <a:scrgbClr r="0" g="0" b="0"/>
+          </a:fillRef>
+          <a:effectRef idx="0">
+            <a:scrgbClr r="0" g="0" b="0"/>
+          </a:effectRef>
+          <a:fontRef idx="minor">
+            <a:schemeClr val="tx1"/>
+          </a:fontRef>
+        </p:style>
+      </p:cxnSp>
+      <p:sp>
+        <p:nvSpPr>
+          <p:cNvPr id="17" name="สี่เหลี่ยมผืนผ้า: มุมมน 16">
+            <a:extLst>
+              <a:ext uri="{FF2B5EF4-FFF2-40B4-BE49-F238E27FC236}">
+                <a16:creationId xmlns:a16="http://schemas.microsoft.com/office/drawing/2014/main" id="{0C46D03A-94E8-2B0A-679D-B72F4D6D09C3}"/>
+              </a:ext>
+            </a:extLst>
+          </p:cNvPr>
+          <p:cNvSpPr/>
+          <p:nvPr/>
+        </p:nvSpPr>
+        <p:spPr>
+          <a:xfrm>
+            <a:off x="8425303" y="2178677"/>
+            <a:ext cx="463550" cy="266700"/>
+          </a:xfrm>
+          <a:prstGeom prst="roundRect">
+            <a:avLst/>
+          </a:prstGeom>
+          <a:solidFill>
+            <a:srgbClr val="FFFF00"/>
+          </a:solidFill>
+          <a:ln>
+            <a:solidFill>
+              <a:srgbClr val="FF0000"/>
+            </a:solidFill>
+          </a:ln>
+        </p:spPr>
+        <p:style>
+          <a:lnRef idx="2">
+            <a:schemeClr val="accent1">
+              <a:shade val="50000"/>
+            </a:schemeClr>
+          </a:lnRef>
+          <a:fillRef idx="1">
+            <a:schemeClr val="accent1"/>
+          </a:fillRef>
+          <a:effectRef idx="0">
+            <a:schemeClr val="accent1"/>
+          </a:effectRef>
+          <a:fontRef idx="minor">
+            <a:schemeClr val="lt1"/>
+          </a:fontRef>
+        </p:style>
+        <p:txBody>
+          <a:bodyPr rtlCol="0" anchor="ctr"/>
+          <a:lstStyle/>
+          <a:p>
+            <a:pPr algn="ctr"/>
+            <a:r>
+              <a:rPr lang="en-US" sz="1800" dirty="0">
+                <a:solidFill>
+                  <a:srgbClr val="FF0000"/>
+                </a:solidFill>
+              </a:rPr>
+              <a:t>3</a:t>
+            </a:r>
+            <a:endParaRPr lang="th-TH" sz="1800" dirty="0">
+              <a:solidFill>
+                <a:srgbClr val="FF0000"/>
+              </a:solidFill>
+            </a:endParaRPr>
+          </a:p>
+        </p:txBody>
+      </p:sp>
+      <p:cxnSp>
+        <p:nvCxnSpPr>
+          <p:cNvPr id="18" name="ลูกศรเชื่อมต่อแบบตรง 17">
+            <a:extLst>
+              <a:ext uri="{FF2B5EF4-FFF2-40B4-BE49-F238E27FC236}">
+                <a16:creationId xmlns:a16="http://schemas.microsoft.com/office/drawing/2014/main" id="{E914E698-449A-9156-BB4F-7FEB5A31B27F}"/>
+              </a:ext>
+            </a:extLst>
+          </p:cNvPr>
+          <p:cNvCxnSpPr>
+            <a:cxnSpLocks/>
+            <a:stCxn id="17" idx="1"/>
+          </p:cNvCxnSpPr>
+          <p:nvPr/>
+        </p:nvCxnSpPr>
+        <p:spPr>
+          <a:xfrm flipH="1" flipV="1">
+            <a:off x="7458075" y="2178677"/>
+            <a:ext cx="967228" cy="133350"/>
+          </a:xfrm>
+          <a:prstGeom prst="straightConnector1">
+            <a:avLst/>
+          </a:prstGeom>
+          <a:ln w="9525" cap="flat" cmpd="sng" algn="ctr">
+            <a:solidFill>
+              <a:srgbClr val="FF0000"/>
+            </a:solidFill>
+            <a:prstDash val="solid"/>
+            <a:round/>
+            <a:headEnd type="none" w="med" len="med"/>
+            <a:tailEnd type="arrow" w="med" len="med"/>
+          </a:ln>
+        </p:spPr>
+        <p:style>
+          <a:lnRef idx="0">
+            <a:scrgbClr r="0" g="0" b="0"/>
+          </a:lnRef>
+          <a:fillRef idx="0">
+            <a:scrgbClr r="0" g="0" b="0"/>
+          </a:fillRef>
+          <a:effectRef idx="0">
+            <a:scrgbClr r="0" g="0" b="0"/>
+          </a:effectRef>
+          <a:fontRef idx="minor">
+            <a:schemeClr val="tx1"/>
+          </a:fontRef>
+        </p:style>
+      </p:cxnSp>
     </p:spTree>
     <p:extLst>
       <p:ext uri="{BB962C8B-B14F-4D97-AF65-F5344CB8AC3E}">
@@ -4359,6 +8303,490 @@
           <a:chExt cx="0" cy="0"/>
         </a:xfrm>
       </p:grpSpPr>
+      <p:pic>
+        <p:nvPicPr>
+          <p:cNvPr id="3" name="รูปภาพ 2" descr="รูปภาพประกอบด้วย ข้อความ&#10;&#10;คำอธิบายที่สร้างโดยอัตโนมัติ">
+            <a:extLst>
+              <a:ext uri="{FF2B5EF4-FFF2-40B4-BE49-F238E27FC236}">
+                <a16:creationId xmlns:a16="http://schemas.microsoft.com/office/drawing/2014/main" id="{8A96E92F-E6CC-B2C6-369A-A6F43D7C7225}"/>
+              </a:ext>
+            </a:extLst>
+          </p:cNvPr>
+          <p:cNvPicPr>
+            <a:picLocks noChangeAspect="1"/>
+          </p:cNvPicPr>
+          <p:nvPr/>
+        </p:nvPicPr>
+        <p:blipFill>
+          <a:blip r:embed="rId2">
+            <a:extLst>
+              <a:ext uri="{28A0092B-C50C-407E-A947-70E740481C1C}">
+                <a14:useLocalDpi xmlns:a14="http://schemas.microsoft.com/office/drawing/2010/main" val="0"/>
+              </a:ext>
+            </a:extLst>
+          </a:blip>
+          <a:stretch>
+            <a:fillRect/>
+          </a:stretch>
+        </p:blipFill>
+        <p:spPr>
+          <a:xfrm>
+            <a:off x="1266151" y="185285"/>
+            <a:ext cx="9659698" cy="6487430"/>
+          </a:xfrm>
+          <a:prstGeom prst="rect">
+            <a:avLst/>
+          </a:prstGeom>
+        </p:spPr>
+      </p:pic>
+      <p:sp>
+        <p:nvSpPr>
+          <p:cNvPr id="4" name="สี่เหลี่ยมผืนผ้า: มุมมน 3">
+            <a:extLst>
+              <a:ext uri="{FF2B5EF4-FFF2-40B4-BE49-F238E27FC236}">
+                <a16:creationId xmlns:a16="http://schemas.microsoft.com/office/drawing/2014/main" id="{95389001-8CC6-D355-7D5E-8E432BBCB7D1}"/>
+              </a:ext>
+            </a:extLst>
+          </p:cNvPr>
+          <p:cNvSpPr/>
+          <p:nvPr/>
+        </p:nvSpPr>
+        <p:spPr>
+          <a:xfrm>
+            <a:off x="5305425" y="1190625"/>
+            <a:ext cx="5353050" cy="457200"/>
+          </a:xfrm>
+          <a:prstGeom prst="roundRect">
+            <a:avLst/>
+          </a:prstGeom>
+          <a:noFill/>
+          <a:ln w="28575">
+            <a:solidFill>
+              <a:srgbClr val="FF0000"/>
+            </a:solidFill>
+          </a:ln>
+        </p:spPr>
+        <p:style>
+          <a:lnRef idx="2">
+            <a:schemeClr val="accent1">
+              <a:shade val="50000"/>
+            </a:schemeClr>
+          </a:lnRef>
+          <a:fillRef idx="1">
+            <a:schemeClr val="accent1"/>
+          </a:fillRef>
+          <a:effectRef idx="0">
+            <a:schemeClr val="accent1"/>
+          </a:effectRef>
+          <a:fontRef idx="minor">
+            <a:schemeClr val="lt1"/>
+          </a:fontRef>
+        </p:style>
+        <p:txBody>
+          <a:bodyPr rtlCol="0" anchor="ctr"/>
+          <a:lstStyle/>
+          <a:p>
+            <a:pPr algn="ctr"/>
+            <a:endParaRPr lang="th-TH"/>
+          </a:p>
+        </p:txBody>
+      </p:sp>
+      <p:sp>
+        <p:nvSpPr>
+          <p:cNvPr id="5" name="สี่เหลี่ยมผืนผ้า: มุมมน 4">
+            <a:extLst>
+              <a:ext uri="{FF2B5EF4-FFF2-40B4-BE49-F238E27FC236}">
+                <a16:creationId xmlns:a16="http://schemas.microsoft.com/office/drawing/2014/main" id="{41E6A864-33B1-D322-4C94-FB81CC3F35A9}"/>
+              </a:ext>
+            </a:extLst>
+          </p:cNvPr>
+          <p:cNvSpPr/>
+          <p:nvPr/>
+        </p:nvSpPr>
+        <p:spPr>
+          <a:xfrm>
+            <a:off x="5305425" y="2424565"/>
+            <a:ext cx="5086350" cy="937760"/>
+          </a:xfrm>
+          <a:prstGeom prst="roundRect">
+            <a:avLst/>
+          </a:prstGeom>
+          <a:noFill/>
+          <a:ln w="28575">
+            <a:solidFill>
+              <a:srgbClr val="FF0000"/>
+            </a:solidFill>
+          </a:ln>
+        </p:spPr>
+        <p:style>
+          <a:lnRef idx="2">
+            <a:schemeClr val="accent1">
+              <a:shade val="50000"/>
+            </a:schemeClr>
+          </a:lnRef>
+          <a:fillRef idx="1">
+            <a:schemeClr val="accent1"/>
+          </a:fillRef>
+          <a:effectRef idx="0">
+            <a:schemeClr val="accent1"/>
+          </a:effectRef>
+          <a:fontRef idx="minor">
+            <a:schemeClr val="lt1"/>
+          </a:fontRef>
+        </p:style>
+        <p:txBody>
+          <a:bodyPr rtlCol="0" anchor="ctr"/>
+          <a:lstStyle/>
+          <a:p>
+            <a:pPr algn="ctr"/>
+            <a:endParaRPr lang="th-TH"/>
+          </a:p>
+        </p:txBody>
+      </p:sp>
+      <p:sp>
+        <p:nvSpPr>
+          <p:cNvPr id="6" name="สี่เหลี่ยมผืนผ้า: มุมมน 5">
+            <a:extLst>
+              <a:ext uri="{FF2B5EF4-FFF2-40B4-BE49-F238E27FC236}">
+                <a16:creationId xmlns:a16="http://schemas.microsoft.com/office/drawing/2014/main" id="{C1D329EB-337B-2995-9890-265237EAA9D5}"/>
+              </a:ext>
+            </a:extLst>
+          </p:cNvPr>
+          <p:cNvSpPr/>
+          <p:nvPr/>
+        </p:nvSpPr>
+        <p:spPr>
+          <a:xfrm>
+            <a:off x="11102398" y="1212282"/>
+            <a:ext cx="463550" cy="266700"/>
+          </a:xfrm>
+          <a:prstGeom prst="roundRect">
+            <a:avLst/>
+          </a:prstGeom>
+          <a:solidFill>
+            <a:srgbClr val="FFFF00"/>
+          </a:solidFill>
+          <a:ln w="28575">
+            <a:solidFill>
+              <a:srgbClr val="FF0000"/>
+            </a:solidFill>
+          </a:ln>
+        </p:spPr>
+        <p:style>
+          <a:lnRef idx="2">
+            <a:schemeClr val="accent1">
+              <a:shade val="50000"/>
+            </a:schemeClr>
+          </a:lnRef>
+          <a:fillRef idx="1">
+            <a:schemeClr val="accent1"/>
+          </a:fillRef>
+          <a:effectRef idx="0">
+            <a:schemeClr val="accent1"/>
+          </a:effectRef>
+          <a:fontRef idx="minor">
+            <a:schemeClr val="lt1"/>
+          </a:fontRef>
+        </p:style>
+        <p:txBody>
+          <a:bodyPr rtlCol="0" anchor="ctr"/>
+          <a:lstStyle/>
+          <a:p>
+            <a:pPr algn="ctr"/>
+            <a:r>
+              <a:rPr lang="en-US" sz="1800" dirty="0">
+                <a:solidFill>
+                  <a:srgbClr val="FF0000"/>
+                </a:solidFill>
+              </a:rPr>
+              <a:t>1</a:t>
+            </a:r>
+            <a:endParaRPr lang="th-TH" sz="1800" dirty="0">
+              <a:solidFill>
+                <a:srgbClr val="FF0000"/>
+              </a:solidFill>
+            </a:endParaRPr>
+          </a:p>
+        </p:txBody>
+      </p:sp>
+      <p:cxnSp>
+        <p:nvCxnSpPr>
+          <p:cNvPr id="7" name="ลูกศรเชื่อมต่อแบบตรง 6">
+            <a:extLst>
+              <a:ext uri="{FF2B5EF4-FFF2-40B4-BE49-F238E27FC236}">
+                <a16:creationId xmlns:a16="http://schemas.microsoft.com/office/drawing/2014/main" id="{E0159F8C-E542-9A59-4979-52A39FB393DC}"/>
+              </a:ext>
+            </a:extLst>
+          </p:cNvPr>
+          <p:cNvCxnSpPr>
+            <a:cxnSpLocks/>
+            <a:stCxn id="6" idx="1"/>
+            <a:endCxn id="4" idx="3"/>
+          </p:cNvCxnSpPr>
+          <p:nvPr/>
+        </p:nvCxnSpPr>
+        <p:spPr>
+          <a:xfrm flipH="1">
+            <a:off x="10658475" y="1345632"/>
+            <a:ext cx="443923" cy="73593"/>
+          </a:xfrm>
+          <a:prstGeom prst="straightConnector1">
+            <a:avLst/>
+          </a:prstGeom>
+          <a:ln w="28575" cap="flat" cmpd="sng" algn="ctr">
+            <a:solidFill>
+              <a:srgbClr val="FF0000"/>
+            </a:solidFill>
+            <a:prstDash val="solid"/>
+            <a:round/>
+            <a:headEnd type="none" w="med" len="med"/>
+            <a:tailEnd type="arrow" w="med" len="med"/>
+          </a:ln>
+        </p:spPr>
+        <p:style>
+          <a:lnRef idx="0">
+            <a:scrgbClr r="0" g="0" b="0"/>
+          </a:lnRef>
+          <a:fillRef idx="0">
+            <a:scrgbClr r="0" g="0" b="0"/>
+          </a:fillRef>
+          <a:effectRef idx="0">
+            <a:scrgbClr r="0" g="0" b="0"/>
+          </a:effectRef>
+          <a:fontRef idx="minor">
+            <a:schemeClr val="tx1"/>
+          </a:fontRef>
+        </p:style>
+      </p:cxnSp>
+      <p:sp>
+        <p:nvSpPr>
+          <p:cNvPr id="10" name="สี่เหลี่ยมผืนผ้า: มุมมน 9">
+            <a:extLst>
+              <a:ext uri="{FF2B5EF4-FFF2-40B4-BE49-F238E27FC236}">
+                <a16:creationId xmlns:a16="http://schemas.microsoft.com/office/drawing/2014/main" id="{336BE128-7952-8FA4-FABE-34B6163DA392}"/>
+              </a:ext>
+            </a:extLst>
+          </p:cNvPr>
+          <p:cNvSpPr/>
+          <p:nvPr/>
+        </p:nvSpPr>
+        <p:spPr>
+          <a:xfrm>
+            <a:off x="11004310" y="2796944"/>
+            <a:ext cx="463550" cy="266700"/>
+          </a:xfrm>
+          <a:prstGeom prst="roundRect">
+            <a:avLst/>
+          </a:prstGeom>
+          <a:solidFill>
+            <a:srgbClr val="FFFF00"/>
+          </a:solidFill>
+          <a:ln w="28575">
+            <a:solidFill>
+              <a:srgbClr val="FF0000"/>
+            </a:solidFill>
+          </a:ln>
+        </p:spPr>
+        <p:style>
+          <a:lnRef idx="2">
+            <a:schemeClr val="accent1">
+              <a:shade val="50000"/>
+            </a:schemeClr>
+          </a:lnRef>
+          <a:fillRef idx="1">
+            <a:schemeClr val="accent1"/>
+          </a:fillRef>
+          <a:effectRef idx="0">
+            <a:schemeClr val="accent1"/>
+          </a:effectRef>
+          <a:fontRef idx="minor">
+            <a:schemeClr val="lt1"/>
+          </a:fontRef>
+        </p:style>
+        <p:txBody>
+          <a:bodyPr rtlCol="0" anchor="ctr"/>
+          <a:lstStyle/>
+          <a:p>
+            <a:pPr algn="ctr"/>
+            <a:r>
+              <a:rPr lang="en-US" sz="1800" dirty="0">
+                <a:solidFill>
+                  <a:srgbClr val="FF0000"/>
+                </a:solidFill>
+              </a:rPr>
+              <a:t>2</a:t>
+            </a:r>
+            <a:endParaRPr lang="th-TH" sz="1800" dirty="0">
+              <a:solidFill>
+                <a:srgbClr val="FF0000"/>
+              </a:solidFill>
+            </a:endParaRPr>
+          </a:p>
+        </p:txBody>
+      </p:sp>
+      <p:cxnSp>
+        <p:nvCxnSpPr>
+          <p:cNvPr id="11" name="ลูกศรเชื่อมต่อแบบตรง 10">
+            <a:extLst>
+              <a:ext uri="{FF2B5EF4-FFF2-40B4-BE49-F238E27FC236}">
+                <a16:creationId xmlns:a16="http://schemas.microsoft.com/office/drawing/2014/main" id="{0B2ABCC7-F646-A57B-0B47-C45A329CA168}"/>
+              </a:ext>
+            </a:extLst>
+          </p:cNvPr>
+          <p:cNvCxnSpPr>
+            <a:cxnSpLocks/>
+            <a:stCxn id="10" idx="1"/>
+            <a:endCxn id="5" idx="3"/>
+          </p:cNvCxnSpPr>
+          <p:nvPr/>
+        </p:nvCxnSpPr>
+        <p:spPr>
+          <a:xfrm flipH="1" flipV="1">
+            <a:off x="10391775" y="2893445"/>
+            <a:ext cx="612535" cy="36849"/>
+          </a:xfrm>
+          <a:prstGeom prst="straightConnector1">
+            <a:avLst/>
+          </a:prstGeom>
+          <a:ln w="28575" cap="flat" cmpd="sng" algn="ctr">
+            <a:solidFill>
+              <a:srgbClr val="FF0000"/>
+            </a:solidFill>
+            <a:prstDash val="solid"/>
+            <a:round/>
+            <a:headEnd type="none" w="med" len="med"/>
+            <a:tailEnd type="arrow" w="med" len="med"/>
+          </a:ln>
+        </p:spPr>
+        <p:style>
+          <a:lnRef idx="0">
+            <a:scrgbClr r="0" g="0" b="0"/>
+          </a:lnRef>
+          <a:fillRef idx="0">
+            <a:scrgbClr r="0" g="0" b="0"/>
+          </a:fillRef>
+          <a:effectRef idx="0">
+            <a:scrgbClr r="0" g="0" b="0"/>
+          </a:effectRef>
+          <a:fontRef idx="minor">
+            <a:schemeClr val="tx1"/>
+          </a:fontRef>
+        </p:style>
+      </p:cxnSp>
+      <p:sp>
+        <p:nvSpPr>
+          <p:cNvPr id="15" name="สี่เหลี่ยมผืนผ้า: มุมมน 14">
+            <a:extLst>
+              <a:ext uri="{FF2B5EF4-FFF2-40B4-BE49-F238E27FC236}">
+                <a16:creationId xmlns:a16="http://schemas.microsoft.com/office/drawing/2014/main" id="{D836B38C-3499-989C-CF6D-BD0719F44AA0}"/>
+              </a:ext>
+            </a:extLst>
+          </p:cNvPr>
+          <p:cNvSpPr/>
+          <p:nvPr/>
+        </p:nvSpPr>
+        <p:spPr>
+          <a:xfrm>
+            <a:off x="11088616" y="6064019"/>
+            <a:ext cx="463550" cy="266700"/>
+          </a:xfrm>
+          <a:prstGeom prst="roundRect">
+            <a:avLst/>
+          </a:prstGeom>
+          <a:solidFill>
+            <a:srgbClr val="FFFF00"/>
+          </a:solidFill>
+          <a:ln w="28575">
+            <a:solidFill>
+              <a:srgbClr val="FF0000"/>
+            </a:solidFill>
+          </a:ln>
+        </p:spPr>
+        <p:style>
+          <a:lnRef idx="2">
+            <a:schemeClr val="accent1">
+              <a:shade val="50000"/>
+            </a:schemeClr>
+          </a:lnRef>
+          <a:fillRef idx="1">
+            <a:schemeClr val="accent1"/>
+          </a:fillRef>
+          <a:effectRef idx="0">
+            <a:schemeClr val="accent1"/>
+          </a:effectRef>
+          <a:fontRef idx="minor">
+            <a:schemeClr val="lt1"/>
+          </a:fontRef>
+        </p:style>
+        <p:txBody>
+          <a:bodyPr rtlCol="0" anchor="ctr"/>
+          <a:lstStyle/>
+          <a:p>
+            <a:pPr algn="ctr"/>
+            <a:r>
+              <a:rPr lang="en-US" sz="1800" dirty="0">
+                <a:solidFill>
+                  <a:srgbClr val="FF0000"/>
+                </a:solidFill>
+              </a:rPr>
+              <a:t>3</a:t>
+            </a:r>
+            <a:endParaRPr lang="th-TH" sz="1800" dirty="0">
+              <a:solidFill>
+                <a:srgbClr val="FF0000"/>
+              </a:solidFill>
+            </a:endParaRPr>
+          </a:p>
+        </p:txBody>
+      </p:sp>
+      <p:cxnSp>
+        <p:nvCxnSpPr>
+          <p:cNvPr id="16" name="ลูกศรเชื่อมต่อแบบตรง 15">
+            <a:extLst>
+              <a:ext uri="{FF2B5EF4-FFF2-40B4-BE49-F238E27FC236}">
+                <a16:creationId xmlns:a16="http://schemas.microsoft.com/office/drawing/2014/main" id="{2138B8EE-3B4C-3DC9-44F1-D3B2D06074E6}"/>
+              </a:ext>
+            </a:extLst>
+          </p:cNvPr>
+          <p:cNvCxnSpPr>
+            <a:cxnSpLocks/>
+            <a:stCxn id="15" idx="1"/>
+          </p:cNvCxnSpPr>
+          <p:nvPr/>
+        </p:nvCxnSpPr>
+        <p:spPr>
+          <a:xfrm flipH="1" flipV="1">
+            <a:off x="10476081" y="6160520"/>
+            <a:ext cx="612535" cy="36849"/>
+          </a:xfrm>
+          <a:prstGeom prst="straightConnector1">
+            <a:avLst/>
+          </a:prstGeom>
+          <a:ln w="28575" cap="flat" cmpd="sng" algn="ctr">
+            <a:solidFill>
+              <a:srgbClr val="FF0000"/>
+            </a:solidFill>
+            <a:prstDash val="solid"/>
+            <a:round/>
+            <a:headEnd type="none" w="med" len="med"/>
+            <a:tailEnd type="arrow" w="med" len="med"/>
+          </a:ln>
+        </p:spPr>
+        <p:style>
+          <a:lnRef idx="0">
+            <a:scrgbClr r="0" g="0" b="0"/>
+          </a:lnRef>
+          <a:fillRef idx="0">
+            <a:scrgbClr r="0" g="0" b="0"/>
+          </a:fillRef>
+          <a:effectRef idx="0">
+            <a:scrgbClr r="0" g="0" b="0"/>
+          </a:effectRef>
+          <a:fontRef idx="minor">
+            <a:schemeClr val="tx1"/>
+          </a:fontRef>
+        </p:style>
+      </p:cxnSp>
     </p:spTree>
     <p:extLst>
       <p:ext uri="{BB962C8B-B14F-4D97-AF65-F5344CB8AC3E}">
@@ -4389,6 +8817,384 @@
           <a:chExt cx="0" cy="0"/>
         </a:xfrm>
       </p:grpSpPr>
+      <p:pic>
+        <p:nvPicPr>
+          <p:cNvPr id="3" name="รูปภาพ 2" descr="รูปภาพประกอบด้วย ข้อความ&#10;&#10;คำอธิบายที่สร้างโดยอัตโนมัติ">
+            <a:extLst>
+              <a:ext uri="{FF2B5EF4-FFF2-40B4-BE49-F238E27FC236}">
+                <a16:creationId xmlns:a16="http://schemas.microsoft.com/office/drawing/2014/main" id="{56570314-61AC-5C64-9EBE-928F90AE4F8D}"/>
+              </a:ext>
+            </a:extLst>
+          </p:cNvPr>
+          <p:cNvPicPr>
+            <a:picLocks noChangeAspect="1"/>
+          </p:cNvPicPr>
+          <p:nvPr/>
+        </p:nvPicPr>
+        <p:blipFill>
+          <a:blip r:embed="rId2">
+            <a:extLst>
+              <a:ext uri="{28A0092B-C50C-407E-A947-70E740481C1C}">
+                <a14:useLocalDpi xmlns:a14="http://schemas.microsoft.com/office/drawing/2010/main" val="0"/>
+              </a:ext>
+            </a:extLst>
+          </a:blip>
+          <a:stretch>
+            <a:fillRect/>
+          </a:stretch>
+        </p:blipFill>
+        <p:spPr>
+          <a:xfrm>
+            <a:off x="1237572" y="194811"/>
+            <a:ext cx="9716856" cy="6468378"/>
+          </a:xfrm>
+          <a:prstGeom prst="rect">
+            <a:avLst/>
+          </a:prstGeom>
+        </p:spPr>
+      </p:pic>
+      <p:sp>
+        <p:nvSpPr>
+          <p:cNvPr id="4" name="สี่เหลี่ยมผืนผ้า: มุมมน 3">
+            <a:extLst>
+              <a:ext uri="{FF2B5EF4-FFF2-40B4-BE49-F238E27FC236}">
+                <a16:creationId xmlns:a16="http://schemas.microsoft.com/office/drawing/2014/main" id="{11255CFE-6021-8433-4EE0-9794EF5AEE70}"/>
+              </a:ext>
+            </a:extLst>
+          </p:cNvPr>
+          <p:cNvSpPr/>
+          <p:nvPr/>
+        </p:nvSpPr>
+        <p:spPr>
+          <a:xfrm>
+            <a:off x="3482398" y="1850457"/>
+            <a:ext cx="463550" cy="266700"/>
+          </a:xfrm>
+          <a:prstGeom prst="roundRect">
+            <a:avLst/>
+          </a:prstGeom>
+          <a:solidFill>
+            <a:srgbClr val="FFFF00"/>
+          </a:solidFill>
+          <a:ln w="28575">
+            <a:solidFill>
+              <a:srgbClr val="FF0000"/>
+            </a:solidFill>
+          </a:ln>
+        </p:spPr>
+        <p:style>
+          <a:lnRef idx="2">
+            <a:schemeClr val="accent1">
+              <a:shade val="50000"/>
+            </a:schemeClr>
+          </a:lnRef>
+          <a:fillRef idx="1">
+            <a:schemeClr val="accent1"/>
+          </a:fillRef>
+          <a:effectRef idx="0">
+            <a:schemeClr val="accent1"/>
+          </a:effectRef>
+          <a:fontRef idx="minor">
+            <a:schemeClr val="lt1"/>
+          </a:fontRef>
+        </p:style>
+        <p:txBody>
+          <a:bodyPr rtlCol="0" anchor="ctr"/>
+          <a:lstStyle/>
+          <a:p>
+            <a:pPr algn="ctr"/>
+            <a:r>
+              <a:rPr lang="en-US" sz="1800" dirty="0">
+                <a:solidFill>
+                  <a:srgbClr val="FF0000"/>
+                </a:solidFill>
+              </a:rPr>
+              <a:t>1</a:t>
+            </a:r>
+            <a:endParaRPr lang="th-TH" sz="1800" dirty="0">
+              <a:solidFill>
+                <a:srgbClr val="FF0000"/>
+              </a:solidFill>
+            </a:endParaRPr>
+          </a:p>
+        </p:txBody>
+      </p:sp>
+      <p:cxnSp>
+        <p:nvCxnSpPr>
+          <p:cNvPr id="5" name="ลูกศรเชื่อมต่อแบบตรง 4">
+            <a:extLst>
+              <a:ext uri="{FF2B5EF4-FFF2-40B4-BE49-F238E27FC236}">
+                <a16:creationId xmlns:a16="http://schemas.microsoft.com/office/drawing/2014/main" id="{373B4916-3691-1D57-A0A0-E1E2AB152EB7}"/>
+              </a:ext>
+            </a:extLst>
+          </p:cNvPr>
+          <p:cNvCxnSpPr>
+            <a:cxnSpLocks/>
+            <a:stCxn id="4" idx="1"/>
+          </p:cNvCxnSpPr>
+          <p:nvPr/>
+        </p:nvCxnSpPr>
+        <p:spPr>
+          <a:xfrm flipH="1">
+            <a:off x="3038475" y="1983807"/>
+            <a:ext cx="443923" cy="73593"/>
+          </a:xfrm>
+          <a:prstGeom prst="straightConnector1">
+            <a:avLst/>
+          </a:prstGeom>
+          <a:ln w="28575" cap="flat" cmpd="sng" algn="ctr">
+            <a:solidFill>
+              <a:srgbClr val="FF0000"/>
+            </a:solidFill>
+            <a:prstDash val="solid"/>
+            <a:round/>
+            <a:headEnd type="none" w="med" len="med"/>
+            <a:tailEnd type="arrow" w="med" len="med"/>
+          </a:ln>
+        </p:spPr>
+        <p:style>
+          <a:lnRef idx="0">
+            <a:scrgbClr r="0" g="0" b="0"/>
+          </a:lnRef>
+          <a:fillRef idx="0">
+            <a:scrgbClr r="0" g="0" b="0"/>
+          </a:fillRef>
+          <a:effectRef idx="0">
+            <a:scrgbClr r="0" g="0" b="0"/>
+          </a:effectRef>
+          <a:fontRef idx="minor">
+            <a:schemeClr val="tx1"/>
+          </a:fontRef>
+        </p:style>
+      </p:cxnSp>
+      <p:sp>
+        <p:nvSpPr>
+          <p:cNvPr id="7" name="สี่เหลี่ยมผืนผ้า: มุมมน 6">
+            <a:extLst>
+              <a:ext uri="{FF2B5EF4-FFF2-40B4-BE49-F238E27FC236}">
+                <a16:creationId xmlns:a16="http://schemas.microsoft.com/office/drawing/2014/main" id="{E2D0AB15-9BB2-166C-4F06-0C5A80BCD816}"/>
+              </a:ext>
+            </a:extLst>
+          </p:cNvPr>
+          <p:cNvSpPr/>
+          <p:nvPr/>
+        </p:nvSpPr>
+        <p:spPr>
+          <a:xfrm>
+            <a:off x="6096000" y="2507682"/>
+            <a:ext cx="463550" cy="266700"/>
+          </a:xfrm>
+          <a:prstGeom prst="roundRect">
+            <a:avLst/>
+          </a:prstGeom>
+          <a:solidFill>
+            <a:srgbClr val="FFFF00"/>
+          </a:solidFill>
+          <a:ln w="28575">
+            <a:solidFill>
+              <a:srgbClr val="FF0000"/>
+            </a:solidFill>
+          </a:ln>
+        </p:spPr>
+        <p:style>
+          <a:lnRef idx="2">
+            <a:schemeClr val="accent1">
+              <a:shade val="50000"/>
+            </a:schemeClr>
+          </a:lnRef>
+          <a:fillRef idx="1">
+            <a:schemeClr val="accent1"/>
+          </a:fillRef>
+          <a:effectRef idx="0">
+            <a:schemeClr val="accent1"/>
+          </a:effectRef>
+          <a:fontRef idx="minor">
+            <a:schemeClr val="lt1"/>
+          </a:fontRef>
+        </p:style>
+        <p:txBody>
+          <a:bodyPr rtlCol="0" anchor="ctr"/>
+          <a:lstStyle/>
+          <a:p>
+            <a:pPr algn="ctr"/>
+            <a:r>
+              <a:rPr lang="en-US" sz="1800" dirty="0">
+                <a:solidFill>
+                  <a:srgbClr val="FF0000"/>
+                </a:solidFill>
+              </a:rPr>
+              <a:t>2</a:t>
+            </a:r>
+            <a:endParaRPr lang="th-TH" sz="1800" dirty="0">
+              <a:solidFill>
+                <a:srgbClr val="FF0000"/>
+              </a:solidFill>
+            </a:endParaRPr>
+          </a:p>
+        </p:txBody>
+      </p:sp>
+      <p:cxnSp>
+        <p:nvCxnSpPr>
+          <p:cNvPr id="8" name="ลูกศรเชื่อมต่อแบบตรง 7">
+            <a:extLst>
+              <a:ext uri="{FF2B5EF4-FFF2-40B4-BE49-F238E27FC236}">
+                <a16:creationId xmlns:a16="http://schemas.microsoft.com/office/drawing/2014/main" id="{377C4FF6-3A82-3CE6-5B71-36A967F56D78}"/>
+              </a:ext>
+            </a:extLst>
+          </p:cNvPr>
+          <p:cNvCxnSpPr>
+            <a:cxnSpLocks/>
+            <a:stCxn id="7" idx="1"/>
+          </p:cNvCxnSpPr>
+          <p:nvPr/>
+        </p:nvCxnSpPr>
+        <p:spPr>
+          <a:xfrm flipH="1">
+            <a:off x="5652077" y="2641032"/>
+            <a:ext cx="443923" cy="73593"/>
+          </a:xfrm>
+          <a:prstGeom prst="straightConnector1">
+            <a:avLst/>
+          </a:prstGeom>
+          <a:ln w="28575" cap="flat" cmpd="sng" algn="ctr">
+            <a:solidFill>
+              <a:srgbClr val="FF0000"/>
+            </a:solidFill>
+            <a:prstDash val="solid"/>
+            <a:round/>
+            <a:headEnd type="none" w="med" len="med"/>
+            <a:tailEnd type="arrow" w="med" len="med"/>
+          </a:ln>
+        </p:spPr>
+        <p:style>
+          <a:lnRef idx="0">
+            <a:scrgbClr r="0" g="0" b="0"/>
+          </a:lnRef>
+          <a:fillRef idx="0">
+            <a:scrgbClr r="0" g="0" b="0"/>
+          </a:fillRef>
+          <a:effectRef idx="0">
+            <a:scrgbClr r="0" g="0" b="0"/>
+          </a:effectRef>
+          <a:fontRef idx="minor">
+            <a:schemeClr val="tx1"/>
+          </a:fontRef>
+        </p:style>
+      </p:cxnSp>
+      <p:sp>
+        <p:nvSpPr>
+          <p:cNvPr id="9" name="สี่เหลี่ยมผืนผ้า: มุมมน 8">
+            <a:extLst>
+              <a:ext uri="{FF2B5EF4-FFF2-40B4-BE49-F238E27FC236}">
+                <a16:creationId xmlns:a16="http://schemas.microsoft.com/office/drawing/2014/main" id="{3B53A39D-764B-2100-7850-61E864E57FB3}"/>
+              </a:ext>
+            </a:extLst>
+          </p:cNvPr>
+          <p:cNvSpPr/>
+          <p:nvPr/>
+        </p:nvSpPr>
+        <p:spPr>
+          <a:xfrm>
+            <a:off x="10722653" y="5870007"/>
+            <a:ext cx="463550" cy="266700"/>
+          </a:xfrm>
+          <a:prstGeom prst="roundRect">
+            <a:avLst/>
+          </a:prstGeom>
+          <a:solidFill>
+            <a:srgbClr val="FFFF00"/>
+          </a:solidFill>
+          <a:ln w="28575">
+            <a:solidFill>
+              <a:srgbClr val="FF0000"/>
+            </a:solidFill>
+          </a:ln>
+        </p:spPr>
+        <p:style>
+          <a:lnRef idx="2">
+            <a:schemeClr val="accent1">
+              <a:shade val="50000"/>
+            </a:schemeClr>
+          </a:lnRef>
+          <a:fillRef idx="1">
+            <a:schemeClr val="accent1"/>
+          </a:fillRef>
+          <a:effectRef idx="0">
+            <a:schemeClr val="accent1"/>
+          </a:effectRef>
+          <a:fontRef idx="minor">
+            <a:schemeClr val="lt1"/>
+          </a:fontRef>
+        </p:style>
+        <p:txBody>
+          <a:bodyPr rtlCol="0" anchor="ctr"/>
+          <a:lstStyle/>
+          <a:p>
+            <a:pPr algn="ctr"/>
+            <a:r>
+              <a:rPr lang="en-US" sz="1800" dirty="0">
+                <a:solidFill>
+                  <a:srgbClr val="FF0000"/>
+                </a:solidFill>
+              </a:rPr>
+              <a:t>3</a:t>
+            </a:r>
+            <a:endParaRPr lang="th-TH" sz="1800" dirty="0">
+              <a:solidFill>
+                <a:srgbClr val="FF0000"/>
+              </a:solidFill>
+            </a:endParaRPr>
+          </a:p>
+        </p:txBody>
+      </p:sp>
+      <p:cxnSp>
+        <p:nvCxnSpPr>
+          <p:cNvPr id="10" name="ลูกศรเชื่อมต่อแบบตรง 9">
+            <a:extLst>
+              <a:ext uri="{FF2B5EF4-FFF2-40B4-BE49-F238E27FC236}">
+                <a16:creationId xmlns:a16="http://schemas.microsoft.com/office/drawing/2014/main" id="{2410F8A3-06D6-7D6E-12AD-E62C76AD7763}"/>
+              </a:ext>
+            </a:extLst>
+          </p:cNvPr>
+          <p:cNvCxnSpPr>
+            <a:cxnSpLocks/>
+            <a:stCxn id="9" idx="1"/>
+          </p:cNvCxnSpPr>
+          <p:nvPr/>
+        </p:nvCxnSpPr>
+        <p:spPr>
+          <a:xfrm flipH="1">
+            <a:off x="10278730" y="6003357"/>
+            <a:ext cx="443923" cy="73593"/>
+          </a:xfrm>
+          <a:prstGeom prst="straightConnector1">
+            <a:avLst/>
+          </a:prstGeom>
+          <a:ln w="28575" cap="flat" cmpd="sng" algn="ctr">
+            <a:solidFill>
+              <a:srgbClr val="FF0000"/>
+            </a:solidFill>
+            <a:prstDash val="solid"/>
+            <a:round/>
+            <a:headEnd type="none" w="med" len="med"/>
+            <a:tailEnd type="arrow" w="med" len="med"/>
+          </a:ln>
+        </p:spPr>
+        <p:style>
+          <a:lnRef idx="0">
+            <a:scrgbClr r="0" g="0" b="0"/>
+          </a:lnRef>
+          <a:fillRef idx="0">
+            <a:scrgbClr r="0" g="0" b="0"/>
+          </a:fillRef>
+          <a:effectRef idx="0">
+            <a:scrgbClr r="0" g="0" b="0"/>
+          </a:effectRef>
+          <a:fontRef idx="minor">
+            <a:schemeClr val="tx1"/>
+          </a:fontRef>
+        </p:style>
+      </p:cxnSp>
     </p:spTree>
     <p:extLst>
       <p:ext uri="{BB962C8B-B14F-4D97-AF65-F5344CB8AC3E}">

--- a/Pictures/pictures.pptx
+++ b/Pictures/pictures.pptx
@@ -6484,6 +6484,270 @@
           <a:chExt cx="0" cy="0"/>
         </a:xfrm>
       </p:grpSpPr>
+      <p:pic>
+        <p:nvPicPr>
+          <p:cNvPr id="3" name="รูปภาพ 2" descr="รูปภาพประกอบด้วย ข้อความ, จอภาพ, ภาพหน้าจอ, หน้าจอ&#10;&#10;คำอธิบายที่สร้างโดยอัตโนมัติ">
+            <a:extLst>
+              <a:ext uri="{FF2B5EF4-FFF2-40B4-BE49-F238E27FC236}">
+                <a16:creationId xmlns:a16="http://schemas.microsoft.com/office/drawing/2014/main" id="{07CB25B0-E218-0968-60A8-4E80FB7EF88E}"/>
+              </a:ext>
+            </a:extLst>
+          </p:cNvPr>
+          <p:cNvPicPr>
+            <a:picLocks noChangeAspect="1"/>
+          </p:cNvPicPr>
+          <p:nvPr/>
+        </p:nvPicPr>
+        <p:blipFill>
+          <a:blip r:embed="rId2">
+            <a:extLst>
+              <a:ext uri="{28A0092B-C50C-407E-A947-70E740481C1C}">
+                <a14:useLocalDpi xmlns:a14="http://schemas.microsoft.com/office/drawing/2010/main" val="0"/>
+              </a:ext>
+            </a:extLst>
+          </a:blip>
+          <a:stretch>
+            <a:fillRect/>
+          </a:stretch>
+        </p:blipFill>
+        <p:spPr>
+          <a:xfrm>
+            <a:off x="1952046" y="809259"/>
+            <a:ext cx="8287907" cy="5239481"/>
+          </a:xfrm>
+          <a:prstGeom prst="rect">
+            <a:avLst/>
+          </a:prstGeom>
+        </p:spPr>
+      </p:pic>
+      <p:sp>
+        <p:nvSpPr>
+          <p:cNvPr id="4" name="สี่เหลี่ยมผืนผ้า: มุมมน 3">
+            <a:extLst>
+              <a:ext uri="{FF2B5EF4-FFF2-40B4-BE49-F238E27FC236}">
+                <a16:creationId xmlns:a16="http://schemas.microsoft.com/office/drawing/2014/main" id="{B65FA320-D704-697E-6DB3-ADFCD0A0203E}"/>
+              </a:ext>
+            </a:extLst>
+          </p:cNvPr>
+          <p:cNvSpPr/>
+          <p:nvPr/>
+        </p:nvSpPr>
+        <p:spPr>
+          <a:xfrm>
+            <a:off x="4101938" y="1573541"/>
+            <a:ext cx="463550" cy="266700"/>
+          </a:xfrm>
+          <a:prstGeom prst="roundRect">
+            <a:avLst/>
+          </a:prstGeom>
+          <a:solidFill>
+            <a:srgbClr val="FFFF00"/>
+          </a:solidFill>
+          <a:ln w="28575">
+            <a:solidFill>
+              <a:srgbClr val="FF0000"/>
+            </a:solidFill>
+          </a:ln>
+        </p:spPr>
+        <p:style>
+          <a:lnRef idx="2">
+            <a:schemeClr val="accent1">
+              <a:shade val="50000"/>
+            </a:schemeClr>
+          </a:lnRef>
+          <a:fillRef idx="1">
+            <a:schemeClr val="accent1"/>
+          </a:fillRef>
+          <a:effectRef idx="0">
+            <a:schemeClr val="accent1"/>
+          </a:effectRef>
+          <a:fontRef idx="minor">
+            <a:schemeClr val="lt1"/>
+          </a:fontRef>
+        </p:style>
+        <p:txBody>
+          <a:bodyPr rtlCol="0" anchor="ctr"/>
+          <a:lstStyle/>
+          <a:p>
+            <a:pPr algn="ctr"/>
+            <a:r>
+              <a:rPr lang="en-US" sz="1800" dirty="0">
+                <a:solidFill>
+                  <a:srgbClr val="FF0000"/>
+                </a:solidFill>
+              </a:rPr>
+              <a:t>1</a:t>
+            </a:r>
+            <a:endParaRPr lang="th-TH" sz="1800" dirty="0">
+              <a:solidFill>
+                <a:srgbClr val="FF0000"/>
+              </a:solidFill>
+            </a:endParaRPr>
+          </a:p>
+        </p:txBody>
+      </p:sp>
+      <p:cxnSp>
+        <p:nvCxnSpPr>
+          <p:cNvPr id="5" name="ลูกศรเชื่อมต่อแบบตรง 4">
+            <a:extLst>
+              <a:ext uri="{FF2B5EF4-FFF2-40B4-BE49-F238E27FC236}">
+                <a16:creationId xmlns:a16="http://schemas.microsoft.com/office/drawing/2014/main" id="{D5A7C16B-3B27-E9B0-FAFA-B6442526F51E}"/>
+              </a:ext>
+            </a:extLst>
+          </p:cNvPr>
+          <p:cNvCxnSpPr>
+            <a:cxnSpLocks/>
+            <a:stCxn id="4" idx="1"/>
+          </p:cNvCxnSpPr>
+          <p:nvPr/>
+        </p:nvCxnSpPr>
+        <p:spPr>
+          <a:xfrm flipH="1">
+            <a:off x="3486150" y="1706891"/>
+            <a:ext cx="615788" cy="0"/>
+          </a:xfrm>
+          <a:prstGeom prst="straightConnector1">
+            <a:avLst/>
+          </a:prstGeom>
+          <a:ln w="28575" cap="flat" cmpd="sng" algn="ctr">
+            <a:solidFill>
+              <a:srgbClr val="FF0000"/>
+            </a:solidFill>
+            <a:prstDash val="solid"/>
+            <a:round/>
+            <a:headEnd type="none" w="med" len="med"/>
+            <a:tailEnd type="arrow" w="med" len="med"/>
+          </a:ln>
+        </p:spPr>
+        <p:style>
+          <a:lnRef idx="0">
+            <a:scrgbClr r="0" g="0" b="0"/>
+          </a:lnRef>
+          <a:fillRef idx="0">
+            <a:scrgbClr r="0" g="0" b="0"/>
+          </a:fillRef>
+          <a:effectRef idx="0">
+            <a:scrgbClr r="0" g="0" b="0"/>
+          </a:effectRef>
+          <a:fontRef idx="minor">
+            <a:schemeClr val="tx1"/>
+          </a:fontRef>
+        </p:style>
+      </p:cxnSp>
+      <p:sp>
+        <p:nvSpPr>
+          <p:cNvPr id="6" name="สี่เหลี่ยมผืนผ้า: มุมมน 5">
+            <a:extLst>
+              <a:ext uri="{FF2B5EF4-FFF2-40B4-BE49-F238E27FC236}">
+                <a16:creationId xmlns:a16="http://schemas.microsoft.com/office/drawing/2014/main" id="{6566BCAE-F7D0-A20D-ACAD-2A3998FD327E}"/>
+              </a:ext>
+            </a:extLst>
+          </p:cNvPr>
+          <p:cNvSpPr/>
+          <p:nvPr/>
+        </p:nvSpPr>
+        <p:spPr>
+          <a:xfrm>
+            <a:off x="4839255" y="3209925"/>
+            <a:ext cx="463550" cy="266700"/>
+          </a:xfrm>
+          <a:prstGeom prst="roundRect">
+            <a:avLst/>
+          </a:prstGeom>
+          <a:solidFill>
+            <a:srgbClr val="FFFF00"/>
+          </a:solidFill>
+          <a:ln w="28575">
+            <a:solidFill>
+              <a:srgbClr val="FF0000"/>
+            </a:solidFill>
+          </a:ln>
+        </p:spPr>
+        <p:style>
+          <a:lnRef idx="2">
+            <a:schemeClr val="accent1">
+              <a:shade val="50000"/>
+            </a:schemeClr>
+          </a:lnRef>
+          <a:fillRef idx="1">
+            <a:schemeClr val="accent1"/>
+          </a:fillRef>
+          <a:effectRef idx="0">
+            <a:schemeClr val="accent1"/>
+          </a:effectRef>
+          <a:fontRef idx="minor">
+            <a:schemeClr val="lt1"/>
+          </a:fontRef>
+        </p:style>
+        <p:txBody>
+          <a:bodyPr rtlCol="0" anchor="ctr"/>
+          <a:lstStyle/>
+          <a:p>
+            <a:pPr algn="ctr"/>
+            <a:r>
+              <a:rPr lang="en-US" sz="1800" dirty="0">
+                <a:solidFill>
+                  <a:srgbClr val="FF0000"/>
+                </a:solidFill>
+              </a:rPr>
+              <a:t>2</a:t>
+            </a:r>
+            <a:endParaRPr lang="th-TH" sz="1800" dirty="0">
+              <a:solidFill>
+                <a:srgbClr val="FF0000"/>
+              </a:solidFill>
+            </a:endParaRPr>
+          </a:p>
+        </p:txBody>
+      </p:sp>
+      <p:cxnSp>
+        <p:nvCxnSpPr>
+          <p:cNvPr id="7" name="ลูกศรเชื่อมต่อแบบตรง 6">
+            <a:extLst>
+              <a:ext uri="{FF2B5EF4-FFF2-40B4-BE49-F238E27FC236}">
+                <a16:creationId xmlns:a16="http://schemas.microsoft.com/office/drawing/2014/main" id="{9F2A5E85-8CE6-C0AB-76AE-2EA9DED38184}"/>
+              </a:ext>
+            </a:extLst>
+          </p:cNvPr>
+          <p:cNvCxnSpPr>
+            <a:cxnSpLocks/>
+            <a:stCxn id="6" idx="1"/>
+          </p:cNvCxnSpPr>
+          <p:nvPr/>
+        </p:nvCxnSpPr>
+        <p:spPr>
+          <a:xfrm flipH="1">
+            <a:off x="4324350" y="3343275"/>
+            <a:ext cx="514905" cy="231336"/>
+          </a:xfrm>
+          <a:prstGeom prst="straightConnector1">
+            <a:avLst/>
+          </a:prstGeom>
+          <a:ln w="28575" cap="flat" cmpd="sng" algn="ctr">
+            <a:solidFill>
+              <a:srgbClr val="FF0000"/>
+            </a:solidFill>
+            <a:prstDash val="solid"/>
+            <a:round/>
+            <a:headEnd type="none" w="med" len="med"/>
+            <a:tailEnd type="arrow" w="med" len="med"/>
+          </a:ln>
+        </p:spPr>
+        <p:style>
+          <a:lnRef idx="0">
+            <a:scrgbClr r="0" g="0" b="0"/>
+          </a:lnRef>
+          <a:fillRef idx="0">
+            <a:scrgbClr r="0" g="0" b="0"/>
+          </a:fillRef>
+          <a:effectRef idx="0">
+            <a:scrgbClr r="0" g="0" b="0"/>
+          </a:effectRef>
+          <a:fontRef idx="minor">
+            <a:schemeClr val="tx1"/>
+          </a:fontRef>
+        </p:style>
+      </p:cxnSp>
     </p:spTree>
     <p:extLst>
       <p:ext uri="{BB962C8B-B14F-4D97-AF65-F5344CB8AC3E}">
@@ -6514,6 +6778,270 @@
           <a:chExt cx="0" cy="0"/>
         </a:xfrm>
       </p:grpSpPr>
+      <p:pic>
+        <p:nvPicPr>
+          <p:cNvPr id="3" name="รูปภาพ 2" descr="รูปภาพประกอบด้วย ข้อความ, ภาพหน้าจอ, จอภาพ&#10;&#10;คำอธิบายที่สร้างโดยอัตโนมัติ">
+            <a:extLst>
+              <a:ext uri="{FF2B5EF4-FFF2-40B4-BE49-F238E27FC236}">
+                <a16:creationId xmlns:a16="http://schemas.microsoft.com/office/drawing/2014/main" id="{8B637E25-D1D2-03E2-834F-0BD373CB54B7}"/>
+              </a:ext>
+            </a:extLst>
+          </p:cNvPr>
+          <p:cNvPicPr>
+            <a:picLocks noChangeAspect="1"/>
+          </p:cNvPicPr>
+          <p:nvPr/>
+        </p:nvPicPr>
+        <p:blipFill>
+          <a:blip r:embed="rId2">
+            <a:extLst>
+              <a:ext uri="{28A0092B-C50C-407E-A947-70E740481C1C}">
+                <a14:useLocalDpi xmlns:a14="http://schemas.microsoft.com/office/drawing/2010/main" val="0"/>
+              </a:ext>
+            </a:extLst>
+          </a:blip>
+          <a:stretch>
+            <a:fillRect/>
+          </a:stretch>
+        </p:blipFill>
+        <p:spPr>
+          <a:xfrm>
+            <a:off x="828203" y="1242764"/>
+            <a:ext cx="6763694" cy="3553321"/>
+          </a:xfrm>
+          <a:prstGeom prst="rect">
+            <a:avLst/>
+          </a:prstGeom>
+        </p:spPr>
+      </p:pic>
+      <p:sp>
+        <p:nvSpPr>
+          <p:cNvPr id="4" name="สี่เหลี่ยมผืนผ้า: มุมมน 3">
+            <a:extLst>
+              <a:ext uri="{FF2B5EF4-FFF2-40B4-BE49-F238E27FC236}">
+                <a16:creationId xmlns:a16="http://schemas.microsoft.com/office/drawing/2014/main" id="{336F3DAF-7178-196B-DE0B-01EFA919A02E}"/>
+              </a:ext>
+            </a:extLst>
+          </p:cNvPr>
+          <p:cNvSpPr/>
+          <p:nvPr/>
+        </p:nvSpPr>
+        <p:spPr>
+          <a:xfrm>
+            <a:off x="4559138" y="1897391"/>
+            <a:ext cx="463550" cy="266700"/>
+          </a:xfrm>
+          <a:prstGeom prst="roundRect">
+            <a:avLst/>
+          </a:prstGeom>
+          <a:solidFill>
+            <a:srgbClr val="FFFF00"/>
+          </a:solidFill>
+          <a:ln w="28575">
+            <a:solidFill>
+              <a:srgbClr val="FF0000"/>
+            </a:solidFill>
+          </a:ln>
+        </p:spPr>
+        <p:style>
+          <a:lnRef idx="2">
+            <a:schemeClr val="accent1">
+              <a:shade val="50000"/>
+            </a:schemeClr>
+          </a:lnRef>
+          <a:fillRef idx="1">
+            <a:schemeClr val="accent1"/>
+          </a:fillRef>
+          <a:effectRef idx="0">
+            <a:schemeClr val="accent1"/>
+          </a:effectRef>
+          <a:fontRef idx="minor">
+            <a:schemeClr val="lt1"/>
+          </a:fontRef>
+        </p:style>
+        <p:txBody>
+          <a:bodyPr rtlCol="0" anchor="ctr"/>
+          <a:lstStyle/>
+          <a:p>
+            <a:pPr algn="ctr"/>
+            <a:r>
+              <a:rPr lang="en-US" sz="1800" dirty="0">
+                <a:solidFill>
+                  <a:srgbClr val="FF0000"/>
+                </a:solidFill>
+              </a:rPr>
+              <a:t>1</a:t>
+            </a:r>
+            <a:endParaRPr lang="th-TH" sz="1800" dirty="0">
+              <a:solidFill>
+                <a:srgbClr val="FF0000"/>
+              </a:solidFill>
+            </a:endParaRPr>
+          </a:p>
+        </p:txBody>
+      </p:sp>
+      <p:cxnSp>
+        <p:nvCxnSpPr>
+          <p:cNvPr id="5" name="ลูกศรเชื่อมต่อแบบตรง 4">
+            <a:extLst>
+              <a:ext uri="{FF2B5EF4-FFF2-40B4-BE49-F238E27FC236}">
+                <a16:creationId xmlns:a16="http://schemas.microsoft.com/office/drawing/2014/main" id="{59F6B76E-9386-3EB5-3D3E-6968AEAD3F87}"/>
+              </a:ext>
+            </a:extLst>
+          </p:cNvPr>
+          <p:cNvCxnSpPr>
+            <a:cxnSpLocks/>
+            <a:stCxn id="4" idx="1"/>
+          </p:cNvCxnSpPr>
+          <p:nvPr/>
+        </p:nvCxnSpPr>
+        <p:spPr>
+          <a:xfrm flipH="1" flipV="1">
+            <a:off x="3943350" y="1762125"/>
+            <a:ext cx="615788" cy="268616"/>
+          </a:xfrm>
+          <a:prstGeom prst="straightConnector1">
+            <a:avLst/>
+          </a:prstGeom>
+          <a:ln w="28575" cap="flat" cmpd="sng" algn="ctr">
+            <a:solidFill>
+              <a:srgbClr val="FF0000"/>
+            </a:solidFill>
+            <a:prstDash val="solid"/>
+            <a:round/>
+            <a:headEnd type="none" w="med" len="med"/>
+            <a:tailEnd type="arrow" w="med" len="med"/>
+          </a:ln>
+        </p:spPr>
+        <p:style>
+          <a:lnRef idx="0">
+            <a:scrgbClr r="0" g="0" b="0"/>
+          </a:lnRef>
+          <a:fillRef idx="0">
+            <a:scrgbClr r="0" g="0" b="0"/>
+          </a:fillRef>
+          <a:effectRef idx="0">
+            <a:scrgbClr r="0" g="0" b="0"/>
+          </a:effectRef>
+          <a:fontRef idx="minor">
+            <a:schemeClr val="tx1"/>
+          </a:fontRef>
+        </p:style>
+      </p:cxnSp>
+      <p:pic>
+        <p:nvPicPr>
+          <p:cNvPr id="8" name="รูปภาพ 7" descr="รูปภาพประกอบด้วย ลานกว้าง&#10;&#10;คำอธิบายที่สร้างโดยอัตโนมัติ">
+            <a:extLst>
+              <a:ext uri="{FF2B5EF4-FFF2-40B4-BE49-F238E27FC236}">
+                <a16:creationId xmlns:a16="http://schemas.microsoft.com/office/drawing/2014/main" id="{651E841A-0698-123E-0FF2-CB4C159F46A8}"/>
+              </a:ext>
+            </a:extLst>
+          </p:cNvPr>
+          <p:cNvPicPr>
+            <a:picLocks noChangeAspect="1"/>
+          </p:cNvPicPr>
+          <p:nvPr/>
+        </p:nvPicPr>
+        <p:blipFill>
+          <a:blip r:embed="rId3">
+            <a:extLst>
+              <a:ext uri="{28A0092B-C50C-407E-A947-70E740481C1C}">
+                <a14:useLocalDpi xmlns:a14="http://schemas.microsoft.com/office/drawing/2010/main" val="0"/>
+              </a:ext>
+            </a:extLst>
+          </a:blip>
+          <a:stretch>
+            <a:fillRect/>
+          </a:stretch>
+        </p:blipFill>
+        <p:spPr>
+          <a:xfrm>
+            <a:off x="4559138" y="2645353"/>
+            <a:ext cx="6056171" cy="3632192"/>
+          </a:xfrm>
+          <a:prstGeom prst="rect">
+            <a:avLst/>
+          </a:prstGeom>
+          <a:ln w="38100">
+            <a:solidFill>
+              <a:srgbClr val="0070C0"/>
+            </a:solidFill>
+          </a:ln>
+          <a:effectLst>
+            <a:outerShdw blurRad="50800" dist="38100" dir="2700000" algn="tl" rotWithShape="0">
+              <a:prstClr val="black">
+                <a:alpha val="40000"/>
+              </a:prstClr>
+            </a:outerShdw>
+          </a:effectLst>
+        </p:spPr>
+      </p:pic>
+      <p:sp>
+        <p:nvSpPr>
+          <p:cNvPr id="9" name="สี่เหลี่ยมผืนผ้า: มุมมน 8">
+            <a:extLst>
+              <a:ext uri="{FF2B5EF4-FFF2-40B4-BE49-F238E27FC236}">
+                <a16:creationId xmlns:a16="http://schemas.microsoft.com/office/drawing/2014/main" id="{0D2D6942-A459-427D-ED24-11826C092BCA}"/>
+              </a:ext>
+            </a:extLst>
+          </p:cNvPr>
+          <p:cNvSpPr/>
+          <p:nvPr/>
+        </p:nvSpPr>
+        <p:spPr>
+          <a:xfrm>
+            <a:off x="7360122" y="4354841"/>
+            <a:ext cx="463550" cy="266700"/>
+          </a:xfrm>
+          <a:prstGeom prst="roundRect">
+            <a:avLst/>
+          </a:prstGeom>
+          <a:solidFill>
+            <a:srgbClr val="FFFF00"/>
+          </a:solidFill>
+          <a:ln w="28575">
+            <a:solidFill>
+              <a:srgbClr val="FF0000"/>
+            </a:solidFill>
+          </a:ln>
+        </p:spPr>
+        <p:style>
+          <a:lnRef idx="2">
+            <a:schemeClr val="accent1">
+              <a:shade val="50000"/>
+            </a:schemeClr>
+          </a:lnRef>
+          <a:fillRef idx="1">
+            <a:schemeClr val="accent1"/>
+          </a:fillRef>
+          <a:effectRef idx="0">
+            <a:schemeClr val="accent1"/>
+          </a:effectRef>
+          <a:fontRef idx="minor">
+            <a:schemeClr val="lt1"/>
+          </a:fontRef>
+        </p:style>
+        <p:txBody>
+          <a:bodyPr rtlCol="0" anchor="ctr"/>
+          <a:lstStyle/>
+          <a:p>
+            <a:pPr algn="ctr"/>
+            <a:r>
+              <a:rPr lang="en-US" sz="1800" dirty="0">
+                <a:solidFill>
+                  <a:srgbClr val="FF0000"/>
+                </a:solidFill>
+              </a:rPr>
+              <a:t>2</a:t>
+            </a:r>
+            <a:endParaRPr lang="th-TH" sz="1800" dirty="0">
+              <a:solidFill>
+                <a:srgbClr val="FF0000"/>
+              </a:solidFill>
+            </a:endParaRPr>
+          </a:p>
+        </p:txBody>
+      </p:sp>
     </p:spTree>
     <p:extLst>
       <p:ext uri="{BB962C8B-B14F-4D97-AF65-F5344CB8AC3E}">
@@ -6544,6 +7072,384 @@
           <a:chExt cx="0" cy="0"/>
         </a:xfrm>
       </p:grpSpPr>
+      <p:pic>
+        <p:nvPicPr>
+          <p:cNvPr id="3" name="รูปภาพ 2" descr="รูปภาพประกอบด้วย ข้อความ, ภาพหน้าจอ, จอภาพ, สีดำ&#10;&#10;คำอธิบายที่สร้างโดยอัตโนมัติ">
+            <a:extLst>
+              <a:ext uri="{FF2B5EF4-FFF2-40B4-BE49-F238E27FC236}">
+                <a16:creationId xmlns:a16="http://schemas.microsoft.com/office/drawing/2014/main" id="{A65C1988-D5FD-9425-489C-88B8E2123B9D}"/>
+              </a:ext>
+            </a:extLst>
+          </p:cNvPr>
+          <p:cNvPicPr>
+            <a:picLocks noChangeAspect="1"/>
+          </p:cNvPicPr>
+          <p:nvPr/>
+        </p:nvPicPr>
+        <p:blipFill>
+          <a:blip r:embed="rId2">
+            <a:extLst>
+              <a:ext uri="{28A0092B-C50C-407E-A947-70E740481C1C}">
+                <a14:useLocalDpi xmlns:a14="http://schemas.microsoft.com/office/drawing/2010/main" val="0"/>
+              </a:ext>
+            </a:extLst>
+          </a:blip>
+          <a:stretch>
+            <a:fillRect/>
+          </a:stretch>
+        </p:blipFill>
+        <p:spPr>
+          <a:xfrm>
+            <a:off x="3781102" y="28100"/>
+            <a:ext cx="4629796" cy="6801799"/>
+          </a:xfrm>
+          <a:prstGeom prst="rect">
+            <a:avLst/>
+          </a:prstGeom>
+        </p:spPr>
+      </p:pic>
+      <p:sp>
+        <p:nvSpPr>
+          <p:cNvPr id="4" name="สี่เหลี่ยมผืนผ้า: มุมมน 3">
+            <a:extLst>
+              <a:ext uri="{FF2B5EF4-FFF2-40B4-BE49-F238E27FC236}">
+                <a16:creationId xmlns:a16="http://schemas.microsoft.com/office/drawing/2014/main" id="{C5E00992-2E2E-FB1D-CF8C-CA7EF9CA56AE}"/>
+              </a:ext>
+            </a:extLst>
+          </p:cNvPr>
+          <p:cNvSpPr/>
+          <p:nvPr/>
+        </p:nvSpPr>
+        <p:spPr>
+          <a:xfrm>
+            <a:off x="5864225" y="6221741"/>
+            <a:ext cx="463550" cy="266700"/>
+          </a:xfrm>
+          <a:prstGeom prst="roundRect">
+            <a:avLst/>
+          </a:prstGeom>
+          <a:solidFill>
+            <a:srgbClr val="FFFF00"/>
+          </a:solidFill>
+          <a:ln w="28575">
+            <a:solidFill>
+              <a:srgbClr val="FF0000"/>
+            </a:solidFill>
+          </a:ln>
+        </p:spPr>
+        <p:style>
+          <a:lnRef idx="2">
+            <a:schemeClr val="accent1">
+              <a:shade val="50000"/>
+            </a:schemeClr>
+          </a:lnRef>
+          <a:fillRef idx="1">
+            <a:schemeClr val="accent1"/>
+          </a:fillRef>
+          <a:effectRef idx="0">
+            <a:schemeClr val="accent1"/>
+          </a:effectRef>
+          <a:fontRef idx="minor">
+            <a:schemeClr val="lt1"/>
+          </a:fontRef>
+        </p:style>
+        <p:txBody>
+          <a:bodyPr rtlCol="0" anchor="ctr"/>
+          <a:lstStyle/>
+          <a:p>
+            <a:pPr algn="ctr"/>
+            <a:r>
+              <a:rPr lang="en-US" sz="1800" dirty="0">
+                <a:solidFill>
+                  <a:srgbClr val="FF0000"/>
+                </a:solidFill>
+              </a:rPr>
+              <a:t>1</a:t>
+            </a:r>
+            <a:endParaRPr lang="th-TH" sz="1800" dirty="0">
+              <a:solidFill>
+                <a:srgbClr val="FF0000"/>
+              </a:solidFill>
+            </a:endParaRPr>
+          </a:p>
+        </p:txBody>
+      </p:sp>
+      <p:cxnSp>
+        <p:nvCxnSpPr>
+          <p:cNvPr id="5" name="ลูกศรเชื่อมต่อแบบตรง 4">
+            <a:extLst>
+              <a:ext uri="{FF2B5EF4-FFF2-40B4-BE49-F238E27FC236}">
+                <a16:creationId xmlns:a16="http://schemas.microsoft.com/office/drawing/2014/main" id="{4BECBF7F-2B3F-3500-4EEC-931C1F9A6ACB}"/>
+              </a:ext>
+            </a:extLst>
+          </p:cNvPr>
+          <p:cNvCxnSpPr>
+            <a:cxnSpLocks/>
+            <a:stCxn id="4" idx="1"/>
+          </p:cNvCxnSpPr>
+          <p:nvPr/>
+        </p:nvCxnSpPr>
+        <p:spPr>
+          <a:xfrm flipH="1">
+            <a:off x="5448300" y="6355091"/>
+            <a:ext cx="415925" cy="226684"/>
+          </a:xfrm>
+          <a:prstGeom prst="straightConnector1">
+            <a:avLst/>
+          </a:prstGeom>
+          <a:ln w="28575" cap="flat" cmpd="sng" algn="ctr">
+            <a:solidFill>
+              <a:srgbClr val="FF0000"/>
+            </a:solidFill>
+            <a:prstDash val="solid"/>
+            <a:round/>
+            <a:headEnd type="none" w="med" len="med"/>
+            <a:tailEnd type="arrow" w="med" len="med"/>
+          </a:ln>
+        </p:spPr>
+        <p:style>
+          <a:lnRef idx="0">
+            <a:scrgbClr r="0" g="0" b="0"/>
+          </a:lnRef>
+          <a:fillRef idx="0">
+            <a:scrgbClr r="0" g="0" b="0"/>
+          </a:fillRef>
+          <a:effectRef idx="0">
+            <a:scrgbClr r="0" g="0" b="0"/>
+          </a:effectRef>
+          <a:fontRef idx="minor">
+            <a:schemeClr val="tx1"/>
+          </a:fontRef>
+        </p:style>
+      </p:cxnSp>
+      <p:sp>
+        <p:nvSpPr>
+          <p:cNvPr id="8" name="สี่เหลี่ยมผืนผ้า: มุมมน 7">
+            <a:extLst>
+              <a:ext uri="{FF2B5EF4-FFF2-40B4-BE49-F238E27FC236}">
+                <a16:creationId xmlns:a16="http://schemas.microsoft.com/office/drawing/2014/main" id="{83121A5B-0BAA-6D5F-2C1E-05CD4BF5DD14}"/>
+              </a:ext>
+            </a:extLst>
+          </p:cNvPr>
+          <p:cNvSpPr/>
+          <p:nvPr/>
+        </p:nvSpPr>
+        <p:spPr>
+          <a:xfrm>
+            <a:off x="5718175" y="1354466"/>
+            <a:ext cx="463550" cy="266700"/>
+          </a:xfrm>
+          <a:prstGeom prst="roundRect">
+            <a:avLst/>
+          </a:prstGeom>
+          <a:solidFill>
+            <a:srgbClr val="FFFF00"/>
+          </a:solidFill>
+          <a:ln w="28575">
+            <a:solidFill>
+              <a:srgbClr val="FF0000"/>
+            </a:solidFill>
+          </a:ln>
+        </p:spPr>
+        <p:style>
+          <a:lnRef idx="2">
+            <a:schemeClr val="accent1">
+              <a:shade val="50000"/>
+            </a:schemeClr>
+          </a:lnRef>
+          <a:fillRef idx="1">
+            <a:schemeClr val="accent1"/>
+          </a:fillRef>
+          <a:effectRef idx="0">
+            <a:schemeClr val="accent1"/>
+          </a:effectRef>
+          <a:fontRef idx="minor">
+            <a:schemeClr val="lt1"/>
+          </a:fontRef>
+        </p:style>
+        <p:txBody>
+          <a:bodyPr rtlCol="0" anchor="ctr"/>
+          <a:lstStyle/>
+          <a:p>
+            <a:pPr algn="ctr"/>
+            <a:r>
+              <a:rPr lang="en-US" sz="1800" dirty="0">
+                <a:solidFill>
+                  <a:srgbClr val="FF0000"/>
+                </a:solidFill>
+              </a:rPr>
+              <a:t>2</a:t>
+            </a:r>
+            <a:endParaRPr lang="th-TH" sz="1800" dirty="0">
+              <a:solidFill>
+                <a:srgbClr val="FF0000"/>
+              </a:solidFill>
+            </a:endParaRPr>
+          </a:p>
+        </p:txBody>
+      </p:sp>
+      <p:cxnSp>
+        <p:nvCxnSpPr>
+          <p:cNvPr id="9" name="ลูกศรเชื่อมต่อแบบตรง 8">
+            <a:extLst>
+              <a:ext uri="{FF2B5EF4-FFF2-40B4-BE49-F238E27FC236}">
+                <a16:creationId xmlns:a16="http://schemas.microsoft.com/office/drawing/2014/main" id="{FB797C90-19D8-23D0-4BE7-9FB808182B15}"/>
+              </a:ext>
+            </a:extLst>
+          </p:cNvPr>
+          <p:cNvCxnSpPr>
+            <a:cxnSpLocks/>
+            <a:stCxn id="8" idx="1"/>
+          </p:cNvCxnSpPr>
+          <p:nvPr/>
+        </p:nvCxnSpPr>
+        <p:spPr>
+          <a:xfrm flipH="1">
+            <a:off x="5191125" y="1487816"/>
+            <a:ext cx="527050" cy="0"/>
+          </a:xfrm>
+          <a:prstGeom prst="straightConnector1">
+            <a:avLst/>
+          </a:prstGeom>
+          <a:ln w="28575" cap="flat" cmpd="sng" algn="ctr">
+            <a:solidFill>
+              <a:srgbClr val="FF0000"/>
+            </a:solidFill>
+            <a:prstDash val="solid"/>
+            <a:round/>
+            <a:headEnd type="none" w="med" len="med"/>
+            <a:tailEnd type="arrow" w="med" len="med"/>
+          </a:ln>
+        </p:spPr>
+        <p:style>
+          <a:lnRef idx="0">
+            <a:scrgbClr r="0" g="0" b="0"/>
+          </a:lnRef>
+          <a:fillRef idx="0">
+            <a:scrgbClr r="0" g="0" b="0"/>
+          </a:fillRef>
+          <a:effectRef idx="0">
+            <a:scrgbClr r="0" g="0" b="0"/>
+          </a:effectRef>
+          <a:fontRef idx="minor">
+            <a:schemeClr val="tx1"/>
+          </a:fontRef>
+        </p:style>
+      </p:cxnSp>
+      <p:sp>
+        <p:nvSpPr>
+          <p:cNvPr id="12" name="สี่เหลี่ยมผืนผ้า: มุมมน 11">
+            <a:extLst>
+              <a:ext uri="{FF2B5EF4-FFF2-40B4-BE49-F238E27FC236}">
+                <a16:creationId xmlns:a16="http://schemas.microsoft.com/office/drawing/2014/main" id="{7596FAB4-945E-C171-2C0F-4B2425A109ED}"/>
+              </a:ext>
+            </a:extLst>
+          </p:cNvPr>
+          <p:cNvSpPr/>
+          <p:nvPr/>
+        </p:nvSpPr>
+        <p:spPr>
+          <a:xfrm>
+            <a:off x="5216525" y="2097416"/>
+            <a:ext cx="463550" cy="266700"/>
+          </a:xfrm>
+          <a:prstGeom prst="roundRect">
+            <a:avLst/>
+          </a:prstGeom>
+          <a:solidFill>
+            <a:srgbClr val="FFFF00"/>
+          </a:solidFill>
+          <a:ln w="28575">
+            <a:solidFill>
+              <a:srgbClr val="FF0000"/>
+            </a:solidFill>
+          </a:ln>
+        </p:spPr>
+        <p:style>
+          <a:lnRef idx="2">
+            <a:schemeClr val="accent1">
+              <a:shade val="50000"/>
+            </a:schemeClr>
+          </a:lnRef>
+          <a:fillRef idx="1">
+            <a:schemeClr val="accent1"/>
+          </a:fillRef>
+          <a:effectRef idx="0">
+            <a:schemeClr val="accent1"/>
+          </a:effectRef>
+          <a:fontRef idx="minor">
+            <a:schemeClr val="lt1"/>
+          </a:fontRef>
+        </p:style>
+        <p:txBody>
+          <a:bodyPr rtlCol="0" anchor="ctr"/>
+          <a:lstStyle/>
+          <a:p>
+            <a:pPr algn="ctr"/>
+            <a:r>
+              <a:rPr lang="en-US" sz="1800" dirty="0">
+                <a:solidFill>
+                  <a:srgbClr val="FF0000"/>
+                </a:solidFill>
+              </a:rPr>
+              <a:t>3</a:t>
+            </a:r>
+            <a:endParaRPr lang="th-TH" sz="1800" dirty="0">
+              <a:solidFill>
+                <a:srgbClr val="FF0000"/>
+              </a:solidFill>
+            </a:endParaRPr>
+          </a:p>
+        </p:txBody>
+      </p:sp>
+      <p:cxnSp>
+        <p:nvCxnSpPr>
+          <p:cNvPr id="13" name="ลูกศรเชื่อมต่อแบบตรง 12">
+            <a:extLst>
+              <a:ext uri="{FF2B5EF4-FFF2-40B4-BE49-F238E27FC236}">
+                <a16:creationId xmlns:a16="http://schemas.microsoft.com/office/drawing/2014/main" id="{C83F2368-2167-4F3D-43E0-D7B243C4909B}"/>
+              </a:ext>
+            </a:extLst>
+          </p:cNvPr>
+          <p:cNvCxnSpPr>
+            <a:cxnSpLocks/>
+            <a:stCxn id="12" idx="1"/>
+          </p:cNvCxnSpPr>
+          <p:nvPr/>
+        </p:nvCxnSpPr>
+        <p:spPr>
+          <a:xfrm flipH="1" flipV="1">
+            <a:off x="4610100" y="1897391"/>
+            <a:ext cx="606425" cy="333375"/>
+          </a:xfrm>
+          <a:prstGeom prst="straightConnector1">
+            <a:avLst/>
+          </a:prstGeom>
+          <a:ln w="28575" cap="flat" cmpd="sng" algn="ctr">
+            <a:solidFill>
+              <a:srgbClr val="FF0000"/>
+            </a:solidFill>
+            <a:prstDash val="solid"/>
+            <a:round/>
+            <a:headEnd type="none" w="med" len="med"/>
+            <a:tailEnd type="arrow" w="med" len="med"/>
+          </a:ln>
+        </p:spPr>
+        <p:style>
+          <a:lnRef idx="0">
+            <a:scrgbClr r="0" g="0" b="0"/>
+          </a:lnRef>
+          <a:fillRef idx="0">
+            <a:scrgbClr r="0" g="0" b="0"/>
+          </a:fillRef>
+          <a:effectRef idx="0">
+            <a:scrgbClr r="0" g="0" b="0"/>
+          </a:effectRef>
+          <a:fontRef idx="minor">
+            <a:schemeClr val="tx1"/>
+          </a:fontRef>
+        </p:style>
+      </p:cxnSp>
     </p:spTree>
     <p:extLst>
       <p:ext uri="{BB962C8B-B14F-4D97-AF65-F5344CB8AC3E}">

--- a/Pictures/pictures.pptx
+++ b/Pictures/pictures.pptx
@@ -24,6 +24,17 @@
     <p:sldId id="272" r:id="rId18"/>
     <p:sldId id="273" r:id="rId19"/>
     <p:sldId id="274" r:id="rId20"/>
+    <p:sldId id="275" r:id="rId21"/>
+    <p:sldId id="276" r:id="rId22"/>
+    <p:sldId id="277" r:id="rId23"/>
+    <p:sldId id="278" r:id="rId24"/>
+    <p:sldId id="279" r:id="rId25"/>
+    <p:sldId id="280" r:id="rId26"/>
+    <p:sldId id="281" r:id="rId27"/>
+    <p:sldId id="282" r:id="rId28"/>
+    <p:sldId id="283" r:id="rId29"/>
+    <p:sldId id="284" r:id="rId30"/>
+    <p:sldId id="285" r:id="rId31"/>
   </p:sldIdLst>
   <p:sldSz cx="12192000" cy="6858000"/>
   <p:notesSz cx="6858000" cy="9144000"/>
@@ -7480,6 +7491,591 @@
           <a:chExt cx="0" cy="0"/>
         </a:xfrm>
       </p:grpSpPr>
+      <p:sp>
+        <p:nvSpPr>
+          <p:cNvPr id="13" name="สี่เหลี่ยมผืนผ้า 12">
+            <a:extLst>
+              <a:ext uri="{FF2B5EF4-FFF2-40B4-BE49-F238E27FC236}">
+                <a16:creationId xmlns:a16="http://schemas.microsoft.com/office/drawing/2014/main" id="{C04A7FED-F98C-6971-2EFF-EBEED5CD3F04}"/>
+              </a:ext>
+            </a:extLst>
+          </p:cNvPr>
+          <p:cNvSpPr/>
+          <p:nvPr/>
+        </p:nvSpPr>
+        <p:spPr>
+          <a:xfrm>
+            <a:off x="1971675" y="628650"/>
+            <a:ext cx="6477000" cy="5286455"/>
+          </a:xfrm>
+          <a:prstGeom prst="rect">
+            <a:avLst/>
+          </a:prstGeom>
+          <a:solidFill>
+            <a:srgbClr val="1F1F1F"/>
+          </a:solidFill>
+        </p:spPr>
+        <p:style>
+          <a:lnRef idx="2">
+            <a:schemeClr val="accent1">
+              <a:shade val="50000"/>
+            </a:schemeClr>
+          </a:lnRef>
+          <a:fillRef idx="1">
+            <a:schemeClr val="accent1"/>
+          </a:fillRef>
+          <a:effectRef idx="0">
+            <a:schemeClr val="accent1"/>
+          </a:effectRef>
+          <a:fontRef idx="minor">
+            <a:schemeClr val="lt1"/>
+          </a:fontRef>
+        </p:style>
+        <p:txBody>
+          <a:bodyPr rtlCol="0" anchor="ctr"/>
+          <a:lstStyle/>
+          <a:p>
+            <a:pPr algn="ctr"/>
+            <a:endParaRPr lang="th-TH"/>
+          </a:p>
+        </p:txBody>
+      </p:sp>
+      <p:pic>
+        <p:nvPicPr>
+          <p:cNvPr id="3" name="รูปภาพ 2">
+            <a:extLst>
+              <a:ext uri="{FF2B5EF4-FFF2-40B4-BE49-F238E27FC236}">
+                <a16:creationId xmlns:a16="http://schemas.microsoft.com/office/drawing/2014/main" id="{CA625461-47BF-B7D3-1568-43CC53C6554C}"/>
+              </a:ext>
+            </a:extLst>
+          </p:cNvPr>
+          <p:cNvPicPr>
+            <a:picLocks noChangeAspect="1"/>
+          </p:cNvPicPr>
+          <p:nvPr/>
+        </p:nvPicPr>
+        <p:blipFill>
+          <a:blip r:embed="rId2">
+            <a:extLst>
+              <a:ext uri="{28A0092B-C50C-407E-A947-70E740481C1C}">
+                <a14:useLocalDpi xmlns:a14="http://schemas.microsoft.com/office/drawing/2010/main" val="0"/>
+              </a:ext>
+            </a:extLst>
+          </a:blip>
+          <a:stretch>
+            <a:fillRect/>
+          </a:stretch>
+        </p:blipFill>
+        <p:spPr>
+          <a:xfrm>
+            <a:off x="2447600" y="942895"/>
+            <a:ext cx="4648849" cy="1143160"/>
+          </a:xfrm>
+          <a:prstGeom prst="rect">
+            <a:avLst/>
+          </a:prstGeom>
+          <a:ln w="19050">
+            <a:solidFill>
+              <a:srgbClr val="92D050"/>
+            </a:solidFill>
+          </a:ln>
+        </p:spPr>
+      </p:pic>
+      <p:sp>
+        <p:nvSpPr>
+          <p:cNvPr id="4" name="สี่เหลี่ยมผืนผ้า: มุมมน 3">
+            <a:extLst>
+              <a:ext uri="{FF2B5EF4-FFF2-40B4-BE49-F238E27FC236}">
+                <a16:creationId xmlns:a16="http://schemas.microsoft.com/office/drawing/2014/main" id="{5D1F26D3-A96F-FFCF-DE3C-D76E40972438}"/>
+              </a:ext>
+            </a:extLst>
+          </p:cNvPr>
+          <p:cNvSpPr/>
+          <p:nvPr/>
+        </p:nvSpPr>
+        <p:spPr>
+          <a:xfrm>
+            <a:off x="4330700" y="2305130"/>
+            <a:ext cx="463550" cy="266700"/>
+          </a:xfrm>
+          <a:prstGeom prst="roundRect">
+            <a:avLst/>
+          </a:prstGeom>
+          <a:solidFill>
+            <a:srgbClr val="FFFF00"/>
+          </a:solidFill>
+          <a:ln w="28575">
+            <a:solidFill>
+              <a:srgbClr val="FF0000"/>
+            </a:solidFill>
+          </a:ln>
+        </p:spPr>
+        <p:style>
+          <a:lnRef idx="2">
+            <a:schemeClr val="accent1">
+              <a:shade val="50000"/>
+            </a:schemeClr>
+          </a:lnRef>
+          <a:fillRef idx="1">
+            <a:schemeClr val="accent1"/>
+          </a:fillRef>
+          <a:effectRef idx="0">
+            <a:schemeClr val="accent1"/>
+          </a:effectRef>
+          <a:fontRef idx="minor">
+            <a:schemeClr val="lt1"/>
+          </a:fontRef>
+        </p:style>
+        <p:txBody>
+          <a:bodyPr rtlCol="0" anchor="ctr"/>
+          <a:lstStyle/>
+          <a:p>
+            <a:pPr algn="ctr"/>
+            <a:r>
+              <a:rPr lang="en-US" sz="1800" dirty="0">
+                <a:solidFill>
+                  <a:srgbClr val="FF0000"/>
+                </a:solidFill>
+              </a:rPr>
+              <a:t>1</a:t>
+            </a:r>
+            <a:endParaRPr lang="th-TH" sz="1800" dirty="0">
+              <a:solidFill>
+                <a:srgbClr val="FF0000"/>
+              </a:solidFill>
+            </a:endParaRPr>
+          </a:p>
+        </p:txBody>
+      </p:sp>
+      <p:cxnSp>
+        <p:nvCxnSpPr>
+          <p:cNvPr id="5" name="ลูกศรเชื่อมต่อแบบตรง 4">
+            <a:extLst>
+              <a:ext uri="{FF2B5EF4-FFF2-40B4-BE49-F238E27FC236}">
+                <a16:creationId xmlns:a16="http://schemas.microsoft.com/office/drawing/2014/main" id="{9712F21A-AB1E-8A4E-282E-7158690D695F}"/>
+              </a:ext>
+            </a:extLst>
+          </p:cNvPr>
+          <p:cNvCxnSpPr>
+            <a:cxnSpLocks/>
+            <a:stCxn id="4" idx="1"/>
+          </p:cNvCxnSpPr>
+          <p:nvPr/>
+        </p:nvCxnSpPr>
+        <p:spPr>
+          <a:xfrm flipH="1" flipV="1">
+            <a:off x="3990975" y="2019300"/>
+            <a:ext cx="339725" cy="419180"/>
+          </a:xfrm>
+          <a:prstGeom prst="straightConnector1">
+            <a:avLst/>
+          </a:prstGeom>
+          <a:ln w="28575" cap="flat" cmpd="sng" algn="ctr">
+            <a:solidFill>
+              <a:srgbClr val="FF0000"/>
+            </a:solidFill>
+            <a:prstDash val="solid"/>
+            <a:round/>
+            <a:headEnd type="none" w="med" len="med"/>
+            <a:tailEnd type="arrow" w="med" len="med"/>
+          </a:ln>
+        </p:spPr>
+        <p:style>
+          <a:lnRef idx="0">
+            <a:scrgbClr r="0" g="0" b="0"/>
+          </a:lnRef>
+          <a:fillRef idx="0">
+            <a:scrgbClr r="0" g="0" b="0"/>
+          </a:fillRef>
+          <a:effectRef idx="0">
+            <a:scrgbClr r="0" g="0" b="0"/>
+          </a:effectRef>
+          <a:fontRef idx="minor">
+            <a:schemeClr val="tx1"/>
+          </a:fontRef>
+        </p:style>
+      </p:cxnSp>
+      <p:sp>
+        <p:nvSpPr>
+          <p:cNvPr id="7" name="สี่เหลี่ยมผืนผ้า: มุมมน 6">
+            <a:extLst>
+              <a:ext uri="{FF2B5EF4-FFF2-40B4-BE49-F238E27FC236}">
+                <a16:creationId xmlns:a16="http://schemas.microsoft.com/office/drawing/2014/main" id="{B4E4FC92-6073-ECF2-6126-897183C5392E}"/>
+              </a:ext>
+            </a:extLst>
+          </p:cNvPr>
+          <p:cNvSpPr/>
+          <p:nvPr/>
+        </p:nvSpPr>
+        <p:spPr>
+          <a:xfrm>
+            <a:off x="2817650" y="2371885"/>
+            <a:ext cx="463550" cy="266700"/>
+          </a:xfrm>
+          <a:prstGeom prst="roundRect">
+            <a:avLst/>
+          </a:prstGeom>
+          <a:solidFill>
+            <a:srgbClr val="FFFF00"/>
+          </a:solidFill>
+          <a:ln w="28575">
+            <a:solidFill>
+              <a:srgbClr val="FF0000"/>
+            </a:solidFill>
+          </a:ln>
+        </p:spPr>
+        <p:style>
+          <a:lnRef idx="2">
+            <a:schemeClr val="accent1">
+              <a:shade val="50000"/>
+            </a:schemeClr>
+          </a:lnRef>
+          <a:fillRef idx="1">
+            <a:schemeClr val="accent1"/>
+          </a:fillRef>
+          <a:effectRef idx="0">
+            <a:schemeClr val="accent1"/>
+          </a:effectRef>
+          <a:fontRef idx="minor">
+            <a:schemeClr val="lt1"/>
+          </a:fontRef>
+        </p:style>
+        <p:txBody>
+          <a:bodyPr rtlCol="0" anchor="ctr"/>
+          <a:lstStyle/>
+          <a:p>
+            <a:pPr algn="ctr"/>
+            <a:r>
+              <a:rPr lang="en-US" sz="1800" dirty="0">
+                <a:solidFill>
+                  <a:srgbClr val="FF0000"/>
+                </a:solidFill>
+              </a:rPr>
+              <a:t>2</a:t>
+            </a:r>
+            <a:endParaRPr lang="th-TH" sz="1800" dirty="0">
+              <a:solidFill>
+                <a:srgbClr val="FF0000"/>
+              </a:solidFill>
+            </a:endParaRPr>
+          </a:p>
+        </p:txBody>
+      </p:sp>
+      <p:cxnSp>
+        <p:nvCxnSpPr>
+          <p:cNvPr id="8" name="ลูกศรเชื่อมต่อแบบตรง 7">
+            <a:extLst>
+              <a:ext uri="{FF2B5EF4-FFF2-40B4-BE49-F238E27FC236}">
+                <a16:creationId xmlns:a16="http://schemas.microsoft.com/office/drawing/2014/main" id="{3F1C8237-CE7F-6FDC-7EFC-12BE9800E0F4}"/>
+              </a:ext>
+            </a:extLst>
+          </p:cNvPr>
+          <p:cNvCxnSpPr>
+            <a:cxnSpLocks/>
+          </p:cNvCxnSpPr>
+          <p:nvPr/>
+        </p:nvCxnSpPr>
+        <p:spPr>
+          <a:xfrm flipV="1">
+            <a:off x="3067050" y="1952705"/>
+            <a:ext cx="167400" cy="419180"/>
+          </a:xfrm>
+          <a:prstGeom prst="straightConnector1">
+            <a:avLst/>
+          </a:prstGeom>
+          <a:ln w="28575" cap="flat" cmpd="sng" algn="ctr">
+            <a:solidFill>
+              <a:srgbClr val="FF0000"/>
+            </a:solidFill>
+            <a:prstDash val="solid"/>
+            <a:round/>
+            <a:headEnd type="none" w="med" len="med"/>
+            <a:tailEnd type="arrow" w="med" len="med"/>
+          </a:ln>
+        </p:spPr>
+        <p:style>
+          <a:lnRef idx="0">
+            <a:scrgbClr r="0" g="0" b="0"/>
+          </a:lnRef>
+          <a:fillRef idx="0">
+            <a:scrgbClr r="0" g="0" b="0"/>
+          </a:fillRef>
+          <a:effectRef idx="0">
+            <a:scrgbClr r="0" g="0" b="0"/>
+          </a:effectRef>
+          <a:fontRef idx="minor">
+            <a:schemeClr val="tx1"/>
+          </a:fontRef>
+        </p:style>
+      </p:cxnSp>
+      <p:pic>
+        <p:nvPicPr>
+          <p:cNvPr id="12" name="รูปภาพ 11">
+            <a:extLst>
+              <a:ext uri="{FF2B5EF4-FFF2-40B4-BE49-F238E27FC236}">
+                <a16:creationId xmlns:a16="http://schemas.microsoft.com/office/drawing/2014/main" id="{AA4372EF-7918-EC19-FF65-737CBDAD8736}"/>
+              </a:ext>
+            </a:extLst>
+          </p:cNvPr>
+          <p:cNvPicPr>
+            <a:picLocks noChangeAspect="1"/>
+          </p:cNvPicPr>
+          <p:nvPr/>
+        </p:nvPicPr>
+        <p:blipFill>
+          <a:blip r:embed="rId3">
+            <a:extLst>
+              <a:ext uri="{28A0092B-C50C-407E-A947-70E740481C1C}">
+                <a14:useLocalDpi xmlns:a14="http://schemas.microsoft.com/office/drawing/2010/main" val="0"/>
+              </a:ext>
+            </a:extLst>
+          </a:blip>
+          <a:stretch>
+            <a:fillRect/>
+          </a:stretch>
+        </p:blipFill>
+        <p:spPr>
+          <a:xfrm>
+            <a:off x="4160837" y="3304959"/>
+            <a:ext cx="3801005" cy="1962424"/>
+          </a:xfrm>
+          <a:prstGeom prst="rect">
+            <a:avLst/>
+          </a:prstGeom>
+          <a:ln w="19050">
+            <a:solidFill>
+              <a:srgbClr val="92D050"/>
+            </a:solidFill>
+          </a:ln>
+        </p:spPr>
+      </p:pic>
+      <p:sp>
+        <p:nvSpPr>
+          <p:cNvPr id="14" name="สี่เหลี่ยมผืนผ้า: มุมมน 13">
+            <a:extLst>
+              <a:ext uri="{FF2B5EF4-FFF2-40B4-BE49-F238E27FC236}">
+                <a16:creationId xmlns:a16="http://schemas.microsoft.com/office/drawing/2014/main" id="{91E51F40-91C8-FCA9-2846-6CBA3575A005}"/>
+              </a:ext>
+            </a:extLst>
+          </p:cNvPr>
+          <p:cNvSpPr/>
+          <p:nvPr/>
+        </p:nvSpPr>
+        <p:spPr>
+          <a:xfrm>
+            <a:off x="4246400" y="5395901"/>
+            <a:ext cx="463550" cy="266700"/>
+          </a:xfrm>
+          <a:prstGeom prst="roundRect">
+            <a:avLst/>
+          </a:prstGeom>
+          <a:solidFill>
+            <a:srgbClr val="FFFF00"/>
+          </a:solidFill>
+          <a:ln w="28575">
+            <a:solidFill>
+              <a:srgbClr val="FF0000"/>
+            </a:solidFill>
+          </a:ln>
+        </p:spPr>
+        <p:style>
+          <a:lnRef idx="2">
+            <a:schemeClr val="accent1">
+              <a:shade val="50000"/>
+            </a:schemeClr>
+          </a:lnRef>
+          <a:fillRef idx="1">
+            <a:schemeClr val="accent1"/>
+          </a:fillRef>
+          <a:effectRef idx="0">
+            <a:schemeClr val="accent1"/>
+          </a:effectRef>
+          <a:fontRef idx="minor">
+            <a:schemeClr val="lt1"/>
+          </a:fontRef>
+        </p:style>
+        <p:txBody>
+          <a:bodyPr rtlCol="0" anchor="ctr"/>
+          <a:lstStyle/>
+          <a:p>
+            <a:pPr algn="ctr"/>
+            <a:r>
+              <a:rPr lang="en-US" sz="1800" dirty="0">
+                <a:solidFill>
+                  <a:srgbClr val="FF0000"/>
+                </a:solidFill>
+              </a:rPr>
+              <a:t>3</a:t>
+            </a:r>
+            <a:endParaRPr lang="th-TH" sz="1800" dirty="0">
+              <a:solidFill>
+                <a:srgbClr val="FF0000"/>
+              </a:solidFill>
+            </a:endParaRPr>
+          </a:p>
+        </p:txBody>
+      </p:sp>
+      <p:cxnSp>
+        <p:nvCxnSpPr>
+          <p:cNvPr id="15" name="ลูกศรเชื่อมต่อแบบตรง 14">
+            <a:extLst>
+              <a:ext uri="{FF2B5EF4-FFF2-40B4-BE49-F238E27FC236}">
+                <a16:creationId xmlns:a16="http://schemas.microsoft.com/office/drawing/2014/main" id="{B7A2B4AA-624F-D2E9-C5F7-66310795226C}"/>
+              </a:ext>
+            </a:extLst>
+          </p:cNvPr>
+          <p:cNvCxnSpPr>
+            <a:cxnSpLocks/>
+          </p:cNvCxnSpPr>
+          <p:nvPr/>
+        </p:nvCxnSpPr>
+        <p:spPr>
+          <a:xfrm flipV="1">
+            <a:off x="4495800" y="4976721"/>
+            <a:ext cx="167400" cy="419180"/>
+          </a:xfrm>
+          <a:prstGeom prst="straightConnector1">
+            <a:avLst/>
+          </a:prstGeom>
+          <a:ln w="28575" cap="flat" cmpd="sng" algn="ctr">
+            <a:solidFill>
+              <a:srgbClr val="FF0000"/>
+            </a:solidFill>
+            <a:prstDash val="solid"/>
+            <a:round/>
+            <a:headEnd type="none" w="med" len="med"/>
+            <a:tailEnd type="arrow" w="med" len="med"/>
+          </a:ln>
+        </p:spPr>
+        <p:style>
+          <a:lnRef idx="0">
+            <a:scrgbClr r="0" g="0" b="0"/>
+          </a:lnRef>
+          <a:fillRef idx="0">
+            <a:scrgbClr r="0" g="0" b="0"/>
+          </a:fillRef>
+          <a:effectRef idx="0">
+            <a:scrgbClr r="0" g="0" b="0"/>
+          </a:effectRef>
+          <a:fontRef idx="minor">
+            <a:schemeClr val="tx1"/>
+          </a:fontRef>
+        </p:style>
+      </p:cxnSp>
+      <p:sp>
+        <p:nvSpPr>
+          <p:cNvPr id="16" name="สี่เหลี่ยมผืนผ้า: มุมมน 15">
+            <a:extLst>
+              <a:ext uri="{FF2B5EF4-FFF2-40B4-BE49-F238E27FC236}">
+                <a16:creationId xmlns:a16="http://schemas.microsoft.com/office/drawing/2014/main" id="{3C5CE4DB-5438-2685-9882-4BA952DAA833}"/>
+              </a:ext>
+            </a:extLst>
+          </p:cNvPr>
+          <p:cNvSpPr/>
+          <p:nvPr/>
+        </p:nvSpPr>
+        <p:spPr>
+          <a:xfrm>
+            <a:off x="5864225" y="4100501"/>
+            <a:ext cx="463550" cy="266700"/>
+          </a:xfrm>
+          <a:prstGeom prst="roundRect">
+            <a:avLst/>
+          </a:prstGeom>
+          <a:solidFill>
+            <a:srgbClr val="FFFF00"/>
+          </a:solidFill>
+          <a:ln w="28575">
+            <a:solidFill>
+              <a:srgbClr val="FF0000"/>
+            </a:solidFill>
+          </a:ln>
+        </p:spPr>
+        <p:style>
+          <a:lnRef idx="2">
+            <a:schemeClr val="accent1">
+              <a:shade val="50000"/>
+            </a:schemeClr>
+          </a:lnRef>
+          <a:fillRef idx="1">
+            <a:schemeClr val="accent1"/>
+          </a:fillRef>
+          <a:effectRef idx="0">
+            <a:schemeClr val="accent1"/>
+          </a:effectRef>
+          <a:fontRef idx="minor">
+            <a:schemeClr val="lt1"/>
+          </a:fontRef>
+        </p:style>
+        <p:txBody>
+          <a:bodyPr rtlCol="0" anchor="ctr"/>
+          <a:lstStyle/>
+          <a:p>
+            <a:pPr algn="ctr"/>
+            <a:r>
+              <a:rPr lang="en-US" sz="1800" dirty="0">
+                <a:solidFill>
+                  <a:srgbClr val="FF0000"/>
+                </a:solidFill>
+              </a:rPr>
+              <a:t>4</a:t>
+            </a:r>
+            <a:endParaRPr lang="th-TH" sz="1800" dirty="0">
+              <a:solidFill>
+                <a:srgbClr val="FF0000"/>
+              </a:solidFill>
+            </a:endParaRPr>
+          </a:p>
+        </p:txBody>
+      </p:sp>
+      <p:cxnSp>
+        <p:nvCxnSpPr>
+          <p:cNvPr id="17" name="ลูกศรเชื่อมต่อแบบตรง 16">
+            <a:extLst>
+              <a:ext uri="{FF2B5EF4-FFF2-40B4-BE49-F238E27FC236}">
+                <a16:creationId xmlns:a16="http://schemas.microsoft.com/office/drawing/2014/main" id="{C209C4EA-76B9-65D8-12D1-6AEE6F0D622E}"/>
+              </a:ext>
+            </a:extLst>
+          </p:cNvPr>
+          <p:cNvCxnSpPr>
+            <a:cxnSpLocks/>
+            <a:stCxn id="16" idx="1"/>
+          </p:cNvCxnSpPr>
+          <p:nvPr/>
+        </p:nvCxnSpPr>
+        <p:spPr>
+          <a:xfrm flipH="1">
+            <a:off x="5324475" y="4233851"/>
+            <a:ext cx="539750" cy="307176"/>
+          </a:xfrm>
+          <a:prstGeom prst="straightConnector1">
+            <a:avLst/>
+          </a:prstGeom>
+          <a:ln w="28575" cap="flat" cmpd="sng" algn="ctr">
+            <a:solidFill>
+              <a:srgbClr val="FF0000"/>
+            </a:solidFill>
+            <a:prstDash val="solid"/>
+            <a:round/>
+            <a:headEnd type="none" w="med" len="med"/>
+            <a:tailEnd type="arrow" w="med" len="med"/>
+          </a:ln>
+        </p:spPr>
+        <p:style>
+          <a:lnRef idx="0">
+            <a:scrgbClr r="0" g="0" b="0"/>
+          </a:lnRef>
+          <a:fillRef idx="0">
+            <a:scrgbClr r="0" g="0" b="0"/>
+          </a:fillRef>
+          <a:effectRef idx="0">
+            <a:scrgbClr r="0" g="0" b="0"/>
+          </a:effectRef>
+          <a:fontRef idx="minor">
+            <a:schemeClr val="tx1"/>
+          </a:fontRef>
+        </p:style>
+      </p:cxnSp>
     </p:spTree>
     <p:extLst>
       <p:ext uri="{BB962C8B-B14F-4D97-AF65-F5344CB8AC3E}">
@@ -7897,6 +8493,2465 @@
 </p:sld>
 </file>
 
+<file path=ppt/slides/slide20.xml><?xml version="1.0" encoding="utf-8"?>
+<p:sld xmlns:a="http://schemas.openxmlformats.org/drawingml/2006/main" xmlns:r="http://schemas.openxmlformats.org/officeDocument/2006/relationships" xmlns:p="http://schemas.openxmlformats.org/presentationml/2006/main">
+  <p:cSld>
+    <p:spTree>
+      <p:nvGrpSpPr>
+        <p:cNvPr id="1" name=""/>
+        <p:cNvGrpSpPr/>
+        <p:nvPr/>
+      </p:nvGrpSpPr>
+      <p:grpSpPr>
+        <a:xfrm>
+          <a:off x="0" y="0"/>
+          <a:ext cx="0" cy="0"/>
+          <a:chOff x="0" y="0"/>
+          <a:chExt cx="0" cy="0"/>
+        </a:xfrm>
+      </p:grpSpPr>
+      <p:sp>
+        <p:nvSpPr>
+          <p:cNvPr id="4" name="สี่เหลี่ยมผืนผ้า 3">
+            <a:extLst>
+              <a:ext uri="{FF2B5EF4-FFF2-40B4-BE49-F238E27FC236}">
+                <a16:creationId xmlns:a16="http://schemas.microsoft.com/office/drawing/2014/main" id="{5A42741C-6ACA-E0EC-9609-9D4BD99E8EF0}"/>
+              </a:ext>
+            </a:extLst>
+          </p:cNvPr>
+          <p:cNvSpPr/>
+          <p:nvPr/>
+        </p:nvSpPr>
+        <p:spPr>
+          <a:xfrm>
+            <a:off x="3833498" y="1599944"/>
+            <a:ext cx="4824728" cy="4143631"/>
+          </a:xfrm>
+          <a:prstGeom prst="rect">
+            <a:avLst/>
+          </a:prstGeom>
+          <a:solidFill>
+            <a:srgbClr val="1F1F1F"/>
+          </a:solidFill>
+        </p:spPr>
+        <p:style>
+          <a:lnRef idx="2">
+            <a:schemeClr val="accent1">
+              <a:shade val="50000"/>
+            </a:schemeClr>
+          </a:lnRef>
+          <a:fillRef idx="1">
+            <a:schemeClr val="accent1"/>
+          </a:fillRef>
+          <a:effectRef idx="0">
+            <a:schemeClr val="accent1"/>
+          </a:effectRef>
+          <a:fontRef idx="minor">
+            <a:schemeClr val="lt1"/>
+          </a:fontRef>
+        </p:style>
+        <p:txBody>
+          <a:bodyPr rtlCol="0" anchor="ctr"/>
+          <a:lstStyle/>
+          <a:p>
+            <a:pPr algn="ctr"/>
+            <a:endParaRPr lang="th-TH"/>
+          </a:p>
+        </p:txBody>
+      </p:sp>
+      <p:pic>
+        <p:nvPicPr>
+          <p:cNvPr id="3" name="รูปภาพ 2" descr="รูปภาพประกอบด้วย ข้อความ&#10;&#10;คำอธิบายที่สร้างโดยอัตโนมัติ">
+            <a:extLst>
+              <a:ext uri="{FF2B5EF4-FFF2-40B4-BE49-F238E27FC236}">
+                <a16:creationId xmlns:a16="http://schemas.microsoft.com/office/drawing/2014/main" id="{1B1981C3-EADD-8C27-84D5-02D25A890CD5}"/>
+              </a:ext>
+            </a:extLst>
+          </p:cNvPr>
+          <p:cNvPicPr>
+            <a:picLocks noChangeAspect="1"/>
+          </p:cNvPicPr>
+          <p:nvPr/>
+        </p:nvPicPr>
+        <p:blipFill>
+          <a:blip r:embed="rId2">
+            <a:extLst>
+              <a:ext uri="{28A0092B-C50C-407E-A947-70E740481C1C}">
+                <a14:useLocalDpi xmlns:a14="http://schemas.microsoft.com/office/drawing/2010/main" val="0"/>
+              </a:ext>
+            </a:extLst>
+          </a:blip>
+          <a:stretch>
+            <a:fillRect/>
+          </a:stretch>
+        </p:blipFill>
+        <p:spPr>
+          <a:xfrm>
+            <a:off x="3833497" y="1599944"/>
+            <a:ext cx="4525006" cy="3658111"/>
+          </a:xfrm>
+          <a:prstGeom prst="rect">
+            <a:avLst/>
+          </a:prstGeom>
+        </p:spPr>
+      </p:pic>
+      <p:sp>
+        <p:nvSpPr>
+          <p:cNvPr id="5" name="สี่เหลี่ยมผืนผ้า: มุมมน 4">
+            <a:extLst>
+              <a:ext uri="{FF2B5EF4-FFF2-40B4-BE49-F238E27FC236}">
+                <a16:creationId xmlns:a16="http://schemas.microsoft.com/office/drawing/2014/main" id="{5CA2A07F-6953-98A0-C74D-E496C82B7451}"/>
+              </a:ext>
+            </a:extLst>
+          </p:cNvPr>
+          <p:cNvSpPr/>
+          <p:nvPr/>
+        </p:nvSpPr>
+        <p:spPr>
+          <a:xfrm>
+            <a:off x="7169150" y="5325065"/>
+            <a:ext cx="463550" cy="266700"/>
+          </a:xfrm>
+          <a:prstGeom prst="roundRect">
+            <a:avLst/>
+          </a:prstGeom>
+          <a:solidFill>
+            <a:srgbClr val="FFFF00"/>
+          </a:solidFill>
+          <a:ln w="28575">
+            <a:solidFill>
+              <a:srgbClr val="FF0000"/>
+            </a:solidFill>
+          </a:ln>
+        </p:spPr>
+        <p:style>
+          <a:lnRef idx="2">
+            <a:schemeClr val="accent1">
+              <a:shade val="50000"/>
+            </a:schemeClr>
+          </a:lnRef>
+          <a:fillRef idx="1">
+            <a:schemeClr val="accent1"/>
+          </a:fillRef>
+          <a:effectRef idx="0">
+            <a:schemeClr val="accent1"/>
+          </a:effectRef>
+          <a:fontRef idx="minor">
+            <a:schemeClr val="lt1"/>
+          </a:fontRef>
+        </p:style>
+        <p:txBody>
+          <a:bodyPr rtlCol="0" anchor="ctr"/>
+          <a:lstStyle/>
+          <a:p>
+            <a:pPr algn="ctr"/>
+            <a:r>
+              <a:rPr lang="en-US" sz="1800" dirty="0">
+                <a:solidFill>
+                  <a:srgbClr val="FF0000"/>
+                </a:solidFill>
+              </a:rPr>
+              <a:t>1</a:t>
+            </a:r>
+            <a:endParaRPr lang="th-TH" sz="1800" dirty="0">
+              <a:solidFill>
+                <a:srgbClr val="FF0000"/>
+              </a:solidFill>
+            </a:endParaRPr>
+          </a:p>
+        </p:txBody>
+      </p:sp>
+      <p:cxnSp>
+        <p:nvCxnSpPr>
+          <p:cNvPr id="6" name="ลูกศรเชื่อมต่อแบบตรง 5">
+            <a:extLst>
+              <a:ext uri="{FF2B5EF4-FFF2-40B4-BE49-F238E27FC236}">
+                <a16:creationId xmlns:a16="http://schemas.microsoft.com/office/drawing/2014/main" id="{BF6E9AF6-C1F1-6950-BE45-A3331B6DB67A}"/>
+              </a:ext>
+            </a:extLst>
+          </p:cNvPr>
+          <p:cNvCxnSpPr>
+            <a:cxnSpLocks/>
+            <a:stCxn id="5" idx="1"/>
+          </p:cNvCxnSpPr>
+          <p:nvPr/>
+        </p:nvCxnSpPr>
+        <p:spPr>
+          <a:xfrm flipH="1" flipV="1">
+            <a:off x="7010400" y="5105400"/>
+            <a:ext cx="158750" cy="353015"/>
+          </a:xfrm>
+          <a:prstGeom prst="straightConnector1">
+            <a:avLst/>
+          </a:prstGeom>
+          <a:ln w="28575" cap="flat" cmpd="sng" algn="ctr">
+            <a:solidFill>
+              <a:srgbClr val="FF0000"/>
+            </a:solidFill>
+            <a:prstDash val="solid"/>
+            <a:round/>
+            <a:headEnd type="none" w="med" len="med"/>
+            <a:tailEnd type="arrow" w="med" len="med"/>
+          </a:ln>
+        </p:spPr>
+        <p:style>
+          <a:lnRef idx="0">
+            <a:scrgbClr r="0" g="0" b="0"/>
+          </a:lnRef>
+          <a:fillRef idx="0">
+            <a:scrgbClr r="0" g="0" b="0"/>
+          </a:fillRef>
+          <a:effectRef idx="0">
+            <a:scrgbClr r="0" g="0" b="0"/>
+          </a:effectRef>
+          <a:fontRef idx="minor">
+            <a:schemeClr val="tx1"/>
+          </a:fontRef>
+        </p:style>
+      </p:cxnSp>
+      <p:sp>
+        <p:nvSpPr>
+          <p:cNvPr id="7" name="สี่เหลี่ยมผืนผ้า: มุมมน 6">
+            <a:extLst>
+              <a:ext uri="{FF2B5EF4-FFF2-40B4-BE49-F238E27FC236}">
+                <a16:creationId xmlns:a16="http://schemas.microsoft.com/office/drawing/2014/main" id="{A7DF6AB7-5A37-E043-1EF2-97ECB6E38DB3}"/>
+              </a:ext>
+            </a:extLst>
+          </p:cNvPr>
+          <p:cNvSpPr/>
+          <p:nvPr/>
+        </p:nvSpPr>
+        <p:spPr>
+          <a:xfrm>
+            <a:off x="6937375" y="2600580"/>
+            <a:ext cx="463550" cy="266700"/>
+          </a:xfrm>
+          <a:prstGeom prst="roundRect">
+            <a:avLst/>
+          </a:prstGeom>
+          <a:solidFill>
+            <a:srgbClr val="FFFF00"/>
+          </a:solidFill>
+          <a:ln w="28575">
+            <a:solidFill>
+              <a:srgbClr val="FF0000"/>
+            </a:solidFill>
+          </a:ln>
+        </p:spPr>
+        <p:style>
+          <a:lnRef idx="2">
+            <a:schemeClr val="accent1">
+              <a:shade val="50000"/>
+            </a:schemeClr>
+          </a:lnRef>
+          <a:fillRef idx="1">
+            <a:schemeClr val="accent1"/>
+          </a:fillRef>
+          <a:effectRef idx="0">
+            <a:schemeClr val="accent1"/>
+          </a:effectRef>
+          <a:fontRef idx="minor">
+            <a:schemeClr val="lt1"/>
+          </a:fontRef>
+        </p:style>
+        <p:txBody>
+          <a:bodyPr rtlCol="0" anchor="ctr"/>
+          <a:lstStyle/>
+          <a:p>
+            <a:pPr algn="ctr"/>
+            <a:r>
+              <a:rPr lang="en-US" sz="1800" dirty="0">
+                <a:solidFill>
+                  <a:srgbClr val="FF0000"/>
+                </a:solidFill>
+              </a:rPr>
+              <a:t>2</a:t>
+            </a:r>
+            <a:endParaRPr lang="th-TH" sz="1800" dirty="0">
+              <a:solidFill>
+                <a:srgbClr val="FF0000"/>
+              </a:solidFill>
+            </a:endParaRPr>
+          </a:p>
+        </p:txBody>
+      </p:sp>
+      <p:cxnSp>
+        <p:nvCxnSpPr>
+          <p:cNvPr id="8" name="ลูกศรเชื่อมต่อแบบตรง 7">
+            <a:extLst>
+              <a:ext uri="{FF2B5EF4-FFF2-40B4-BE49-F238E27FC236}">
+                <a16:creationId xmlns:a16="http://schemas.microsoft.com/office/drawing/2014/main" id="{F589B72B-3B13-F281-C629-655A50D0E6FD}"/>
+              </a:ext>
+            </a:extLst>
+          </p:cNvPr>
+          <p:cNvCxnSpPr>
+            <a:cxnSpLocks/>
+          </p:cNvCxnSpPr>
+          <p:nvPr/>
+        </p:nvCxnSpPr>
+        <p:spPr>
+          <a:xfrm flipH="1" flipV="1">
+            <a:off x="6867525" y="2190750"/>
+            <a:ext cx="319250" cy="409830"/>
+          </a:xfrm>
+          <a:prstGeom prst="straightConnector1">
+            <a:avLst/>
+          </a:prstGeom>
+          <a:ln w="28575" cap="flat" cmpd="sng" algn="ctr">
+            <a:solidFill>
+              <a:srgbClr val="FF0000"/>
+            </a:solidFill>
+            <a:prstDash val="solid"/>
+            <a:round/>
+            <a:headEnd type="none" w="med" len="med"/>
+            <a:tailEnd type="arrow" w="med" len="med"/>
+          </a:ln>
+        </p:spPr>
+        <p:style>
+          <a:lnRef idx="0">
+            <a:scrgbClr r="0" g="0" b="0"/>
+          </a:lnRef>
+          <a:fillRef idx="0">
+            <a:scrgbClr r="0" g="0" b="0"/>
+          </a:fillRef>
+          <a:effectRef idx="0">
+            <a:scrgbClr r="0" g="0" b="0"/>
+          </a:effectRef>
+          <a:fontRef idx="minor">
+            <a:schemeClr val="tx1"/>
+          </a:fontRef>
+        </p:style>
+      </p:cxnSp>
+    </p:spTree>
+    <p:extLst>
+      <p:ext uri="{BB962C8B-B14F-4D97-AF65-F5344CB8AC3E}">
+        <p14:creationId xmlns:p14="http://schemas.microsoft.com/office/powerpoint/2010/main" val="3056102019"/>
+      </p:ext>
+    </p:extLst>
+  </p:cSld>
+  <p:clrMapOvr>
+    <a:masterClrMapping/>
+  </p:clrMapOvr>
+</p:sld>
+</file>
+
+<file path=ppt/slides/slide21.xml><?xml version="1.0" encoding="utf-8"?>
+<p:sld xmlns:a="http://schemas.openxmlformats.org/drawingml/2006/main" xmlns:r="http://schemas.openxmlformats.org/officeDocument/2006/relationships" xmlns:p="http://schemas.openxmlformats.org/presentationml/2006/main">
+  <p:cSld>
+    <p:spTree>
+      <p:nvGrpSpPr>
+        <p:cNvPr id="1" name=""/>
+        <p:cNvGrpSpPr/>
+        <p:nvPr/>
+      </p:nvGrpSpPr>
+      <p:grpSpPr>
+        <a:xfrm>
+          <a:off x="0" y="0"/>
+          <a:ext cx="0" cy="0"/>
+          <a:chOff x="0" y="0"/>
+          <a:chExt cx="0" cy="0"/>
+        </a:xfrm>
+      </p:grpSpPr>
+      <p:pic>
+        <p:nvPicPr>
+          <p:cNvPr id="3" name="รูปภาพ 2" descr="รูปภาพประกอบด้วย ข้อความ&#10;&#10;คำอธิบายที่สร้างโดยอัตโนมัติ">
+            <a:extLst>
+              <a:ext uri="{FF2B5EF4-FFF2-40B4-BE49-F238E27FC236}">
+                <a16:creationId xmlns:a16="http://schemas.microsoft.com/office/drawing/2014/main" id="{25FAFC0C-2574-A448-C41F-216806C7A1F2}"/>
+              </a:ext>
+            </a:extLst>
+          </p:cNvPr>
+          <p:cNvPicPr>
+            <a:picLocks noChangeAspect="1"/>
+          </p:cNvPicPr>
+          <p:nvPr/>
+        </p:nvPicPr>
+        <p:blipFill>
+          <a:blip r:embed="rId2">
+            <a:extLst>
+              <a:ext uri="{28A0092B-C50C-407E-A947-70E740481C1C}">
+                <a14:useLocalDpi xmlns:a14="http://schemas.microsoft.com/office/drawing/2010/main" val="0"/>
+              </a:ext>
+            </a:extLst>
+          </a:blip>
+          <a:stretch>
+            <a:fillRect/>
+          </a:stretch>
+        </p:blipFill>
+        <p:spPr>
+          <a:xfrm>
+            <a:off x="3700128" y="2066735"/>
+            <a:ext cx="4791744" cy="2724530"/>
+          </a:xfrm>
+          <a:prstGeom prst="rect">
+            <a:avLst/>
+          </a:prstGeom>
+        </p:spPr>
+      </p:pic>
+      <p:sp>
+        <p:nvSpPr>
+          <p:cNvPr id="4" name="สี่เหลี่ยมผืนผ้า: มุมมน 3">
+            <a:extLst>
+              <a:ext uri="{FF2B5EF4-FFF2-40B4-BE49-F238E27FC236}">
+                <a16:creationId xmlns:a16="http://schemas.microsoft.com/office/drawing/2014/main" id="{E22AB418-0982-07F7-FBC8-1C07E7E4AB2B}"/>
+              </a:ext>
+            </a:extLst>
+          </p:cNvPr>
+          <p:cNvSpPr/>
+          <p:nvPr/>
+        </p:nvSpPr>
+        <p:spPr>
+          <a:xfrm>
+            <a:off x="4772403" y="2638585"/>
+            <a:ext cx="463550" cy="266700"/>
+          </a:xfrm>
+          <a:prstGeom prst="roundRect">
+            <a:avLst/>
+          </a:prstGeom>
+          <a:solidFill>
+            <a:srgbClr val="FFFF00"/>
+          </a:solidFill>
+          <a:ln w="28575">
+            <a:solidFill>
+              <a:srgbClr val="FF0000"/>
+            </a:solidFill>
+          </a:ln>
+        </p:spPr>
+        <p:style>
+          <a:lnRef idx="2">
+            <a:schemeClr val="accent1">
+              <a:shade val="50000"/>
+            </a:schemeClr>
+          </a:lnRef>
+          <a:fillRef idx="1">
+            <a:schemeClr val="accent1"/>
+          </a:fillRef>
+          <a:effectRef idx="0">
+            <a:schemeClr val="accent1"/>
+          </a:effectRef>
+          <a:fontRef idx="minor">
+            <a:schemeClr val="lt1"/>
+          </a:fontRef>
+        </p:style>
+        <p:txBody>
+          <a:bodyPr rtlCol="0" anchor="ctr"/>
+          <a:lstStyle/>
+          <a:p>
+            <a:pPr algn="ctr"/>
+            <a:r>
+              <a:rPr lang="en-US" sz="1800" dirty="0">
+                <a:solidFill>
+                  <a:srgbClr val="FF0000"/>
+                </a:solidFill>
+              </a:rPr>
+              <a:t>1</a:t>
+            </a:r>
+            <a:endParaRPr lang="th-TH" sz="1800" dirty="0">
+              <a:solidFill>
+                <a:srgbClr val="FF0000"/>
+              </a:solidFill>
+            </a:endParaRPr>
+          </a:p>
+        </p:txBody>
+      </p:sp>
+      <p:cxnSp>
+        <p:nvCxnSpPr>
+          <p:cNvPr id="5" name="ลูกศรเชื่อมต่อแบบตรง 4">
+            <a:extLst>
+              <a:ext uri="{FF2B5EF4-FFF2-40B4-BE49-F238E27FC236}">
+                <a16:creationId xmlns:a16="http://schemas.microsoft.com/office/drawing/2014/main" id="{CAB1029D-7240-F8DA-2A34-078FD57D4A59}"/>
+              </a:ext>
+            </a:extLst>
+          </p:cNvPr>
+          <p:cNvCxnSpPr>
+            <a:cxnSpLocks/>
+            <a:stCxn id="4" idx="1"/>
+          </p:cNvCxnSpPr>
+          <p:nvPr/>
+        </p:nvCxnSpPr>
+        <p:spPr>
+          <a:xfrm flipH="1">
+            <a:off x="4267200" y="2771935"/>
+            <a:ext cx="505203" cy="0"/>
+          </a:xfrm>
+          <a:prstGeom prst="straightConnector1">
+            <a:avLst/>
+          </a:prstGeom>
+          <a:ln w="28575" cap="flat" cmpd="sng" algn="ctr">
+            <a:solidFill>
+              <a:srgbClr val="FF0000"/>
+            </a:solidFill>
+            <a:prstDash val="solid"/>
+            <a:round/>
+            <a:headEnd type="none" w="med" len="med"/>
+            <a:tailEnd type="arrow" w="med" len="med"/>
+          </a:ln>
+        </p:spPr>
+        <p:style>
+          <a:lnRef idx="0">
+            <a:scrgbClr r="0" g="0" b="0"/>
+          </a:lnRef>
+          <a:fillRef idx="0">
+            <a:scrgbClr r="0" g="0" b="0"/>
+          </a:fillRef>
+          <a:effectRef idx="0">
+            <a:scrgbClr r="0" g="0" b="0"/>
+          </a:effectRef>
+          <a:fontRef idx="minor">
+            <a:schemeClr val="tx1"/>
+          </a:fontRef>
+        </p:style>
+      </p:cxnSp>
+      <p:sp>
+        <p:nvSpPr>
+          <p:cNvPr id="6" name="สี่เหลี่ยมผืนผ้า: มุมมน 5">
+            <a:extLst>
+              <a:ext uri="{FF2B5EF4-FFF2-40B4-BE49-F238E27FC236}">
+                <a16:creationId xmlns:a16="http://schemas.microsoft.com/office/drawing/2014/main" id="{F2E54EE5-85C4-DDB7-DBA2-116BD3F71D77}"/>
+              </a:ext>
+            </a:extLst>
+          </p:cNvPr>
+          <p:cNvSpPr/>
+          <p:nvPr/>
+        </p:nvSpPr>
+        <p:spPr>
+          <a:xfrm>
+            <a:off x="4894100" y="3343785"/>
+            <a:ext cx="463550" cy="266700"/>
+          </a:xfrm>
+          <a:prstGeom prst="roundRect">
+            <a:avLst/>
+          </a:prstGeom>
+          <a:solidFill>
+            <a:srgbClr val="FFFF00"/>
+          </a:solidFill>
+          <a:ln w="28575">
+            <a:solidFill>
+              <a:srgbClr val="FF0000"/>
+            </a:solidFill>
+          </a:ln>
+        </p:spPr>
+        <p:style>
+          <a:lnRef idx="2">
+            <a:schemeClr val="accent1">
+              <a:shade val="50000"/>
+            </a:schemeClr>
+          </a:lnRef>
+          <a:fillRef idx="1">
+            <a:schemeClr val="accent1"/>
+          </a:fillRef>
+          <a:effectRef idx="0">
+            <a:schemeClr val="accent1"/>
+          </a:effectRef>
+          <a:fontRef idx="minor">
+            <a:schemeClr val="lt1"/>
+          </a:fontRef>
+        </p:style>
+        <p:txBody>
+          <a:bodyPr rtlCol="0" anchor="ctr"/>
+          <a:lstStyle/>
+          <a:p>
+            <a:pPr algn="ctr"/>
+            <a:r>
+              <a:rPr lang="en-US" sz="1800" dirty="0">
+                <a:solidFill>
+                  <a:srgbClr val="FF0000"/>
+                </a:solidFill>
+              </a:rPr>
+              <a:t>2</a:t>
+            </a:r>
+            <a:endParaRPr lang="th-TH" sz="1800" dirty="0">
+              <a:solidFill>
+                <a:srgbClr val="FF0000"/>
+              </a:solidFill>
+            </a:endParaRPr>
+          </a:p>
+        </p:txBody>
+      </p:sp>
+      <p:cxnSp>
+        <p:nvCxnSpPr>
+          <p:cNvPr id="7" name="ลูกศรเชื่อมต่อแบบตรง 6">
+            <a:extLst>
+              <a:ext uri="{FF2B5EF4-FFF2-40B4-BE49-F238E27FC236}">
+                <a16:creationId xmlns:a16="http://schemas.microsoft.com/office/drawing/2014/main" id="{3AB26311-2128-7662-9BA5-20CC275FCB07}"/>
+              </a:ext>
+            </a:extLst>
+          </p:cNvPr>
+          <p:cNvCxnSpPr>
+            <a:cxnSpLocks/>
+            <a:stCxn id="6" idx="1"/>
+          </p:cNvCxnSpPr>
+          <p:nvPr/>
+        </p:nvCxnSpPr>
+        <p:spPr>
+          <a:xfrm flipH="1">
+            <a:off x="4334253" y="3477135"/>
+            <a:ext cx="559847" cy="0"/>
+          </a:xfrm>
+          <a:prstGeom prst="straightConnector1">
+            <a:avLst/>
+          </a:prstGeom>
+          <a:ln w="28575" cap="flat" cmpd="sng" algn="ctr">
+            <a:solidFill>
+              <a:srgbClr val="FF0000"/>
+            </a:solidFill>
+            <a:prstDash val="solid"/>
+            <a:round/>
+            <a:headEnd type="none" w="med" len="med"/>
+            <a:tailEnd type="arrow" w="med" len="med"/>
+          </a:ln>
+        </p:spPr>
+        <p:style>
+          <a:lnRef idx="0">
+            <a:scrgbClr r="0" g="0" b="0"/>
+          </a:lnRef>
+          <a:fillRef idx="0">
+            <a:scrgbClr r="0" g="0" b="0"/>
+          </a:fillRef>
+          <a:effectRef idx="0">
+            <a:scrgbClr r="0" g="0" b="0"/>
+          </a:effectRef>
+          <a:fontRef idx="minor">
+            <a:schemeClr val="tx1"/>
+          </a:fontRef>
+        </p:style>
+      </p:cxnSp>
+      <p:sp>
+        <p:nvSpPr>
+          <p:cNvPr id="12" name="สี่เหลี่ยมผืนผ้า: มุมมน 11">
+            <a:extLst>
+              <a:ext uri="{FF2B5EF4-FFF2-40B4-BE49-F238E27FC236}">
+                <a16:creationId xmlns:a16="http://schemas.microsoft.com/office/drawing/2014/main" id="{0A1FDA1E-200E-37C6-B6D9-694E31D22AA8}"/>
+              </a:ext>
+            </a:extLst>
+          </p:cNvPr>
+          <p:cNvSpPr/>
+          <p:nvPr/>
+        </p:nvSpPr>
+        <p:spPr>
+          <a:xfrm>
+            <a:off x="5560850" y="3772410"/>
+            <a:ext cx="463550" cy="266700"/>
+          </a:xfrm>
+          <a:prstGeom prst="roundRect">
+            <a:avLst/>
+          </a:prstGeom>
+          <a:solidFill>
+            <a:srgbClr val="FFFF00"/>
+          </a:solidFill>
+          <a:ln w="28575">
+            <a:solidFill>
+              <a:srgbClr val="FF0000"/>
+            </a:solidFill>
+          </a:ln>
+        </p:spPr>
+        <p:style>
+          <a:lnRef idx="2">
+            <a:schemeClr val="accent1">
+              <a:shade val="50000"/>
+            </a:schemeClr>
+          </a:lnRef>
+          <a:fillRef idx="1">
+            <a:schemeClr val="accent1"/>
+          </a:fillRef>
+          <a:effectRef idx="0">
+            <a:schemeClr val="accent1"/>
+          </a:effectRef>
+          <a:fontRef idx="minor">
+            <a:schemeClr val="lt1"/>
+          </a:fontRef>
+        </p:style>
+        <p:txBody>
+          <a:bodyPr rtlCol="0" anchor="ctr"/>
+          <a:lstStyle/>
+          <a:p>
+            <a:pPr algn="ctr"/>
+            <a:r>
+              <a:rPr lang="en-US" sz="1800" dirty="0">
+                <a:solidFill>
+                  <a:srgbClr val="FF0000"/>
+                </a:solidFill>
+              </a:rPr>
+              <a:t>3</a:t>
+            </a:r>
+            <a:endParaRPr lang="th-TH" sz="1800" dirty="0">
+              <a:solidFill>
+                <a:srgbClr val="FF0000"/>
+              </a:solidFill>
+            </a:endParaRPr>
+          </a:p>
+        </p:txBody>
+      </p:sp>
+      <p:cxnSp>
+        <p:nvCxnSpPr>
+          <p:cNvPr id="13" name="ลูกศรเชื่อมต่อแบบตรง 12">
+            <a:extLst>
+              <a:ext uri="{FF2B5EF4-FFF2-40B4-BE49-F238E27FC236}">
+                <a16:creationId xmlns:a16="http://schemas.microsoft.com/office/drawing/2014/main" id="{5E6CE9BA-918C-4AC8-405E-28262E6328AE}"/>
+              </a:ext>
+            </a:extLst>
+          </p:cNvPr>
+          <p:cNvCxnSpPr>
+            <a:cxnSpLocks/>
+            <a:stCxn id="12" idx="1"/>
+          </p:cNvCxnSpPr>
+          <p:nvPr/>
+        </p:nvCxnSpPr>
+        <p:spPr>
+          <a:xfrm flipH="1">
+            <a:off x="5001003" y="3905760"/>
+            <a:ext cx="559847" cy="0"/>
+          </a:xfrm>
+          <a:prstGeom prst="straightConnector1">
+            <a:avLst/>
+          </a:prstGeom>
+          <a:ln w="28575" cap="flat" cmpd="sng" algn="ctr">
+            <a:solidFill>
+              <a:srgbClr val="FF0000"/>
+            </a:solidFill>
+            <a:prstDash val="solid"/>
+            <a:round/>
+            <a:headEnd type="none" w="med" len="med"/>
+            <a:tailEnd type="arrow" w="med" len="med"/>
+          </a:ln>
+        </p:spPr>
+        <p:style>
+          <a:lnRef idx="0">
+            <a:scrgbClr r="0" g="0" b="0"/>
+          </a:lnRef>
+          <a:fillRef idx="0">
+            <a:scrgbClr r="0" g="0" b="0"/>
+          </a:fillRef>
+          <a:effectRef idx="0">
+            <a:scrgbClr r="0" g="0" b="0"/>
+          </a:effectRef>
+          <a:fontRef idx="minor">
+            <a:schemeClr val="tx1"/>
+          </a:fontRef>
+        </p:style>
+      </p:cxnSp>
+      <p:sp>
+        <p:nvSpPr>
+          <p:cNvPr id="14" name="สี่เหลี่ยมผืนผ้า: มุมมน 13">
+            <a:extLst>
+              <a:ext uri="{FF2B5EF4-FFF2-40B4-BE49-F238E27FC236}">
+                <a16:creationId xmlns:a16="http://schemas.microsoft.com/office/drawing/2014/main" id="{F667B7B9-9DCA-726F-2581-A2537F84FEFC}"/>
+              </a:ext>
+            </a:extLst>
+          </p:cNvPr>
+          <p:cNvSpPr/>
+          <p:nvPr/>
+        </p:nvSpPr>
+        <p:spPr>
+          <a:xfrm>
+            <a:off x="7397597" y="3905760"/>
+            <a:ext cx="463550" cy="266700"/>
+          </a:xfrm>
+          <a:prstGeom prst="roundRect">
+            <a:avLst/>
+          </a:prstGeom>
+          <a:solidFill>
+            <a:srgbClr val="FFFF00"/>
+          </a:solidFill>
+          <a:ln w="28575">
+            <a:solidFill>
+              <a:srgbClr val="FF0000"/>
+            </a:solidFill>
+          </a:ln>
+        </p:spPr>
+        <p:style>
+          <a:lnRef idx="2">
+            <a:schemeClr val="accent1">
+              <a:shade val="50000"/>
+            </a:schemeClr>
+          </a:lnRef>
+          <a:fillRef idx="1">
+            <a:schemeClr val="accent1"/>
+          </a:fillRef>
+          <a:effectRef idx="0">
+            <a:schemeClr val="accent1"/>
+          </a:effectRef>
+          <a:fontRef idx="minor">
+            <a:schemeClr val="lt1"/>
+          </a:fontRef>
+        </p:style>
+        <p:txBody>
+          <a:bodyPr rtlCol="0" anchor="ctr"/>
+          <a:lstStyle/>
+          <a:p>
+            <a:pPr algn="ctr"/>
+            <a:r>
+              <a:rPr lang="en-US" sz="1800" dirty="0">
+                <a:solidFill>
+                  <a:srgbClr val="FF0000"/>
+                </a:solidFill>
+              </a:rPr>
+              <a:t>4</a:t>
+            </a:r>
+            <a:endParaRPr lang="th-TH" sz="1800" dirty="0">
+              <a:solidFill>
+                <a:srgbClr val="FF0000"/>
+              </a:solidFill>
+            </a:endParaRPr>
+          </a:p>
+        </p:txBody>
+      </p:sp>
+      <p:cxnSp>
+        <p:nvCxnSpPr>
+          <p:cNvPr id="15" name="ลูกศรเชื่อมต่อแบบตรง 14">
+            <a:extLst>
+              <a:ext uri="{FF2B5EF4-FFF2-40B4-BE49-F238E27FC236}">
+                <a16:creationId xmlns:a16="http://schemas.microsoft.com/office/drawing/2014/main" id="{D9C591F8-26DE-56CB-AA36-B6DD5C04E628}"/>
+              </a:ext>
+            </a:extLst>
+          </p:cNvPr>
+          <p:cNvCxnSpPr>
+            <a:cxnSpLocks/>
+            <a:stCxn id="14" idx="1"/>
+          </p:cNvCxnSpPr>
+          <p:nvPr/>
+        </p:nvCxnSpPr>
+        <p:spPr>
+          <a:xfrm flipH="1">
+            <a:off x="7162800" y="4039110"/>
+            <a:ext cx="234797" cy="342390"/>
+          </a:xfrm>
+          <a:prstGeom prst="straightConnector1">
+            <a:avLst/>
+          </a:prstGeom>
+          <a:ln w="28575" cap="flat" cmpd="sng" algn="ctr">
+            <a:solidFill>
+              <a:srgbClr val="FF0000"/>
+            </a:solidFill>
+            <a:prstDash val="solid"/>
+            <a:round/>
+            <a:headEnd type="none" w="med" len="med"/>
+            <a:tailEnd type="arrow" w="med" len="med"/>
+          </a:ln>
+        </p:spPr>
+        <p:style>
+          <a:lnRef idx="0">
+            <a:scrgbClr r="0" g="0" b="0"/>
+          </a:lnRef>
+          <a:fillRef idx="0">
+            <a:scrgbClr r="0" g="0" b="0"/>
+          </a:fillRef>
+          <a:effectRef idx="0">
+            <a:scrgbClr r="0" g="0" b="0"/>
+          </a:effectRef>
+          <a:fontRef idx="minor">
+            <a:schemeClr val="tx1"/>
+          </a:fontRef>
+        </p:style>
+      </p:cxnSp>
+    </p:spTree>
+    <p:extLst>
+      <p:ext uri="{BB962C8B-B14F-4D97-AF65-F5344CB8AC3E}">
+        <p14:creationId xmlns:p14="http://schemas.microsoft.com/office/powerpoint/2010/main" val="3226467032"/>
+      </p:ext>
+    </p:extLst>
+  </p:cSld>
+  <p:clrMapOvr>
+    <a:masterClrMapping/>
+  </p:clrMapOvr>
+</p:sld>
+</file>
+
+<file path=ppt/slides/slide22.xml><?xml version="1.0" encoding="utf-8"?>
+<p:sld xmlns:a="http://schemas.openxmlformats.org/drawingml/2006/main" xmlns:r="http://schemas.openxmlformats.org/officeDocument/2006/relationships" xmlns:p="http://schemas.openxmlformats.org/presentationml/2006/main">
+  <p:cSld>
+    <p:spTree>
+      <p:nvGrpSpPr>
+        <p:cNvPr id="1" name=""/>
+        <p:cNvGrpSpPr/>
+        <p:nvPr/>
+      </p:nvGrpSpPr>
+      <p:grpSpPr>
+        <a:xfrm>
+          <a:off x="0" y="0"/>
+          <a:ext cx="0" cy="0"/>
+          <a:chOff x="0" y="0"/>
+          <a:chExt cx="0" cy="0"/>
+        </a:xfrm>
+      </p:grpSpPr>
+      <p:pic>
+        <p:nvPicPr>
+          <p:cNvPr id="8" name="รูปภาพ 7" descr="รูปภาพประกอบด้วย ข้อความ, ภาพหน้าจอ, จอภาพ, หน้าจอ&#10;&#10;คำอธิบายที่สร้างโดยอัตโนมัติ">
+            <a:extLst>
+              <a:ext uri="{FF2B5EF4-FFF2-40B4-BE49-F238E27FC236}">
+                <a16:creationId xmlns:a16="http://schemas.microsoft.com/office/drawing/2014/main" id="{82517C26-6C40-6AB6-6630-0B9800A80093}"/>
+              </a:ext>
+            </a:extLst>
+          </p:cNvPr>
+          <p:cNvPicPr>
+            <a:picLocks noChangeAspect="1"/>
+          </p:cNvPicPr>
+          <p:nvPr/>
+        </p:nvPicPr>
+        <p:blipFill>
+          <a:blip r:embed="rId2">
+            <a:extLst>
+              <a:ext uri="{28A0092B-C50C-407E-A947-70E740481C1C}">
+                <a14:useLocalDpi xmlns:a14="http://schemas.microsoft.com/office/drawing/2010/main" val="0"/>
+              </a:ext>
+            </a:extLst>
+          </a:blip>
+          <a:stretch>
+            <a:fillRect/>
+          </a:stretch>
+        </p:blipFill>
+        <p:spPr>
+          <a:xfrm>
+            <a:off x="1961573" y="413916"/>
+            <a:ext cx="8268854" cy="6030167"/>
+          </a:xfrm>
+          <a:prstGeom prst="rect">
+            <a:avLst/>
+          </a:prstGeom>
+        </p:spPr>
+      </p:pic>
+      <p:sp>
+        <p:nvSpPr>
+          <p:cNvPr id="6" name="สี่เหลี่ยมผืนผ้า: มุมมน 5">
+            <a:extLst>
+              <a:ext uri="{FF2B5EF4-FFF2-40B4-BE49-F238E27FC236}">
+                <a16:creationId xmlns:a16="http://schemas.microsoft.com/office/drawing/2014/main" id="{0ADB952F-04D1-20D3-09E0-04A998B35E39}"/>
+              </a:ext>
+            </a:extLst>
+          </p:cNvPr>
+          <p:cNvSpPr/>
+          <p:nvPr/>
+        </p:nvSpPr>
+        <p:spPr>
+          <a:xfrm>
+            <a:off x="2124075" y="1628775"/>
+            <a:ext cx="7781925" cy="4562475"/>
+          </a:xfrm>
+          <a:prstGeom prst="roundRect">
+            <a:avLst>
+              <a:gd name="adj" fmla="val 3841"/>
+            </a:avLst>
+          </a:prstGeom>
+          <a:noFill/>
+          <a:ln w="28575">
+            <a:solidFill>
+              <a:srgbClr val="FF0000"/>
+            </a:solidFill>
+          </a:ln>
+        </p:spPr>
+        <p:style>
+          <a:lnRef idx="2">
+            <a:schemeClr val="accent1">
+              <a:shade val="50000"/>
+            </a:schemeClr>
+          </a:lnRef>
+          <a:fillRef idx="1">
+            <a:schemeClr val="accent1"/>
+          </a:fillRef>
+          <a:effectRef idx="0">
+            <a:schemeClr val="accent1"/>
+          </a:effectRef>
+          <a:fontRef idx="minor">
+            <a:schemeClr val="lt1"/>
+          </a:fontRef>
+        </p:style>
+        <p:txBody>
+          <a:bodyPr rtlCol="0" anchor="ctr"/>
+          <a:lstStyle/>
+          <a:p>
+            <a:pPr algn="ctr"/>
+            <a:endParaRPr lang="th-TH"/>
+          </a:p>
+        </p:txBody>
+      </p:sp>
+      <p:sp>
+        <p:nvSpPr>
+          <p:cNvPr id="9" name="สี่เหลี่ยมผืนผ้า: มุมมน 8">
+            <a:extLst>
+              <a:ext uri="{FF2B5EF4-FFF2-40B4-BE49-F238E27FC236}">
+                <a16:creationId xmlns:a16="http://schemas.microsoft.com/office/drawing/2014/main" id="{8BADE3AF-7600-9F2F-E288-EAAB3683D29F}"/>
+              </a:ext>
+            </a:extLst>
+          </p:cNvPr>
+          <p:cNvSpPr/>
+          <p:nvPr/>
+        </p:nvSpPr>
+        <p:spPr>
+          <a:xfrm>
+            <a:off x="8115678" y="3648235"/>
+            <a:ext cx="463550" cy="266700"/>
+          </a:xfrm>
+          <a:prstGeom prst="roundRect">
+            <a:avLst/>
+          </a:prstGeom>
+          <a:solidFill>
+            <a:srgbClr val="FFFF00"/>
+          </a:solidFill>
+          <a:ln w="28575">
+            <a:solidFill>
+              <a:srgbClr val="FF0000"/>
+            </a:solidFill>
+          </a:ln>
+        </p:spPr>
+        <p:style>
+          <a:lnRef idx="2">
+            <a:schemeClr val="accent1">
+              <a:shade val="50000"/>
+            </a:schemeClr>
+          </a:lnRef>
+          <a:fillRef idx="1">
+            <a:schemeClr val="accent1"/>
+          </a:fillRef>
+          <a:effectRef idx="0">
+            <a:schemeClr val="accent1"/>
+          </a:effectRef>
+          <a:fontRef idx="minor">
+            <a:schemeClr val="lt1"/>
+          </a:fontRef>
+        </p:style>
+        <p:txBody>
+          <a:bodyPr rtlCol="0" anchor="ctr"/>
+          <a:lstStyle/>
+          <a:p>
+            <a:pPr algn="ctr"/>
+            <a:r>
+              <a:rPr lang="en-US" sz="1800" dirty="0">
+                <a:solidFill>
+                  <a:srgbClr val="FF0000"/>
+                </a:solidFill>
+              </a:rPr>
+              <a:t>1</a:t>
+            </a:r>
+            <a:endParaRPr lang="th-TH" sz="1800" dirty="0">
+              <a:solidFill>
+                <a:srgbClr val="FF0000"/>
+              </a:solidFill>
+            </a:endParaRPr>
+          </a:p>
+        </p:txBody>
+      </p:sp>
+      <p:sp>
+        <p:nvSpPr>
+          <p:cNvPr id="11" name="สี่เหลี่ยมผืนผ้า: มุมมน 10">
+            <a:extLst>
+              <a:ext uri="{FF2B5EF4-FFF2-40B4-BE49-F238E27FC236}">
+                <a16:creationId xmlns:a16="http://schemas.microsoft.com/office/drawing/2014/main" id="{53841982-9397-ABB6-7745-9CD127034789}"/>
+              </a:ext>
+            </a:extLst>
+          </p:cNvPr>
+          <p:cNvSpPr/>
+          <p:nvPr/>
+        </p:nvSpPr>
+        <p:spPr>
+          <a:xfrm>
+            <a:off x="4122575" y="621296"/>
+            <a:ext cx="463550" cy="266700"/>
+          </a:xfrm>
+          <a:prstGeom prst="roundRect">
+            <a:avLst/>
+          </a:prstGeom>
+          <a:solidFill>
+            <a:srgbClr val="FFFF00"/>
+          </a:solidFill>
+          <a:ln w="28575">
+            <a:solidFill>
+              <a:srgbClr val="FF0000"/>
+            </a:solidFill>
+          </a:ln>
+        </p:spPr>
+        <p:style>
+          <a:lnRef idx="2">
+            <a:schemeClr val="accent1">
+              <a:shade val="50000"/>
+            </a:schemeClr>
+          </a:lnRef>
+          <a:fillRef idx="1">
+            <a:schemeClr val="accent1"/>
+          </a:fillRef>
+          <a:effectRef idx="0">
+            <a:schemeClr val="accent1"/>
+          </a:effectRef>
+          <a:fontRef idx="minor">
+            <a:schemeClr val="lt1"/>
+          </a:fontRef>
+        </p:style>
+        <p:txBody>
+          <a:bodyPr rtlCol="0" anchor="ctr"/>
+          <a:lstStyle/>
+          <a:p>
+            <a:pPr algn="ctr"/>
+            <a:r>
+              <a:rPr lang="en-US" sz="1800" dirty="0">
+                <a:solidFill>
+                  <a:srgbClr val="FF0000"/>
+                </a:solidFill>
+              </a:rPr>
+              <a:t>2</a:t>
+            </a:r>
+            <a:endParaRPr lang="th-TH" sz="1800" dirty="0">
+              <a:solidFill>
+                <a:srgbClr val="FF0000"/>
+              </a:solidFill>
+            </a:endParaRPr>
+          </a:p>
+        </p:txBody>
+      </p:sp>
+      <p:cxnSp>
+        <p:nvCxnSpPr>
+          <p:cNvPr id="12" name="ลูกศรเชื่อมต่อแบบตรง 11">
+            <a:extLst>
+              <a:ext uri="{FF2B5EF4-FFF2-40B4-BE49-F238E27FC236}">
+                <a16:creationId xmlns:a16="http://schemas.microsoft.com/office/drawing/2014/main" id="{6EB8B861-F5C9-15EC-6E6B-AE382B72C7E5}"/>
+              </a:ext>
+            </a:extLst>
+          </p:cNvPr>
+          <p:cNvCxnSpPr>
+            <a:cxnSpLocks/>
+            <a:stCxn id="11" idx="1"/>
+          </p:cNvCxnSpPr>
+          <p:nvPr/>
+        </p:nvCxnSpPr>
+        <p:spPr>
+          <a:xfrm flipH="1">
+            <a:off x="3562728" y="754646"/>
+            <a:ext cx="559847" cy="0"/>
+          </a:xfrm>
+          <a:prstGeom prst="straightConnector1">
+            <a:avLst/>
+          </a:prstGeom>
+          <a:ln w="28575" cap="flat" cmpd="sng" algn="ctr">
+            <a:solidFill>
+              <a:srgbClr val="FF0000"/>
+            </a:solidFill>
+            <a:prstDash val="solid"/>
+            <a:round/>
+            <a:headEnd type="none" w="med" len="med"/>
+            <a:tailEnd type="arrow" w="med" len="med"/>
+          </a:ln>
+        </p:spPr>
+        <p:style>
+          <a:lnRef idx="0">
+            <a:scrgbClr r="0" g="0" b="0"/>
+          </a:lnRef>
+          <a:fillRef idx="0">
+            <a:scrgbClr r="0" g="0" b="0"/>
+          </a:fillRef>
+          <a:effectRef idx="0">
+            <a:scrgbClr r="0" g="0" b="0"/>
+          </a:effectRef>
+          <a:fontRef idx="minor">
+            <a:schemeClr val="tx1"/>
+          </a:fontRef>
+        </p:style>
+      </p:cxnSp>
+    </p:spTree>
+    <p:extLst>
+      <p:ext uri="{BB962C8B-B14F-4D97-AF65-F5344CB8AC3E}">
+        <p14:creationId xmlns:p14="http://schemas.microsoft.com/office/powerpoint/2010/main" val="2610029443"/>
+      </p:ext>
+    </p:extLst>
+  </p:cSld>
+  <p:clrMapOvr>
+    <a:masterClrMapping/>
+  </p:clrMapOvr>
+</p:sld>
+</file>
+
+<file path=ppt/slides/slide23.xml><?xml version="1.0" encoding="utf-8"?>
+<p:sld xmlns:a="http://schemas.openxmlformats.org/drawingml/2006/main" xmlns:r="http://schemas.openxmlformats.org/officeDocument/2006/relationships" xmlns:p="http://schemas.openxmlformats.org/presentationml/2006/main">
+  <p:cSld>
+    <p:spTree>
+      <p:nvGrpSpPr>
+        <p:cNvPr id="1" name=""/>
+        <p:cNvGrpSpPr/>
+        <p:nvPr/>
+      </p:nvGrpSpPr>
+      <p:grpSpPr>
+        <a:xfrm>
+          <a:off x="0" y="0"/>
+          <a:ext cx="0" cy="0"/>
+          <a:chOff x="0" y="0"/>
+          <a:chExt cx="0" cy="0"/>
+        </a:xfrm>
+      </p:grpSpPr>
+      <p:pic>
+        <p:nvPicPr>
+          <p:cNvPr id="3" name="รูปภาพ 2">
+            <a:extLst>
+              <a:ext uri="{FF2B5EF4-FFF2-40B4-BE49-F238E27FC236}">
+                <a16:creationId xmlns:a16="http://schemas.microsoft.com/office/drawing/2014/main" id="{82717016-5F28-493B-5666-76A5EAF514E9}"/>
+              </a:ext>
+            </a:extLst>
+          </p:cNvPr>
+          <p:cNvPicPr>
+            <a:picLocks noChangeAspect="1"/>
+          </p:cNvPicPr>
+          <p:nvPr/>
+        </p:nvPicPr>
+        <p:blipFill>
+          <a:blip r:embed="rId2">
+            <a:extLst>
+              <a:ext uri="{28A0092B-C50C-407E-A947-70E740481C1C}">
+                <a14:useLocalDpi xmlns:a14="http://schemas.microsoft.com/office/drawing/2010/main" val="0"/>
+              </a:ext>
+            </a:extLst>
+          </a:blip>
+          <a:stretch>
+            <a:fillRect/>
+          </a:stretch>
+        </p:blipFill>
+        <p:spPr>
+          <a:xfrm>
+            <a:off x="2275942" y="1137918"/>
+            <a:ext cx="7640116" cy="4582164"/>
+          </a:xfrm>
+          <a:prstGeom prst="rect">
+            <a:avLst/>
+          </a:prstGeom>
+        </p:spPr>
+      </p:pic>
+    </p:spTree>
+    <p:extLst>
+      <p:ext uri="{BB962C8B-B14F-4D97-AF65-F5344CB8AC3E}">
+        <p14:creationId xmlns:p14="http://schemas.microsoft.com/office/powerpoint/2010/main" val="899545365"/>
+      </p:ext>
+    </p:extLst>
+  </p:cSld>
+  <p:clrMapOvr>
+    <a:masterClrMapping/>
+  </p:clrMapOvr>
+</p:sld>
+</file>
+
+<file path=ppt/slides/slide24.xml><?xml version="1.0" encoding="utf-8"?>
+<p:sld xmlns:a="http://schemas.openxmlformats.org/drawingml/2006/main" xmlns:r="http://schemas.openxmlformats.org/officeDocument/2006/relationships" xmlns:p="http://schemas.openxmlformats.org/presentationml/2006/main">
+  <p:cSld>
+    <p:spTree>
+      <p:nvGrpSpPr>
+        <p:cNvPr id="1" name=""/>
+        <p:cNvGrpSpPr/>
+        <p:nvPr/>
+      </p:nvGrpSpPr>
+      <p:grpSpPr>
+        <a:xfrm>
+          <a:off x="0" y="0"/>
+          <a:ext cx="0" cy="0"/>
+          <a:chOff x="0" y="0"/>
+          <a:chExt cx="0" cy="0"/>
+        </a:xfrm>
+      </p:grpSpPr>
+      <p:sp>
+        <p:nvSpPr>
+          <p:cNvPr id="4" name="สี่เหลี่ยมผืนผ้า 3">
+            <a:extLst>
+              <a:ext uri="{FF2B5EF4-FFF2-40B4-BE49-F238E27FC236}">
+                <a16:creationId xmlns:a16="http://schemas.microsoft.com/office/drawing/2014/main" id="{FA6E4C0A-425E-2307-7ACA-B30702ADC80B}"/>
+              </a:ext>
+            </a:extLst>
+          </p:cNvPr>
+          <p:cNvSpPr/>
+          <p:nvPr/>
+        </p:nvSpPr>
+        <p:spPr>
+          <a:xfrm>
+            <a:off x="3833498" y="1599944"/>
+            <a:ext cx="4824728" cy="4143631"/>
+          </a:xfrm>
+          <a:prstGeom prst="rect">
+            <a:avLst/>
+          </a:prstGeom>
+          <a:solidFill>
+            <a:srgbClr val="1F1F1F"/>
+          </a:solidFill>
+        </p:spPr>
+        <p:style>
+          <a:lnRef idx="2">
+            <a:schemeClr val="accent1">
+              <a:shade val="50000"/>
+            </a:schemeClr>
+          </a:lnRef>
+          <a:fillRef idx="1">
+            <a:schemeClr val="accent1"/>
+          </a:fillRef>
+          <a:effectRef idx="0">
+            <a:schemeClr val="accent1"/>
+          </a:effectRef>
+          <a:fontRef idx="minor">
+            <a:schemeClr val="lt1"/>
+          </a:fontRef>
+        </p:style>
+        <p:txBody>
+          <a:bodyPr rtlCol="0" anchor="ctr"/>
+          <a:lstStyle/>
+          <a:p>
+            <a:pPr algn="ctr"/>
+            <a:endParaRPr lang="th-TH"/>
+          </a:p>
+        </p:txBody>
+      </p:sp>
+      <p:pic>
+        <p:nvPicPr>
+          <p:cNvPr id="3" name="รูปภาพ 2" descr="รูปภาพประกอบด้วย ข้อความ&#10;&#10;คำอธิบายที่สร้างโดยอัตโนมัติ">
+            <a:extLst>
+              <a:ext uri="{FF2B5EF4-FFF2-40B4-BE49-F238E27FC236}">
+                <a16:creationId xmlns:a16="http://schemas.microsoft.com/office/drawing/2014/main" id="{6BA5F731-18AD-DB73-8207-B8750B9531B6}"/>
+              </a:ext>
+            </a:extLst>
+          </p:cNvPr>
+          <p:cNvPicPr>
+            <a:picLocks noChangeAspect="1"/>
+          </p:cNvPicPr>
+          <p:nvPr/>
+        </p:nvPicPr>
+        <p:blipFill>
+          <a:blip r:embed="rId2">
+            <a:extLst>
+              <a:ext uri="{28A0092B-C50C-407E-A947-70E740481C1C}">
+                <a14:useLocalDpi xmlns:a14="http://schemas.microsoft.com/office/drawing/2010/main" val="0"/>
+              </a:ext>
+            </a:extLst>
+          </a:blip>
+          <a:stretch>
+            <a:fillRect/>
+          </a:stretch>
+        </p:blipFill>
+        <p:spPr>
+          <a:xfrm>
+            <a:off x="4285997" y="1652339"/>
+            <a:ext cx="3620005" cy="3553321"/>
+          </a:xfrm>
+          <a:prstGeom prst="rect">
+            <a:avLst/>
+          </a:prstGeom>
+        </p:spPr>
+      </p:pic>
+      <p:sp>
+        <p:nvSpPr>
+          <p:cNvPr id="5" name="สี่เหลี่ยมผืนผ้า: มุมมน 4">
+            <a:extLst>
+              <a:ext uri="{FF2B5EF4-FFF2-40B4-BE49-F238E27FC236}">
+                <a16:creationId xmlns:a16="http://schemas.microsoft.com/office/drawing/2014/main" id="{0FA13416-21D9-4DA0-244B-08D7819B1D9D}"/>
+              </a:ext>
+            </a:extLst>
+          </p:cNvPr>
+          <p:cNvSpPr/>
+          <p:nvPr/>
+        </p:nvSpPr>
+        <p:spPr>
+          <a:xfrm>
+            <a:off x="7169150" y="5325065"/>
+            <a:ext cx="463550" cy="266700"/>
+          </a:xfrm>
+          <a:prstGeom prst="roundRect">
+            <a:avLst/>
+          </a:prstGeom>
+          <a:solidFill>
+            <a:srgbClr val="FFFF00"/>
+          </a:solidFill>
+          <a:ln w="28575">
+            <a:solidFill>
+              <a:srgbClr val="FF0000"/>
+            </a:solidFill>
+          </a:ln>
+        </p:spPr>
+        <p:style>
+          <a:lnRef idx="2">
+            <a:schemeClr val="accent1">
+              <a:shade val="50000"/>
+            </a:schemeClr>
+          </a:lnRef>
+          <a:fillRef idx="1">
+            <a:schemeClr val="accent1"/>
+          </a:fillRef>
+          <a:effectRef idx="0">
+            <a:schemeClr val="accent1"/>
+          </a:effectRef>
+          <a:fontRef idx="minor">
+            <a:schemeClr val="lt1"/>
+          </a:fontRef>
+        </p:style>
+        <p:txBody>
+          <a:bodyPr rtlCol="0" anchor="ctr"/>
+          <a:lstStyle/>
+          <a:p>
+            <a:pPr algn="ctr"/>
+            <a:r>
+              <a:rPr lang="en-US" sz="1800" dirty="0">
+                <a:solidFill>
+                  <a:srgbClr val="FF0000"/>
+                </a:solidFill>
+              </a:rPr>
+              <a:t>1</a:t>
+            </a:r>
+            <a:endParaRPr lang="th-TH" sz="1800" dirty="0">
+              <a:solidFill>
+                <a:srgbClr val="FF0000"/>
+              </a:solidFill>
+            </a:endParaRPr>
+          </a:p>
+        </p:txBody>
+      </p:sp>
+      <p:cxnSp>
+        <p:nvCxnSpPr>
+          <p:cNvPr id="6" name="ลูกศรเชื่อมต่อแบบตรง 5">
+            <a:extLst>
+              <a:ext uri="{FF2B5EF4-FFF2-40B4-BE49-F238E27FC236}">
+                <a16:creationId xmlns:a16="http://schemas.microsoft.com/office/drawing/2014/main" id="{2444071F-2548-E38B-EE97-44D85168A417}"/>
+              </a:ext>
+            </a:extLst>
+          </p:cNvPr>
+          <p:cNvCxnSpPr>
+            <a:cxnSpLocks/>
+            <a:stCxn id="5" idx="0"/>
+          </p:cNvCxnSpPr>
+          <p:nvPr/>
+        </p:nvCxnSpPr>
+        <p:spPr>
+          <a:xfrm flipH="1" flipV="1">
+            <a:off x="7283450" y="5016500"/>
+            <a:ext cx="117475" cy="308565"/>
+          </a:xfrm>
+          <a:prstGeom prst="straightConnector1">
+            <a:avLst/>
+          </a:prstGeom>
+          <a:ln w="28575" cap="flat" cmpd="sng" algn="ctr">
+            <a:solidFill>
+              <a:srgbClr val="FF0000"/>
+            </a:solidFill>
+            <a:prstDash val="solid"/>
+            <a:round/>
+            <a:headEnd type="none" w="med" len="med"/>
+            <a:tailEnd type="arrow" w="med" len="med"/>
+          </a:ln>
+        </p:spPr>
+        <p:style>
+          <a:lnRef idx="0">
+            <a:scrgbClr r="0" g="0" b="0"/>
+          </a:lnRef>
+          <a:fillRef idx="0">
+            <a:scrgbClr r="0" g="0" b="0"/>
+          </a:fillRef>
+          <a:effectRef idx="0">
+            <a:scrgbClr r="0" g="0" b="0"/>
+          </a:effectRef>
+          <a:fontRef idx="minor">
+            <a:schemeClr val="tx1"/>
+          </a:fontRef>
+        </p:style>
+      </p:cxnSp>
+      <p:sp>
+        <p:nvSpPr>
+          <p:cNvPr id="7" name="สี่เหลี่ยมผืนผ้า: มุมมน 6">
+            <a:extLst>
+              <a:ext uri="{FF2B5EF4-FFF2-40B4-BE49-F238E27FC236}">
+                <a16:creationId xmlns:a16="http://schemas.microsoft.com/office/drawing/2014/main" id="{D363DE86-64A2-5CFE-040B-913DD6708E72}"/>
+              </a:ext>
+            </a:extLst>
+          </p:cNvPr>
+          <p:cNvSpPr/>
+          <p:nvPr/>
+        </p:nvSpPr>
+        <p:spPr>
+          <a:xfrm>
+            <a:off x="6270625" y="2664080"/>
+            <a:ext cx="463550" cy="266700"/>
+          </a:xfrm>
+          <a:prstGeom prst="roundRect">
+            <a:avLst/>
+          </a:prstGeom>
+          <a:solidFill>
+            <a:srgbClr val="FFFF00"/>
+          </a:solidFill>
+          <a:ln w="28575">
+            <a:solidFill>
+              <a:srgbClr val="FF0000"/>
+            </a:solidFill>
+          </a:ln>
+        </p:spPr>
+        <p:style>
+          <a:lnRef idx="2">
+            <a:schemeClr val="accent1">
+              <a:shade val="50000"/>
+            </a:schemeClr>
+          </a:lnRef>
+          <a:fillRef idx="1">
+            <a:schemeClr val="accent1"/>
+          </a:fillRef>
+          <a:effectRef idx="0">
+            <a:schemeClr val="accent1"/>
+          </a:effectRef>
+          <a:fontRef idx="minor">
+            <a:schemeClr val="lt1"/>
+          </a:fontRef>
+        </p:style>
+        <p:txBody>
+          <a:bodyPr rtlCol="0" anchor="ctr"/>
+          <a:lstStyle/>
+          <a:p>
+            <a:pPr algn="ctr"/>
+            <a:r>
+              <a:rPr lang="en-US" sz="1800" dirty="0">
+                <a:solidFill>
+                  <a:srgbClr val="FF0000"/>
+                </a:solidFill>
+              </a:rPr>
+              <a:t>2</a:t>
+            </a:r>
+            <a:endParaRPr lang="th-TH" sz="1800" dirty="0">
+              <a:solidFill>
+                <a:srgbClr val="FF0000"/>
+              </a:solidFill>
+            </a:endParaRPr>
+          </a:p>
+        </p:txBody>
+      </p:sp>
+      <p:cxnSp>
+        <p:nvCxnSpPr>
+          <p:cNvPr id="8" name="ลูกศรเชื่อมต่อแบบตรง 7">
+            <a:extLst>
+              <a:ext uri="{FF2B5EF4-FFF2-40B4-BE49-F238E27FC236}">
+                <a16:creationId xmlns:a16="http://schemas.microsoft.com/office/drawing/2014/main" id="{83490A79-ACDC-511B-D3AC-3375A1608242}"/>
+              </a:ext>
+            </a:extLst>
+          </p:cNvPr>
+          <p:cNvCxnSpPr>
+            <a:cxnSpLocks/>
+            <a:stCxn id="7" idx="1"/>
+          </p:cNvCxnSpPr>
+          <p:nvPr/>
+        </p:nvCxnSpPr>
+        <p:spPr>
+          <a:xfrm flipH="1" flipV="1">
+            <a:off x="5441950" y="2597150"/>
+            <a:ext cx="828675" cy="200280"/>
+          </a:xfrm>
+          <a:prstGeom prst="straightConnector1">
+            <a:avLst/>
+          </a:prstGeom>
+          <a:ln w="28575" cap="flat" cmpd="sng" algn="ctr">
+            <a:solidFill>
+              <a:srgbClr val="FF0000"/>
+            </a:solidFill>
+            <a:prstDash val="solid"/>
+            <a:round/>
+            <a:headEnd type="none" w="med" len="med"/>
+            <a:tailEnd type="arrow" w="med" len="med"/>
+          </a:ln>
+        </p:spPr>
+        <p:style>
+          <a:lnRef idx="0">
+            <a:scrgbClr r="0" g="0" b="0"/>
+          </a:lnRef>
+          <a:fillRef idx="0">
+            <a:scrgbClr r="0" g="0" b="0"/>
+          </a:fillRef>
+          <a:effectRef idx="0">
+            <a:scrgbClr r="0" g="0" b="0"/>
+          </a:effectRef>
+          <a:fontRef idx="minor">
+            <a:schemeClr val="tx1"/>
+          </a:fontRef>
+        </p:style>
+      </p:cxnSp>
+      <p:cxnSp>
+        <p:nvCxnSpPr>
+          <p:cNvPr id="15" name="ลูกศรเชื่อมต่อแบบตรง 14">
+            <a:extLst>
+              <a:ext uri="{FF2B5EF4-FFF2-40B4-BE49-F238E27FC236}">
+                <a16:creationId xmlns:a16="http://schemas.microsoft.com/office/drawing/2014/main" id="{BF89E982-9DA9-4FE5-5B33-028511CC9EA2}"/>
+              </a:ext>
+            </a:extLst>
+          </p:cNvPr>
+          <p:cNvCxnSpPr>
+            <a:cxnSpLocks/>
+          </p:cNvCxnSpPr>
+          <p:nvPr/>
+        </p:nvCxnSpPr>
+        <p:spPr>
+          <a:xfrm flipH="1">
+            <a:off x="5441950" y="2797430"/>
+            <a:ext cx="803912" cy="133350"/>
+          </a:xfrm>
+          <a:prstGeom prst="straightConnector1">
+            <a:avLst/>
+          </a:prstGeom>
+          <a:ln w="28575" cap="flat" cmpd="sng" algn="ctr">
+            <a:solidFill>
+              <a:srgbClr val="FF0000"/>
+            </a:solidFill>
+            <a:prstDash val="solid"/>
+            <a:round/>
+            <a:headEnd type="none" w="med" len="med"/>
+            <a:tailEnd type="arrow" w="med" len="med"/>
+          </a:ln>
+        </p:spPr>
+        <p:style>
+          <a:lnRef idx="0">
+            <a:scrgbClr r="0" g="0" b="0"/>
+          </a:lnRef>
+          <a:fillRef idx="0">
+            <a:scrgbClr r="0" g="0" b="0"/>
+          </a:fillRef>
+          <a:effectRef idx="0">
+            <a:scrgbClr r="0" g="0" b="0"/>
+          </a:effectRef>
+          <a:fontRef idx="minor">
+            <a:schemeClr val="tx1"/>
+          </a:fontRef>
+        </p:style>
+      </p:cxnSp>
+      <p:sp>
+        <p:nvSpPr>
+          <p:cNvPr id="20" name="ส่วนโค้ง 19">
+            <a:extLst>
+              <a:ext uri="{FF2B5EF4-FFF2-40B4-BE49-F238E27FC236}">
+                <a16:creationId xmlns:a16="http://schemas.microsoft.com/office/drawing/2014/main" id="{874C12B1-5E43-EED9-F735-D7A6AAFB6CAE}"/>
+              </a:ext>
+            </a:extLst>
+          </p:cNvPr>
+          <p:cNvSpPr/>
+          <p:nvPr/>
+        </p:nvSpPr>
+        <p:spPr>
+          <a:xfrm>
+            <a:off x="5715001" y="2455990"/>
+            <a:ext cx="206375" cy="682879"/>
+          </a:xfrm>
+          <a:prstGeom prst="arc">
+            <a:avLst>
+              <a:gd name="adj1" fmla="val 12634471"/>
+              <a:gd name="adj2" fmla="val 7342341"/>
+            </a:avLst>
+          </a:prstGeom>
+          <a:ln w="19050">
+            <a:solidFill>
+              <a:schemeClr val="accent6">
+                <a:lumMod val="75000"/>
+              </a:schemeClr>
+            </a:solidFill>
+            <a:prstDash val="sysDash"/>
+            <a:headEnd type="arrow" w="med" len="med"/>
+            <a:tailEnd type="arrow" w="med" len="med"/>
+          </a:ln>
+        </p:spPr>
+        <p:style>
+          <a:lnRef idx="1">
+            <a:schemeClr val="accent1"/>
+          </a:lnRef>
+          <a:fillRef idx="0">
+            <a:schemeClr val="accent1"/>
+          </a:fillRef>
+          <a:effectRef idx="0">
+            <a:schemeClr val="accent1"/>
+          </a:effectRef>
+          <a:fontRef idx="minor">
+            <a:schemeClr val="tx1"/>
+          </a:fontRef>
+        </p:style>
+        <p:txBody>
+          <a:bodyPr rtlCol="0" anchor="ctr"/>
+          <a:lstStyle/>
+          <a:p>
+            <a:pPr algn="ctr"/>
+            <a:endParaRPr lang="th-TH"/>
+          </a:p>
+        </p:txBody>
+      </p:sp>
+    </p:spTree>
+    <p:extLst>
+      <p:ext uri="{BB962C8B-B14F-4D97-AF65-F5344CB8AC3E}">
+        <p14:creationId xmlns:p14="http://schemas.microsoft.com/office/powerpoint/2010/main" val="1609542389"/>
+      </p:ext>
+    </p:extLst>
+  </p:cSld>
+  <p:clrMapOvr>
+    <a:masterClrMapping/>
+  </p:clrMapOvr>
+</p:sld>
+</file>
+
+<file path=ppt/slides/slide25.xml><?xml version="1.0" encoding="utf-8"?>
+<p:sld xmlns:a="http://schemas.openxmlformats.org/drawingml/2006/main" xmlns:r="http://schemas.openxmlformats.org/officeDocument/2006/relationships" xmlns:p="http://schemas.openxmlformats.org/presentationml/2006/main">
+  <p:cSld>
+    <p:spTree>
+      <p:nvGrpSpPr>
+        <p:cNvPr id="1" name=""/>
+        <p:cNvGrpSpPr/>
+        <p:nvPr/>
+      </p:nvGrpSpPr>
+      <p:grpSpPr>
+        <a:xfrm>
+          <a:off x="0" y="0"/>
+          <a:ext cx="0" cy="0"/>
+          <a:chOff x="0" y="0"/>
+          <a:chExt cx="0" cy="0"/>
+        </a:xfrm>
+      </p:grpSpPr>
+      <p:sp>
+        <p:nvSpPr>
+          <p:cNvPr id="4" name="สี่เหลี่ยมผืนผ้า 3">
+            <a:extLst>
+              <a:ext uri="{FF2B5EF4-FFF2-40B4-BE49-F238E27FC236}">
+                <a16:creationId xmlns:a16="http://schemas.microsoft.com/office/drawing/2014/main" id="{AB492003-781A-EAC2-E45D-8B93970C93FC}"/>
+              </a:ext>
+            </a:extLst>
+          </p:cNvPr>
+          <p:cNvSpPr/>
+          <p:nvPr/>
+        </p:nvSpPr>
+        <p:spPr>
+          <a:xfrm>
+            <a:off x="3048638" y="312164"/>
+            <a:ext cx="4824728" cy="5875276"/>
+          </a:xfrm>
+          <a:prstGeom prst="rect">
+            <a:avLst/>
+          </a:prstGeom>
+          <a:solidFill>
+            <a:srgbClr val="1F1F1F"/>
+          </a:solidFill>
+        </p:spPr>
+        <p:style>
+          <a:lnRef idx="2">
+            <a:schemeClr val="accent1">
+              <a:shade val="50000"/>
+            </a:schemeClr>
+          </a:lnRef>
+          <a:fillRef idx="1">
+            <a:schemeClr val="accent1"/>
+          </a:fillRef>
+          <a:effectRef idx="0">
+            <a:schemeClr val="accent1"/>
+          </a:effectRef>
+          <a:fontRef idx="minor">
+            <a:schemeClr val="lt1"/>
+          </a:fontRef>
+        </p:style>
+        <p:txBody>
+          <a:bodyPr rtlCol="0" anchor="ctr"/>
+          <a:lstStyle/>
+          <a:p>
+            <a:pPr algn="ctr"/>
+            <a:endParaRPr lang="th-TH"/>
+          </a:p>
+        </p:txBody>
+      </p:sp>
+      <p:pic>
+        <p:nvPicPr>
+          <p:cNvPr id="3" name="รูปภาพ 2" descr="รูปภาพประกอบด้วย ข้อความ&#10;&#10;คำอธิบายที่สร้างโดยอัตโนมัติ">
+            <a:extLst>
+              <a:ext uri="{FF2B5EF4-FFF2-40B4-BE49-F238E27FC236}">
+                <a16:creationId xmlns:a16="http://schemas.microsoft.com/office/drawing/2014/main" id="{EF32114D-0481-D7CA-91EA-A66617CC77D7}"/>
+              </a:ext>
+            </a:extLst>
+          </p:cNvPr>
+          <p:cNvPicPr>
+            <a:picLocks noChangeAspect="1"/>
+          </p:cNvPicPr>
+          <p:nvPr/>
+        </p:nvPicPr>
+        <p:blipFill>
+          <a:blip r:embed="rId2">
+            <a:extLst>
+              <a:ext uri="{28A0092B-C50C-407E-A947-70E740481C1C}">
+                <a14:useLocalDpi xmlns:a14="http://schemas.microsoft.com/office/drawing/2010/main" val="0"/>
+              </a:ext>
+            </a:extLst>
+          </a:blip>
+          <a:stretch>
+            <a:fillRect/>
+          </a:stretch>
+        </p:blipFill>
+        <p:spPr>
+          <a:xfrm>
+            <a:off x="3292562" y="449580"/>
+            <a:ext cx="3715305" cy="5371617"/>
+          </a:xfrm>
+          <a:prstGeom prst="rect">
+            <a:avLst/>
+          </a:prstGeom>
+        </p:spPr>
+      </p:pic>
+      <p:sp>
+        <p:nvSpPr>
+          <p:cNvPr id="5" name="สี่เหลี่ยมผืนผ้า: มุมมน 4">
+            <a:extLst>
+              <a:ext uri="{FF2B5EF4-FFF2-40B4-BE49-F238E27FC236}">
+                <a16:creationId xmlns:a16="http://schemas.microsoft.com/office/drawing/2014/main" id="{0B929C01-21D2-D9C8-C65A-77F936E82B88}"/>
+              </a:ext>
+            </a:extLst>
+          </p:cNvPr>
+          <p:cNvSpPr/>
+          <p:nvPr/>
+        </p:nvSpPr>
+        <p:spPr>
+          <a:xfrm>
+            <a:off x="7038777" y="1293102"/>
+            <a:ext cx="463550" cy="266700"/>
+          </a:xfrm>
+          <a:prstGeom prst="roundRect">
+            <a:avLst/>
+          </a:prstGeom>
+          <a:solidFill>
+            <a:srgbClr val="FFFF00"/>
+          </a:solidFill>
+          <a:ln w="28575">
+            <a:solidFill>
+              <a:srgbClr val="FF0000"/>
+            </a:solidFill>
+          </a:ln>
+        </p:spPr>
+        <p:style>
+          <a:lnRef idx="2">
+            <a:schemeClr val="accent1">
+              <a:shade val="50000"/>
+            </a:schemeClr>
+          </a:lnRef>
+          <a:fillRef idx="1">
+            <a:schemeClr val="accent1"/>
+          </a:fillRef>
+          <a:effectRef idx="0">
+            <a:schemeClr val="accent1"/>
+          </a:effectRef>
+          <a:fontRef idx="minor">
+            <a:schemeClr val="lt1"/>
+          </a:fontRef>
+        </p:style>
+        <p:txBody>
+          <a:bodyPr rtlCol="0" anchor="ctr"/>
+          <a:lstStyle/>
+          <a:p>
+            <a:pPr algn="ctr"/>
+            <a:r>
+              <a:rPr lang="en-US" sz="1800" dirty="0">
+                <a:solidFill>
+                  <a:srgbClr val="FF0000"/>
+                </a:solidFill>
+              </a:rPr>
+              <a:t>1</a:t>
+            </a:r>
+            <a:endParaRPr lang="th-TH" sz="1800" dirty="0">
+              <a:solidFill>
+                <a:srgbClr val="FF0000"/>
+              </a:solidFill>
+            </a:endParaRPr>
+          </a:p>
+        </p:txBody>
+      </p:sp>
+      <p:cxnSp>
+        <p:nvCxnSpPr>
+          <p:cNvPr id="6" name="ลูกศรเชื่อมต่อแบบตรง 5">
+            <a:extLst>
+              <a:ext uri="{FF2B5EF4-FFF2-40B4-BE49-F238E27FC236}">
+                <a16:creationId xmlns:a16="http://schemas.microsoft.com/office/drawing/2014/main" id="{057D89DF-8A55-CA98-001D-4E89D39E0E7D}"/>
+              </a:ext>
+            </a:extLst>
+          </p:cNvPr>
+          <p:cNvCxnSpPr>
+            <a:cxnSpLocks/>
+            <a:stCxn id="5" idx="1"/>
+          </p:cNvCxnSpPr>
+          <p:nvPr/>
+        </p:nvCxnSpPr>
+        <p:spPr>
+          <a:xfrm flipH="1" flipV="1">
+            <a:off x="6698650" y="1166813"/>
+            <a:ext cx="340127" cy="259639"/>
+          </a:xfrm>
+          <a:prstGeom prst="straightConnector1">
+            <a:avLst/>
+          </a:prstGeom>
+          <a:ln w="28575" cap="flat" cmpd="sng" algn="ctr">
+            <a:solidFill>
+              <a:srgbClr val="FF0000"/>
+            </a:solidFill>
+            <a:prstDash val="solid"/>
+            <a:round/>
+            <a:headEnd type="none" w="med" len="med"/>
+            <a:tailEnd type="arrow" w="med" len="med"/>
+          </a:ln>
+        </p:spPr>
+        <p:style>
+          <a:lnRef idx="0">
+            <a:scrgbClr r="0" g="0" b="0"/>
+          </a:lnRef>
+          <a:fillRef idx="0">
+            <a:scrgbClr r="0" g="0" b="0"/>
+          </a:fillRef>
+          <a:effectRef idx="0">
+            <a:scrgbClr r="0" g="0" b="0"/>
+          </a:effectRef>
+          <a:fontRef idx="minor">
+            <a:schemeClr val="tx1"/>
+          </a:fontRef>
+        </p:style>
+      </p:cxnSp>
+      <p:sp>
+        <p:nvSpPr>
+          <p:cNvPr id="13" name="สี่เหลี่ยมผืนผ้า: มุมมน 12">
+            <a:extLst>
+              <a:ext uri="{FF2B5EF4-FFF2-40B4-BE49-F238E27FC236}">
+                <a16:creationId xmlns:a16="http://schemas.microsoft.com/office/drawing/2014/main" id="{17DD7670-2413-F748-294E-C6369C78494E}"/>
+              </a:ext>
+            </a:extLst>
+          </p:cNvPr>
+          <p:cNvSpPr/>
+          <p:nvPr/>
+        </p:nvSpPr>
+        <p:spPr>
+          <a:xfrm>
+            <a:off x="6544317" y="2445627"/>
+            <a:ext cx="463550" cy="266700"/>
+          </a:xfrm>
+          <a:prstGeom prst="roundRect">
+            <a:avLst/>
+          </a:prstGeom>
+          <a:solidFill>
+            <a:srgbClr val="FFFF00"/>
+          </a:solidFill>
+          <a:ln w="28575">
+            <a:solidFill>
+              <a:srgbClr val="FF0000"/>
+            </a:solidFill>
+          </a:ln>
+        </p:spPr>
+        <p:style>
+          <a:lnRef idx="2">
+            <a:schemeClr val="accent1">
+              <a:shade val="50000"/>
+            </a:schemeClr>
+          </a:lnRef>
+          <a:fillRef idx="1">
+            <a:schemeClr val="accent1"/>
+          </a:fillRef>
+          <a:effectRef idx="0">
+            <a:schemeClr val="accent1"/>
+          </a:effectRef>
+          <a:fontRef idx="minor">
+            <a:schemeClr val="lt1"/>
+          </a:fontRef>
+        </p:style>
+        <p:txBody>
+          <a:bodyPr rtlCol="0" anchor="ctr"/>
+          <a:lstStyle/>
+          <a:p>
+            <a:pPr algn="ctr"/>
+            <a:r>
+              <a:rPr lang="en-US" sz="1800" dirty="0">
+                <a:solidFill>
+                  <a:srgbClr val="FF0000"/>
+                </a:solidFill>
+              </a:rPr>
+              <a:t>2</a:t>
+            </a:r>
+            <a:endParaRPr lang="th-TH" sz="1800" dirty="0">
+              <a:solidFill>
+                <a:srgbClr val="FF0000"/>
+              </a:solidFill>
+            </a:endParaRPr>
+          </a:p>
+        </p:txBody>
+      </p:sp>
+      <p:cxnSp>
+        <p:nvCxnSpPr>
+          <p:cNvPr id="14" name="ลูกศรเชื่อมต่อแบบตรง 13">
+            <a:extLst>
+              <a:ext uri="{FF2B5EF4-FFF2-40B4-BE49-F238E27FC236}">
+                <a16:creationId xmlns:a16="http://schemas.microsoft.com/office/drawing/2014/main" id="{8770F955-2F19-4BF3-BB17-281313213EAD}"/>
+              </a:ext>
+            </a:extLst>
+          </p:cNvPr>
+          <p:cNvCxnSpPr>
+            <a:cxnSpLocks/>
+            <a:stCxn id="13" idx="1"/>
+          </p:cNvCxnSpPr>
+          <p:nvPr/>
+        </p:nvCxnSpPr>
+        <p:spPr>
+          <a:xfrm flipH="1">
+            <a:off x="5929313" y="2578977"/>
+            <a:ext cx="615004" cy="186652"/>
+          </a:xfrm>
+          <a:prstGeom prst="straightConnector1">
+            <a:avLst/>
+          </a:prstGeom>
+          <a:ln w="28575" cap="flat" cmpd="sng" algn="ctr">
+            <a:solidFill>
+              <a:srgbClr val="FF0000"/>
+            </a:solidFill>
+            <a:prstDash val="solid"/>
+            <a:round/>
+            <a:headEnd type="none" w="med" len="med"/>
+            <a:tailEnd type="arrow" w="med" len="med"/>
+          </a:ln>
+        </p:spPr>
+        <p:style>
+          <a:lnRef idx="0">
+            <a:scrgbClr r="0" g="0" b="0"/>
+          </a:lnRef>
+          <a:fillRef idx="0">
+            <a:scrgbClr r="0" g="0" b="0"/>
+          </a:fillRef>
+          <a:effectRef idx="0">
+            <a:scrgbClr r="0" g="0" b="0"/>
+          </a:effectRef>
+          <a:fontRef idx="minor">
+            <a:schemeClr val="tx1"/>
+          </a:fontRef>
+        </p:style>
+      </p:cxnSp>
+    </p:spTree>
+    <p:extLst>
+      <p:ext uri="{BB962C8B-B14F-4D97-AF65-F5344CB8AC3E}">
+        <p14:creationId xmlns:p14="http://schemas.microsoft.com/office/powerpoint/2010/main" val="4107108604"/>
+      </p:ext>
+    </p:extLst>
+  </p:cSld>
+  <p:clrMapOvr>
+    <a:masterClrMapping/>
+  </p:clrMapOvr>
+</p:sld>
+</file>
+
+<file path=ppt/slides/slide26.xml><?xml version="1.0" encoding="utf-8"?>
+<p:sld xmlns:a="http://schemas.openxmlformats.org/drawingml/2006/main" xmlns:r="http://schemas.openxmlformats.org/officeDocument/2006/relationships" xmlns:p="http://schemas.openxmlformats.org/presentationml/2006/main">
+  <p:cSld>
+    <p:spTree>
+      <p:nvGrpSpPr>
+        <p:cNvPr id="1" name=""/>
+        <p:cNvGrpSpPr/>
+        <p:nvPr/>
+      </p:nvGrpSpPr>
+      <p:grpSpPr>
+        <a:xfrm>
+          <a:off x="0" y="0"/>
+          <a:ext cx="0" cy="0"/>
+          <a:chOff x="0" y="0"/>
+          <a:chExt cx="0" cy="0"/>
+        </a:xfrm>
+      </p:grpSpPr>
+      <p:pic>
+        <p:nvPicPr>
+          <p:cNvPr id="3" name="รูปภาพ 2">
+            <a:extLst>
+              <a:ext uri="{FF2B5EF4-FFF2-40B4-BE49-F238E27FC236}">
+                <a16:creationId xmlns:a16="http://schemas.microsoft.com/office/drawing/2014/main" id="{8A957FC8-95E6-E111-4EC8-E69404DD3ED1}"/>
+              </a:ext>
+            </a:extLst>
+          </p:cNvPr>
+          <p:cNvPicPr>
+            <a:picLocks noChangeAspect="1"/>
+          </p:cNvPicPr>
+          <p:nvPr/>
+        </p:nvPicPr>
+        <p:blipFill>
+          <a:blip r:embed="rId2">
+            <a:extLst>
+              <a:ext uri="{28A0092B-C50C-407E-A947-70E740481C1C}">
+                <a14:useLocalDpi xmlns:a14="http://schemas.microsoft.com/office/drawing/2010/main" val="0"/>
+              </a:ext>
+            </a:extLst>
+          </a:blip>
+          <a:stretch>
+            <a:fillRect/>
+          </a:stretch>
+        </p:blipFill>
+        <p:spPr>
+          <a:xfrm>
+            <a:off x="1234910" y="254500"/>
+            <a:ext cx="6347963" cy="5404883"/>
+          </a:xfrm>
+          <a:prstGeom prst="rect">
+            <a:avLst/>
+          </a:prstGeom>
+        </p:spPr>
+      </p:pic>
+      <p:sp>
+        <p:nvSpPr>
+          <p:cNvPr id="4" name="สี่เหลี่ยมผืนผ้า: มุมมน 3">
+            <a:extLst>
+              <a:ext uri="{FF2B5EF4-FFF2-40B4-BE49-F238E27FC236}">
+                <a16:creationId xmlns:a16="http://schemas.microsoft.com/office/drawing/2014/main" id="{F4D17292-7550-3F41-AE93-AA5E1F76E3DF}"/>
+              </a:ext>
+            </a:extLst>
+          </p:cNvPr>
+          <p:cNvSpPr/>
+          <p:nvPr/>
+        </p:nvSpPr>
+        <p:spPr>
+          <a:xfrm>
+            <a:off x="4370992" y="2292343"/>
+            <a:ext cx="463550" cy="266700"/>
+          </a:xfrm>
+          <a:prstGeom prst="roundRect">
+            <a:avLst/>
+          </a:prstGeom>
+          <a:solidFill>
+            <a:srgbClr val="FFFF00"/>
+          </a:solidFill>
+          <a:ln w="28575">
+            <a:solidFill>
+              <a:srgbClr val="FF0000"/>
+            </a:solidFill>
+          </a:ln>
+        </p:spPr>
+        <p:style>
+          <a:lnRef idx="2">
+            <a:schemeClr val="accent1">
+              <a:shade val="50000"/>
+            </a:schemeClr>
+          </a:lnRef>
+          <a:fillRef idx="1">
+            <a:schemeClr val="accent1"/>
+          </a:fillRef>
+          <a:effectRef idx="0">
+            <a:schemeClr val="accent1"/>
+          </a:effectRef>
+          <a:fontRef idx="minor">
+            <a:schemeClr val="lt1"/>
+          </a:fontRef>
+        </p:style>
+        <p:txBody>
+          <a:bodyPr rtlCol="0" anchor="ctr"/>
+          <a:lstStyle/>
+          <a:p>
+            <a:pPr algn="ctr"/>
+            <a:r>
+              <a:rPr lang="en-US" sz="1800" dirty="0">
+                <a:solidFill>
+                  <a:srgbClr val="FF0000"/>
+                </a:solidFill>
+              </a:rPr>
+              <a:t>1</a:t>
+            </a:r>
+            <a:endParaRPr lang="th-TH" sz="1800" dirty="0">
+              <a:solidFill>
+                <a:srgbClr val="FF0000"/>
+              </a:solidFill>
+            </a:endParaRPr>
+          </a:p>
+        </p:txBody>
+      </p:sp>
+      <p:cxnSp>
+        <p:nvCxnSpPr>
+          <p:cNvPr id="5" name="ลูกศรเชื่อมต่อแบบตรง 4">
+            <a:extLst>
+              <a:ext uri="{FF2B5EF4-FFF2-40B4-BE49-F238E27FC236}">
+                <a16:creationId xmlns:a16="http://schemas.microsoft.com/office/drawing/2014/main" id="{DEEB26DD-CFE6-C233-4A17-D22E6A821168}"/>
+              </a:ext>
+            </a:extLst>
+          </p:cNvPr>
+          <p:cNvCxnSpPr>
+            <a:cxnSpLocks/>
+            <a:stCxn id="4" idx="1"/>
+          </p:cNvCxnSpPr>
+          <p:nvPr/>
+        </p:nvCxnSpPr>
+        <p:spPr>
+          <a:xfrm flipH="1" flipV="1">
+            <a:off x="4030865" y="2166054"/>
+            <a:ext cx="340127" cy="259639"/>
+          </a:xfrm>
+          <a:prstGeom prst="straightConnector1">
+            <a:avLst/>
+          </a:prstGeom>
+          <a:ln w="28575" cap="flat" cmpd="sng" algn="ctr">
+            <a:solidFill>
+              <a:srgbClr val="FF0000"/>
+            </a:solidFill>
+            <a:prstDash val="solid"/>
+            <a:round/>
+            <a:headEnd type="none" w="med" len="med"/>
+            <a:tailEnd type="arrow" w="med" len="med"/>
+          </a:ln>
+        </p:spPr>
+        <p:style>
+          <a:lnRef idx="0">
+            <a:scrgbClr r="0" g="0" b="0"/>
+          </a:lnRef>
+          <a:fillRef idx="0">
+            <a:scrgbClr r="0" g="0" b="0"/>
+          </a:fillRef>
+          <a:effectRef idx="0">
+            <a:scrgbClr r="0" g="0" b="0"/>
+          </a:effectRef>
+          <a:fontRef idx="minor">
+            <a:schemeClr val="tx1"/>
+          </a:fontRef>
+        </p:style>
+      </p:cxnSp>
+      <p:sp>
+        <p:nvSpPr>
+          <p:cNvPr id="6" name="สี่เหลี่ยมผืนผ้า: มุมมน 5">
+            <a:extLst>
+              <a:ext uri="{FF2B5EF4-FFF2-40B4-BE49-F238E27FC236}">
+                <a16:creationId xmlns:a16="http://schemas.microsoft.com/office/drawing/2014/main" id="{8D6BA9AE-58B7-C345-0789-FC80FC6CFD93}"/>
+              </a:ext>
+            </a:extLst>
+          </p:cNvPr>
+          <p:cNvSpPr/>
+          <p:nvPr/>
+        </p:nvSpPr>
+        <p:spPr>
+          <a:xfrm>
+            <a:off x="3280528" y="3214540"/>
+            <a:ext cx="2601798" cy="1248996"/>
+          </a:xfrm>
+          <a:prstGeom prst="roundRect">
+            <a:avLst>
+              <a:gd name="adj" fmla="val 6519"/>
+            </a:avLst>
+          </a:prstGeom>
+          <a:noFill/>
+          <a:ln w="38100">
+            <a:solidFill>
+              <a:srgbClr val="00B050"/>
+            </a:solidFill>
+          </a:ln>
+        </p:spPr>
+        <p:style>
+          <a:lnRef idx="2">
+            <a:schemeClr val="accent1">
+              <a:shade val="50000"/>
+            </a:schemeClr>
+          </a:lnRef>
+          <a:fillRef idx="1">
+            <a:schemeClr val="accent1"/>
+          </a:fillRef>
+          <a:effectRef idx="0">
+            <a:schemeClr val="accent1"/>
+          </a:effectRef>
+          <a:fontRef idx="minor">
+            <a:schemeClr val="lt1"/>
+          </a:fontRef>
+        </p:style>
+        <p:txBody>
+          <a:bodyPr rtlCol="0" anchor="ctr"/>
+          <a:lstStyle/>
+          <a:p>
+            <a:pPr algn="ctr"/>
+            <a:endParaRPr lang="th-TH"/>
+          </a:p>
+        </p:txBody>
+      </p:sp>
+      <p:sp>
+        <p:nvSpPr>
+          <p:cNvPr id="7" name="สี่เหลี่ยมผืนผ้า: มุมมน 6">
+            <a:extLst>
+              <a:ext uri="{FF2B5EF4-FFF2-40B4-BE49-F238E27FC236}">
+                <a16:creationId xmlns:a16="http://schemas.microsoft.com/office/drawing/2014/main" id="{92B63262-87BD-BAF8-9EF9-0F223364938A}"/>
+              </a:ext>
+            </a:extLst>
+          </p:cNvPr>
+          <p:cNvSpPr/>
+          <p:nvPr/>
+        </p:nvSpPr>
+        <p:spPr>
+          <a:xfrm>
+            <a:off x="6401865" y="3614149"/>
+            <a:ext cx="463550" cy="266700"/>
+          </a:xfrm>
+          <a:prstGeom prst="roundRect">
+            <a:avLst/>
+          </a:prstGeom>
+          <a:solidFill>
+            <a:srgbClr val="FFFF00"/>
+          </a:solidFill>
+          <a:ln w="28575">
+            <a:solidFill>
+              <a:srgbClr val="FF0000"/>
+            </a:solidFill>
+          </a:ln>
+        </p:spPr>
+        <p:style>
+          <a:lnRef idx="2">
+            <a:schemeClr val="accent1">
+              <a:shade val="50000"/>
+            </a:schemeClr>
+          </a:lnRef>
+          <a:fillRef idx="1">
+            <a:schemeClr val="accent1"/>
+          </a:fillRef>
+          <a:effectRef idx="0">
+            <a:schemeClr val="accent1"/>
+          </a:effectRef>
+          <a:fontRef idx="minor">
+            <a:schemeClr val="lt1"/>
+          </a:fontRef>
+        </p:style>
+        <p:txBody>
+          <a:bodyPr rtlCol="0" anchor="ctr"/>
+          <a:lstStyle/>
+          <a:p>
+            <a:pPr algn="ctr"/>
+            <a:r>
+              <a:rPr lang="en-US" sz="1800" dirty="0">
+                <a:solidFill>
+                  <a:srgbClr val="FF0000"/>
+                </a:solidFill>
+              </a:rPr>
+              <a:t>2</a:t>
+            </a:r>
+            <a:endParaRPr lang="th-TH" sz="1800" dirty="0">
+              <a:solidFill>
+                <a:srgbClr val="FF0000"/>
+              </a:solidFill>
+            </a:endParaRPr>
+          </a:p>
+        </p:txBody>
+      </p:sp>
+      <p:cxnSp>
+        <p:nvCxnSpPr>
+          <p:cNvPr id="8" name="ลูกศรเชื่อมต่อแบบตรง 7">
+            <a:extLst>
+              <a:ext uri="{FF2B5EF4-FFF2-40B4-BE49-F238E27FC236}">
+                <a16:creationId xmlns:a16="http://schemas.microsoft.com/office/drawing/2014/main" id="{8DAABB9C-102B-548D-D676-87C62E7DD5C0}"/>
+              </a:ext>
+            </a:extLst>
+          </p:cNvPr>
+          <p:cNvCxnSpPr>
+            <a:cxnSpLocks/>
+            <a:stCxn id="7" idx="1"/>
+            <a:endCxn id="6" idx="3"/>
+          </p:cNvCxnSpPr>
+          <p:nvPr/>
+        </p:nvCxnSpPr>
+        <p:spPr>
+          <a:xfrm flipH="1">
+            <a:off x="5882326" y="3747499"/>
+            <a:ext cx="519539" cy="91539"/>
+          </a:xfrm>
+          <a:prstGeom prst="straightConnector1">
+            <a:avLst/>
+          </a:prstGeom>
+          <a:ln w="28575" cap="flat" cmpd="sng" algn="ctr">
+            <a:solidFill>
+              <a:srgbClr val="FF0000"/>
+            </a:solidFill>
+            <a:prstDash val="solid"/>
+            <a:round/>
+            <a:headEnd type="none" w="med" len="med"/>
+            <a:tailEnd type="arrow" w="med" len="med"/>
+          </a:ln>
+        </p:spPr>
+        <p:style>
+          <a:lnRef idx="0">
+            <a:scrgbClr r="0" g="0" b="0"/>
+          </a:lnRef>
+          <a:fillRef idx="0">
+            <a:scrgbClr r="0" g="0" b="0"/>
+          </a:fillRef>
+          <a:effectRef idx="0">
+            <a:scrgbClr r="0" g="0" b="0"/>
+          </a:effectRef>
+          <a:fontRef idx="minor">
+            <a:schemeClr val="tx1"/>
+          </a:fontRef>
+        </p:style>
+      </p:cxnSp>
+    </p:spTree>
+    <p:extLst>
+      <p:ext uri="{BB962C8B-B14F-4D97-AF65-F5344CB8AC3E}">
+        <p14:creationId xmlns:p14="http://schemas.microsoft.com/office/powerpoint/2010/main" val="4171874891"/>
+      </p:ext>
+    </p:extLst>
+  </p:cSld>
+  <p:clrMapOvr>
+    <a:masterClrMapping/>
+  </p:clrMapOvr>
+</p:sld>
+</file>
+
+<file path=ppt/slides/slide27.xml><?xml version="1.0" encoding="utf-8"?>
+<p:sld xmlns:a="http://schemas.openxmlformats.org/drawingml/2006/main" xmlns:r="http://schemas.openxmlformats.org/officeDocument/2006/relationships" xmlns:p="http://schemas.openxmlformats.org/presentationml/2006/main">
+  <p:cSld>
+    <p:spTree>
+      <p:nvGrpSpPr>
+        <p:cNvPr id="1" name=""/>
+        <p:cNvGrpSpPr/>
+        <p:nvPr/>
+      </p:nvGrpSpPr>
+      <p:grpSpPr>
+        <a:xfrm>
+          <a:off x="0" y="0"/>
+          <a:ext cx="0" cy="0"/>
+          <a:chOff x="0" y="0"/>
+          <a:chExt cx="0" cy="0"/>
+        </a:xfrm>
+      </p:grpSpPr>
+    </p:spTree>
+    <p:extLst>
+      <p:ext uri="{BB962C8B-B14F-4D97-AF65-F5344CB8AC3E}">
+        <p14:creationId xmlns:p14="http://schemas.microsoft.com/office/powerpoint/2010/main" val="681177448"/>
+      </p:ext>
+    </p:extLst>
+  </p:cSld>
+  <p:clrMapOvr>
+    <a:masterClrMapping/>
+  </p:clrMapOvr>
+</p:sld>
+</file>
+
+<file path=ppt/slides/slide28.xml><?xml version="1.0" encoding="utf-8"?>
+<p:sld xmlns:a="http://schemas.openxmlformats.org/drawingml/2006/main" xmlns:r="http://schemas.openxmlformats.org/officeDocument/2006/relationships" xmlns:p="http://schemas.openxmlformats.org/presentationml/2006/main">
+  <p:cSld>
+    <p:spTree>
+      <p:nvGrpSpPr>
+        <p:cNvPr id="1" name=""/>
+        <p:cNvGrpSpPr/>
+        <p:nvPr/>
+      </p:nvGrpSpPr>
+      <p:grpSpPr>
+        <a:xfrm>
+          <a:off x="0" y="0"/>
+          <a:ext cx="0" cy="0"/>
+          <a:chOff x="0" y="0"/>
+          <a:chExt cx="0" cy="0"/>
+        </a:xfrm>
+      </p:grpSpPr>
+    </p:spTree>
+    <p:extLst>
+      <p:ext uri="{BB962C8B-B14F-4D97-AF65-F5344CB8AC3E}">
+        <p14:creationId xmlns:p14="http://schemas.microsoft.com/office/powerpoint/2010/main" val="776416061"/>
+      </p:ext>
+    </p:extLst>
+  </p:cSld>
+  <p:clrMapOvr>
+    <a:masterClrMapping/>
+  </p:clrMapOvr>
+</p:sld>
+</file>
+
+<file path=ppt/slides/slide29.xml><?xml version="1.0" encoding="utf-8"?>
+<p:sld xmlns:a="http://schemas.openxmlformats.org/drawingml/2006/main" xmlns:r="http://schemas.openxmlformats.org/officeDocument/2006/relationships" xmlns:p="http://schemas.openxmlformats.org/presentationml/2006/main">
+  <p:cSld>
+    <p:spTree>
+      <p:nvGrpSpPr>
+        <p:cNvPr id="1" name=""/>
+        <p:cNvGrpSpPr/>
+        <p:nvPr/>
+      </p:nvGrpSpPr>
+      <p:grpSpPr>
+        <a:xfrm>
+          <a:off x="0" y="0"/>
+          <a:ext cx="0" cy="0"/>
+          <a:chOff x="0" y="0"/>
+          <a:chExt cx="0" cy="0"/>
+        </a:xfrm>
+      </p:grpSpPr>
+    </p:spTree>
+    <p:extLst>
+      <p:ext uri="{BB962C8B-B14F-4D97-AF65-F5344CB8AC3E}">
+        <p14:creationId xmlns:p14="http://schemas.microsoft.com/office/powerpoint/2010/main" val="3766500922"/>
+      </p:ext>
+    </p:extLst>
+  </p:cSld>
+  <p:clrMapOvr>
+    <a:masterClrMapping/>
+  </p:clrMapOvr>
+</p:sld>
+</file>
+
 <file path=ppt/slides/slide3.xml><?xml version="1.0" encoding="utf-8"?>
 <p:sld xmlns:a="http://schemas.openxmlformats.org/drawingml/2006/main" xmlns:r="http://schemas.openxmlformats.org/officeDocument/2006/relationships" xmlns:p="http://schemas.openxmlformats.org/presentationml/2006/main">
   <p:cSld>
@@ -7954,6 +11009,36 @@
     <p:extLst>
       <p:ext uri="{BB962C8B-B14F-4D97-AF65-F5344CB8AC3E}">
         <p14:creationId xmlns:p14="http://schemas.microsoft.com/office/powerpoint/2010/main" val="2768497800"/>
+      </p:ext>
+    </p:extLst>
+  </p:cSld>
+  <p:clrMapOvr>
+    <a:masterClrMapping/>
+  </p:clrMapOvr>
+</p:sld>
+</file>
+
+<file path=ppt/slides/slide30.xml><?xml version="1.0" encoding="utf-8"?>
+<p:sld xmlns:a="http://schemas.openxmlformats.org/drawingml/2006/main" xmlns:r="http://schemas.openxmlformats.org/officeDocument/2006/relationships" xmlns:p="http://schemas.openxmlformats.org/presentationml/2006/main">
+  <p:cSld>
+    <p:spTree>
+      <p:nvGrpSpPr>
+        <p:cNvPr id="1" name=""/>
+        <p:cNvGrpSpPr/>
+        <p:nvPr/>
+      </p:nvGrpSpPr>
+      <p:grpSpPr>
+        <a:xfrm>
+          <a:off x="0" y="0"/>
+          <a:ext cx="0" cy="0"/>
+          <a:chOff x="0" y="0"/>
+          <a:chExt cx="0" cy="0"/>
+        </a:xfrm>
+      </p:grpSpPr>
+    </p:spTree>
+    <p:extLst>
+      <p:ext uri="{BB962C8B-B14F-4D97-AF65-F5344CB8AC3E}">
+        <p14:creationId xmlns:p14="http://schemas.microsoft.com/office/powerpoint/2010/main" val="804342938"/>
       </p:ext>
     </p:extLst>
   </p:cSld>
